--- a/Présentation/Présentation_Crypto_Musée.pptx
+++ b/Présentation/Présentation_Crypto_Musée.pptx
@@ -18,16 +18,17 @@
     <p:sldId id="263" r:id="rId13"/>
     <p:sldId id="264" r:id="rId14"/>
     <p:sldId id="265" r:id="rId15"/>
+    <p:sldId id="266" r:id="rId16"/>
   </p:sldIdLst>
   <p:sldSz cy="5143500" cx="9144000"/>
   <p:notesSz cx="6858000" cy="9144000"/>
   <p:embeddedFontLst>
     <p:embeddedFont>
       <p:font typeface="Proxima Nova"/>
-      <p:regular r:id="rId16"/>
-      <p:bold r:id="rId17"/>
-      <p:italic r:id="rId18"/>
-      <p:boldItalic r:id="rId19"/>
+      <p:regular r:id="rId17"/>
+      <p:bold r:id="rId18"/>
+      <p:italic r:id="rId19"/>
+      <p:boldItalic r:id="rId20"/>
     </p:embeddedFont>
   </p:embeddedFontLst>
   <p:defaultTextStyle>
@@ -902,6 +903,105 @@
 </p:notes>
 </file>
 
+<file path=ppt/notesSlides/notesSlide11.xml><?xml version="1.0" encoding="utf-8"?>
+<p:notes xmlns:a="http://schemas.openxmlformats.org/drawingml/2006/main" xmlns:r="http://schemas.openxmlformats.org/officeDocument/2006/relationships" xmlns:mc="http://schemas.openxmlformats.org/markup-compatibility/2006" xmlns:mv="urn:schemas-microsoft-com:mac:vml" xmlns:p="http://schemas.openxmlformats.org/presentationml/2006/main" xmlns:c="http://schemas.openxmlformats.org/drawingml/2006/chart" xmlns:dgm="http://schemas.openxmlformats.org/drawingml/2006/diagram" xmlns:o="urn:schemas-microsoft-com:office:office" xmlns:v="urn:schemas-microsoft-com:vml" xmlns:pvml="urn:schemas-microsoft-com:office:powerpoint" xmlns:com="http://schemas.openxmlformats.org/drawingml/2006/compatibility" xmlns:p14="http://schemas.microsoft.com/office/powerpoint/2010/main" xmlns:p15="http://schemas.microsoft.com/office/powerpoint/2012/main" xmlns:ahyp="http://schemas.microsoft.com/office/drawing/2018/hyperlinkcolor" showMasterPhAnim="0" showMasterSp="0">
+  <p:cSld>
+    <p:spTree>
+      <p:nvGrpSpPr>
+        <p:cNvPr id="147" name="Shape 147"/>
+        <p:cNvGrpSpPr/>
+        <p:nvPr/>
+      </p:nvGrpSpPr>
+      <p:grpSpPr>
+        <a:xfrm>
+          <a:off x="0" y="0"/>
+          <a:ext cx="0" cy="0"/>
+          <a:chOff x="0" y="0"/>
+          <a:chExt cx="0" cy="0"/>
+        </a:xfrm>
+      </p:grpSpPr>
+      <p:sp>
+        <p:nvSpPr>
+          <p:cNvPr id="148" name="Google Shape;148;g1075ac4be65_0_2:notes"/>
+          <p:cNvSpPr/>
+          <p:nvPr>
+            <p:ph idx="2" type="sldImg"/>
+          </p:nvPr>
+        </p:nvSpPr>
+        <p:spPr>
+          <a:xfrm>
+            <a:off x="381300" y="685800"/>
+            <a:ext cx="6096000" cy="3429000"/>
+          </a:xfrm>
+          <a:custGeom>
+            <a:rect b="b" l="l" r="r" t="t"/>
+            <a:pathLst>
+              <a:path extrusionOk="0" h="120000" w="120000">
+                <a:moveTo>
+                  <a:pt x="0" y="0"/>
+                </a:moveTo>
+                <a:lnTo>
+                  <a:pt x="120000" y="0"/>
+                </a:lnTo>
+                <a:lnTo>
+                  <a:pt x="120000" y="120000"/>
+                </a:lnTo>
+                <a:lnTo>
+                  <a:pt x="0" y="120000"/>
+                </a:lnTo>
+                <a:close/>
+              </a:path>
+            </a:pathLst>
+          </a:custGeom>
+        </p:spPr>
+      </p:sp>
+      <p:sp>
+        <p:nvSpPr>
+          <p:cNvPr id="149" name="Google Shape;149;g1075ac4be65_0_2:notes"/>
+          <p:cNvSpPr txBox="1"/>
+          <p:nvPr>
+            <p:ph idx="1" type="body"/>
+          </p:nvPr>
+        </p:nvSpPr>
+        <p:spPr>
+          <a:xfrm>
+            <a:off x="685800" y="4343400"/>
+            <a:ext cx="5486400" cy="4114800"/>
+          </a:xfrm>
+          <a:prstGeom prst="rect">
+            <a:avLst/>
+          </a:prstGeom>
+        </p:spPr>
+        <p:txBody>
+          <a:bodyPr anchorCtr="0" anchor="t" bIns="91425" lIns="91425" spcFirstLastPara="1" rIns="91425" wrap="square" tIns="91425">
+            <a:noAutofit/>
+          </a:bodyPr>
+          <a:lstStyle/>
+          <a:p>
+            <a:pPr indent="0" lvl="0" marL="0" rtl="0" algn="l">
+              <a:spcBef>
+                <a:spcPts val="0"/>
+              </a:spcBef>
+              <a:spcAft>
+                <a:spcPts val="0"/>
+              </a:spcAft>
+              <a:buNone/>
+            </a:pPr>
+            <a:r>
+              <a:t/>
+            </a:r>
+            <a:endParaRPr/>
+          </a:p>
+        </p:txBody>
+      </p:sp>
+    </p:spTree>
+  </p:cSld>
+  <p:clrMapOvr>
+    <a:masterClrMapping/>
+  </p:clrMapOvr>
+</p:notes>
+</file>
+
 <file path=ppt/notesSlides/notesSlide2.xml><?xml version="1.0" encoding="utf-8"?>
 <p:notes xmlns:a="http://schemas.openxmlformats.org/drawingml/2006/main" xmlns:r="http://schemas.openxmlformats.org/officeDocument/2006/relationships" xmlns:mc="http://schemas.openxmlformats.org/markup-compatibility/2006" xmlns:mv="urn:schemas-microsoft-com:mac:vml" xmlns:p="http://schemas.openxmlformats.org/presentationml/2006/main" xmlns:c="http://schemas.openxmlformats.org/drawingml/2006/chart" xmlns:dgm="http://schemas.openxmlformats.org/drawingml/2006/diagram" xmlns:o="urn:schemas-microsoft-com:office:office" xmlns:v="urn:schemas-microsoft-com:vml" xmlns:pvml="urn:schemas-microsoft-com:office:powerpoint" xmlns:com="http://schemas.openxmlformats.org/drawingml/2006/compatibility" xmlns:p14="http://schemas.microsoft.com/office/powerpoint/2010/main" xmlns:p15="http://schemas.microsoft.com/office/powerpoint/2012/main" xmlns:ahyp="http://schemas.microsoft.com/office/drawing/2018/hyperlinkcolor" showMasterPhAnim="0" showMasterSp="0">
   <p:cSld>
@@ -1185,20 +1285,7 @@
               <a:buNone/>
             </a:pPr>
             <a:r>
-              <a:rPr lang="fr"/>
-              <a:t>permutation</a:t>
-            </a:r>
-            <a:r>
-              <a:rPr lang="fr"/>
-              <a:t> au tri (vecteur) → différence entre les permutations entre les 2 listes pour chiffrer (on </a:t>
-            </a:r>
-            <a:r>
-              <a:rPr lang="fr"/>
-              <a:t>étudie</a:t>
-            </a:r>
-            <a:r>
-              <a:rPr lang="fr"/>
-              <a:t> la permutation entre les 2 listes)</a:t>
+              <a:t/>
             </a:r>
             <a:endParaRPr/>
           </a:p>
@@ -1288,18 +1375,39 @@
           <a:lstStyle/>
           <a:p>
             <a:pPr indent="0" lvl="0" marL="0" rtl="0" algn="l">
-              <a:spcBef>
-                <a:spcPts val="0"/>
-              </a:spcBef>
-              <a:spcAft>
-                <a:spcPts val="0"/>
-              </a:spcAft>
+              <a:lnSpc>
+                <a:spcPct val="115000"/>
+              </a:lnSpc>
+              <a:spcBef>
+                <a:spcPts val="0"/>
+              </a:spcBef>
+              <a:spcAft>
+                <a:spcPts val="1200"/>
+              </a:spcAft>
+              <a:buClr>
+                <a:schemeClr val="dk1"/>
+              </a:buClr>
+              <a:buSzPts val="1100"/>
+              <a:buFont typeface="Arial"/>
               <a:buNone/>
             </a:pPr>
             <a:r>
-              <a:t/>
+              <a:rPr lang="fr" sz="1800">
+                <a:solidFill>
+                  <a:schemeClr val="dk1"/>
+                </a:solidFill>
+                <a:latin typeface="Proxima Nova"/>
+                <a:ea typeface="Proxima Nova"/>
+                <a:cs typeface="Proxima Nova"/>
+                <a:sym typeface="Proxima Nova"/>
+              </a:rPr>
+              <a:t>permutation au tri (vecteur) → différence entre les permutations entre les 2 listes pour chiffrer (on étudie la permutation entre les 2 listes)</a:t>
             </a:r>
-            <a:endParaRPr/>
+            <a:endParaRPr>
+              <a:solidFill>
+                <a:schemeClr val="dk1"/>
+              </a:solidFill>
+            </a:endParaRPr>
           </a:p>
         </p:txBody>
       </p:sp>
@@ -7392,6 +7500,241 @@
 </p:sld>
 </file>
 
+<file path=ppt/slides/slide11.xml><?xml version="1.0" encoding="utf-8"?>
+<p:sld xmlns:a="http://schemas.openxmlformats.org/drawingml/2006/main" xmlns:r="http://schemas.openxmlformats.org/officeDocument/2006/relationships" xmlns:mc="http://schemas.openxmlformats.org/markup-compatibility/2006" xmlns:mv="urn:schemas-microsoft-com:mac:vml" xmlns:p="http://schemas.openxmlformats.org/presentationml/2006/main" xmlns:c="http://schemas.openxmlformats.org/drawingml/2006/chart" xmlns:dgm="http://schemas.openxmlformats.org/drawingml/2006/diagram" xmlns:o="urn:schemas-microsoft-com:office:office" xmlns:v="urn:schemas-microsoft-com:vml" xmlns:pvml="urn:schemas-microsoft-com:office:powerpoint" xmlns:com="http://schemas.openxmlformats.org/drawingml/2006/compatibility" xmlns:p14="http://schemas.microsoft.com/office/powerpoint/2010/main" xmlns:p15="http://schemas.microsoft.com/office/powerpoint/2012/main" xmlns:ahyp="http://schemas.microsoft.com/office/drawing/2018/hyperlinkcolor" show="0">
+  <p:cSld>
+    <p:bg>
+      <p:bgPr>
+        <a:solidFill>
+          <a:schemeClr val="dk1"/>
+        </a:solidFill>
+      </p:bgPr>
+    </p:bg>
+    <p:spTree>
+      <p:nvGrpSpPr>
+        <p:cNvPr id="150" name="Shape 150"/>
+        <p:cNvGrpSpPr/>
+        <p:nvPr/>
+      </p:nvGrpSpPr>
+      <p:grpSpPr>
+        <a:xfrm>
+          <a:off x="0" y="0"/>
+          <a:ext cx="0" cy="0"/>
+          <a:chOff x="0" y="0"/>
+          <a:chExt cx="0" cy="0"/>
+        </a:xfrm>
+      </p:grpSpPr>
+      <p:sp>
+        <p:nvSpPr>
+          <p:cNvPr id="151" name="Google Shape;151;p23"/>
+          <p:cNvSpPr txBox="1"/>
+          <p:nvPr>
+            <p:ph type="title"/>
+          </p:nvPr>
+        </p:nvSpPr>
+        <p:spPr>
+          <a:xfrm>
+            <a:off x="311700" y="445025"/>
+            <a:ext cx="8520600" cy="572700"/>
+          </a:xfrm>
+          <a:prstGeom prst="rect">
+            <a:avLst/>
+          </a:prstGeom>
+        </p:spPr>
+        <p:txBody>
+          <a:bodyPr anchorCtr="0" anchor="t" bIns="91425" lIns="91425" spcFirstLastPara="1" rIns="91425" wrap="square" tIns="91425">
+            <a:normAutofit fontScale="90000"/>
+          </a:bodyPr>
+          <a:lstStyle/>
+          <a:p>
+            <a:pPr indent="0" lvl="0" marL="0" rtl="0" algn="l">
+              <a:spcBef>
+                <a:spcPts val="0"/>
+              </a:spcBef>
+              <a:spcAft>
+                <a:spcPts val="0"/>
+              </a:spcAft>
+              <a:buNone/>
+            </a:pPr>
+            <a:r>
+              <a:rPr lang="fr">
+                <a:solidFill>
+                  <a:schemeClr val="lt2"/>
+                </a:solidFill>
+              </a:rPr>
+              <a:t>Méthode utilisée</a:t>
+            </a:r>
+            <a:endParaRPr>
+              <a:solidFill>
+                <a:schemeClr val="lt2"/>
+              </a:solidFill>
+            </a:endParaRPr>
+          </a:p>
+        </p:txBody>
+      </p:sp>
+      <p:sp>
+        <p:nvSpPr>
+          <p:cNvPr id="152" name="Google Shape;152;p23"/>
+          <p:cNvSpPr txBox="1"/>
+          <p:nvPr>
+            <p:ph idx="1" type="body"/>
+          </p:nvPr>
+        </p:nvSpPr>
+        <p:spPr>
+          <a:xfrm>
+            <a:off x="311700" y="1152475"/>
+            <a:ext cx="8520600" cy="3416400"/>
+          </a:xfrm>
+          <a:prstGeom prst="rect">
+            <a:avLst/>
+          </a:prstGeom>
+        </p:spPr>
+        <p:txBody>
+          <a:bodyPr anchorCtr="0" anchor="t" bIns="91425" lIns="91425" spcFirstLastPara="1" rIns="91425" wrap="square" tIns="91425">
+            <a:normAutofit/>
+          </a:bodyPr>
+          <a:lstStyle/>
+          <a:p>
+            <a:pPr indent="0" lvl="0" marL="0" rtl="0" algn="just">
+              <a:spcBef>
+                <a:spcPts val="0"/>
+              </a:spcBef>
+              <a:spcAft>
+                <a:spcPts val="1200"/>
+              </a:spcAft>
+              <a:buNone/>
+            </a:pPr>
+            <a:r>
+              <a:t/>
+            </a:r>
+            <a:endParaRPr>
+              <a:solidFill>
+                <a:schemeClr val="lt1"/>
+              </a:solidFill>
+            </a:endParaRPr>
+          </a:p>
+        </p:txBody>
+      </p:sp>
+      <p:pic>
+        <p:nvPicPr>
+          <p:cNvPr id="153" name="Google Shape;153;p23"/>
+          <p:cNvPicPr preferRelativeResize="0"/>
+          <p:nvPr/>
+        </p:nvPicPr>
+        <p:blipFill>
+          <a:blip r:embed="rId3">
+            <a:alphaModFix/>
+          </a:blip>
+          <a:stretch>
+            <a:fillRect/>
+          </a:stretch>
+        </p:blipFill>
+        <p:spPr>
+          <a:xfrm>
+            <a:off x="106375" y="103300"/>
+            <a:ext cx="3507725" cy="2376200"/>
+          </a:xfrm>
+          <a:prstGeom prst="rect">
+            <a:avLst/>
+          </a:prstGeom>
+          <a:noFill/>
+          <a:ln>
+            <a:noFill/>
+          </a:ln>
+        </p:spPr>
+      </p:pic>
+      <p:pic>
+        <p:nvPicPr>
+          <p:cNvPr id="154" name="Google Shape;154;p23"/>
+          <p:cNvPicPr preferRelativeResize="0"/>
+          <p:nvPr/>
+        </p:nvPicPr>
+        <p:blipFill>
+          <a:blip r:embed="rId4">
+            <a:alphaModFix/>
+          </a:blip>
+          <a:stretch>
+            <a:fillRect/>
+          </a:stretch>
+        </p:blipFill>
+        <p:spPr>
+          <a:xfrm>
+            <a:off x="480938" y="2842701"/>
+            <a:ext cx="2758600" cy="1202925"/>
+          </a:xfrm>
+          <a:prstGeom prst="rect">
+            <a:avLst/>
+          </a:prstGeom>
+          <a:noFill/>
+          <a:ln>
+            <a:noFill/>
+          </a:ln>
+        </p:spPr>
+      </p:pic>
+      <p:pic>
+        <p:nvPicPr>
+          <p:cNvPr id="155" name="Google Shape;155;p23"/>
+          <p:cNvPicPr preferRelativeResize="0"/>
+          <p:nvPr/>
+        </p:nvPicPr>
+        <p:blipFill>
+          <a:blip r:embed="rId5">
+            <a:alphaModFix/>
+          </a:blip>
+          <a:stretch>
+            <a:fillRect/>
+          </a:stretch>
+        </p:blipFill>
+        <p:spPr>
+          <a:xfrm>
+            <a:off x="4572003" y="208578"/>
+            <a:ext cx="3367425" cy="1761600"/>
+          </a:xfrm>
+          <a:prstGeom prst="rect">
+            <a:avLst/>
+          </a:prstGeom>
+          <a:noFill/>
+          <a:ln>
+            <a:noFill/>
+          </a:ln>
+        </p:spPr>
+      </p:pic>
+      <p:pic>
+        <p:nvPicPr>
+          <p:cNvPr id="156" name="Google Shape;156;p23"/>
+          <p:cNvPicPr preferRelativeResize="0"/>
+          <p:nvPr/>
+        </p:nvPicPr>
+        <p:blipFill>
+          <a:blip r:embed="rId6">
+            <a:alphaModFix/>
+          </a:blip>
+          <a:stretch>
+            <a:fillRect/>
+          </a:stretch>
+        </p:blipFill>
+        <p:spPr>
+          <a:xfrm>
+            <a:off x="3736975" y="2193951"/>
+            <a:ext cx="5269125" cy="2500423"/>
+          </a:xfrm>
+          <a:prstGeom prst="rect">
+            <a:avLst/>
+          </a:prstGeom>
+          <a:noFill/>
+          <a:ln>
+            <a:noFill/>
+          </a:ln>
+        </p:spPr>
+      </p:pic>
+    </p:spTree>
+  </p:cSld>
+  <p:clrMapOvr>
+    <a:masterClrMapping/>
+  </p:clrMapOvr>
+</p:sld>
+</file>
+
 <file path=ppt/slides/slide2.xml><?xml version="1.0" encoding="utf-8"?>
 <p:sld xmlns:a="http://schemas.openxmlformats.org/drawingml/2006/main" xmlns:r="http://schemas.openxmlformats.org/officeDocument/2006/relationships" xmlns:mc="http://schemas.openxmlformats.org/markup-compatibility/2006" xmlns:mv="urn:schemas-microsoft-com:mac:vml" xmlns:p="http://schemas.openxmlformats.org/presentationml/2006/main" xmlns:c="http://schemas.openxmlformats.org/drawingml/2006/chart" xmlns:dgm="http://schemas.openxmlformats.org/drawingml/2006/diagram" xmlns:o="urn:schemas-microsoft-com:office:office" xmlns:v="urn:schemas-microsoft-com:vml" xmlns:pvml="urn:schemas-microsoft-com:office:powerpoint" xmlns:com="http://schemas.openxmlformats.org/drawingml/2006/compatibility" xmlns:p14="http://schemas.microsoft.com/office/powerpoint/2010/main" xmlns:p15="http://schemas.microsoft.com/office/powerpoint/2012/main" xmlns:ahyp="http://schemas.microsoft.com/office/drawing/2018/hyperlinkcolor">
   <p:cSld>
@@ -11195,7 +11538,7 @@
                   <a:schemeClr val="lt1"/>
                 </a:solidFill>
               </a:rPr>
-              <a:t> image .ppm</a:t>
+              <a:t> image .ppm </a:t>
             </a:r>
             <a:endParaRPr>
               <a:solidFill>
@@ -11247,7 +11590,7 @@
                   <a:schemeClr val="lt1"/>
                 </a:solidFill>
               </a:rPr>
-              <a:t>x0 = 0.3</a:t>
+              <a:t>x0 = 0.3 (valeur initiale)</a:t>
             </a:r>
             <a:endParaRPr>
               <a:solidFill>
@@ -11275,7 +11618,39 @@
                   <a:schemeClr val="lt1"/>
                 </a:solidFill>
               </a:rPr>
-              <a:t>k = 4.0</a:t>
+              <a:t>k = 4.0 (valeur du coefficient multiplicateur)</a:t>
+            </a:r>
+            <a:endParaRPr>
+              <a:solidFill>
+                <a:schemeClr val="lt1"/>
+              </a:solidFill>
+            </a:endParaRPr>
+          </a:p>
+          <a:p>
+            <a:pPr indent="0" lvl="0" marL="0" rtl="0" algn="l">
+              <a:spcBef>
+                <a:spcPts val="1200"/>
+              </a:spcBef>
+              <a:spcAft>
+                <a:spcPts val="1200"/>
+              </a:spcAft>
+              <a:buNone/>
+            </a:pPr>
+            <a:r>
+              <a:rPr lang="fr" u="sng">
+                <a:solidFill>
+                  <a:schemeClr val="dk2"/>
+                </a:solidFill>
+              </a:rPr>
+              <a:t>Principe :</a:t>
+            </a:r>
+            <a:r>
+              <a:rPr lang="fr">
+                <a:solidFill>
+                  <a:schemeClr val="lt1"/>
+                </a:solidFill>
+              </a:rPr>
+              <a:t> trier la liste obtenue depuis la suite, en déduire un vecteur de permutation par rapport à la liste non triée puis appliquer cette permutation aux blocs</a:t>
             </a:r>
             <a:endParaRPr>
               <a:solidFill>

--- a/Présentation/Présentation_Crypto_Musée.pptx
+++ b/Présentation/Présentation_Crypto_Musée.pptx
@@ -1,38 +1,38 @@
 
 <file path=ppt/presentation.xml><?xml version="1.0" encoding="utf-8"?>
-<p:presentation xmlns:a="http://schemas.openxmlformats.org/drawingml/2006/main" xmlns:r="http://schemas.openxmlformats.org/officeDocument/2006/relationships" xmlns:mc="http://schemas.openxmlformats.org/markup-compatibility/2006" xmlns:mv="urn:schemas-microsoft-com:mac:vml" xmlns:p="http://schemas.openxmlformats.org/presentationml/2006/main" xmlns:c="http://schemas.openxmlformats.org/drawingml/2006/chart" xmlns:dgm="http://schemas.openxmlformats.org/drawingml/2006/diagram" xmlns:o="urn:schemas-microsoft-com:office:office" xmlns:v="urn:schemas-microsoft-com:vml" xmlns:pvml="urn:schemas-microsoft-com:office:powerpoint" xmlns:com="http://schemas.openxmlformats.org/drawingml/2006/compatibility" xmlns:p14="http://schemas.microsoft.com/office/powerpoint/2010/main" xmlns:p15="http://schemas.microsoft.com/office/powerpoint/2012/main" xmlns:ahyp="http://schemas.microsoft.com/office/drawing/2018/hyperlinkcolor" autoCompressPictures="0" embedTrueTypeFonts="1" strictFirstAndLastChars="0" saveSubsetFonts="1">
+<p:presentation xmlns:a="http://schemas.openxmlformats.org/drawingml/2006/main" xmlns:r="http://schemas.openxmlformats.org/officeDocument/2006/relationships" xmlns:p="http://schemas.openxmlformats.org/presentationml/2006/main" strictFirstAndLastChars="0" embedTrueTypeFonts="1" saveSubsetFonts="1" autoCompressPictures="0">
   <p:sldMasterIdLst>
-    <p:sldMasterId id="2147483659" r:id="rId4"/>
+    <p:sldMasterId id="2147483659" r:id="rId1"/>
   </p:sldMasterIdLst>
   <p:notesMasterIdLst>
-    <p:notesMasterId r:id="rId5"/>
+    <p:notesMasterId r:id="rId13"/>
   </p:notesMasterIdLst>
   <p:sldIdLst>
-    <p:sldId id="256" r:id="rId6"/>
-    <p:sldId id="257" r:id="rId7"/>
-    <p:sldId id="258" r:id="rId8"/>
-    <p:sldId id="259" r:id="rId9"/>
-    <p:sldId id="260" r:id="rId10"/>
-    <p:sldId id="261" r:id="rId11"/>
-    <p:sldId id="262" r:id="rId12"/>
-    <p:sldId id="263" r:id="rId13"/>
-    <p:sldId id="264" r:id="rId14"/>
-    <p:sldId id="265" r:id="rId15"/>
-    <p:sldId id="266" r:id="rId16"/>
+    <p:sldId id="256" r:id="rId2"/>
+    <p:sldId id="257" r:id="rId3"/>
+    <p:sldId id="258" r:id="rId4"/>
+    <p:sldId id="259" r:id="rId5"/>
+    <p:sldId id="260" r:id="rId6"/>
+    <p:sldId id="261" r:id="rId7"/>
+    <p:sldId id="262" r:id="rId8"/>
+    <p:sldId id="263" r:id="rId9"/>
+    <p:sldId id="264" r:id="rId10"/>
+    <p:sldId id="265" r:id="rId11"/>
+    <p:sldId id="266" r:id="rId12"/>
   </p:sldIdLst>
-  <p:sldSz cy="5143500" cx="9144000"/>
+  <p:sldSz cx="9144000" cy="5143500" type="screen16x9"/>
   <p:notesSz cx="6858000" cy="9144000"/>
   <p:embeddedFontLst>
     <p:embeddedFont>
-      <p:font typeface="Proxima Nova"/>
-      <p:regular r:id="rId17"/>
-      <p:bold r:id="rId18"/>
-      <p:italic r:id="rId19"/>
-      <p:boldItalic r:id="rId20"/>
+      <p:font typeface="Proxima Nova" panose="020B0604020202020204" charset="0"/>
+      <p:regular r:id="rId14"/>
+      <p:bold r:id="rId15"/>
+      <p:italic r:id="rId16"/>
+      <p:boldItalic r:id="rId17"/>
     </p:embeddedFont>
   </p:embeddedFontLst>
   <p:defaultTextStyle>
-    <a:defPPr lvl="0" marR="0" rtl="0" algn="l">
+    <a:defPPr marR="0" lvl="0" algn="l" rtl="0">
       <a:lnSpc>
         <a:spcPct val="100000"/>
       </a:lnSpc>
@@ -43,7 +43,7 @@
         <a:spcPts val="0"/>
       </a:spcAft>
     </a:defPPr>
-    <a:lvl1pPr lvl="0" marR="0" rtl="0" algn="l">
+    <a:lvl1pPr marR="0" lvl="0" algn="l" rtl="0">
       <a:lnSpc>
         <a:spcPct val="100000"/>
       </a:lnSpc>
@@ -57,7 +57,7 @@
         <a:srgbClr val="000000"/>
       </a:buClr>
       <a:buFont typeface="Arial"/>
-      <a:defRPr b="0" i="0" sz="1400" u="none" cap="none" strike="noStrike">
+      <a:defRPr sz="1400" b="0" i="0" u="none" strike="noStrike" cap="none">
         <a:solidFill>
           <a:srgbClr val="000000"/>
         </a:solidFill>
@@ -67,7 +67,7 @@
         <a:sym typeface="Arial"/>
       </a:defRPr>
     </a:lvl1pPr>
-    <a:lvl2pPr lvl="1" marR="0" rtl="0" algn="l">
+    <a:lvl2pPr marR="0" lvl="1" algn="l" rtl="0">
       <a:lnSpc>
         <a:spcPct val="100000"/>
       </a:lnSpc>
@@ -81,7 +81,7 @@
         <a:srgbClr val="000000"/>
       </a:buClr>
       <a:buFont typeface="Arial"/>
-      <a:defRPr b="0" i="0" sz="1400" u="none" cap="none" strike="noStrike">
+      <a:defRPr sz="1400" b="0" i="0" u="none" strike="noStrike" cap="none">
         <a:solidFill>
           <a:srgbClr val="000000"/>
         </a:solidFill>
@@ -91,7 +91,7 @@
         <a:sym typeface="Arial"/>
       </a:defRPr>
     </a:lvl2pPr>
-    <a:lvl3pPr lvl="2" marR="0" rtl="0" algn="l">
+    <a:lvl3pPr marR="0" lvl="2" algn="l" rtl="0">
       <a:lnSpc>
         <a:spcPct val="100000"/>
       </a:lnSpc>
@@ -105,7 +105,7 @@
         <a:srgbClr val="000000"/>
       </a:buClr>
       <a:buFont typeface="Arial"/>
-      <a:defRPr b="0" i="0" sz="1400" u="none" cap="none" strike="noStrike">
+      <a:defRPr sz="1400" b="0" i="0" u="none" strike="noStrike" cap="none">
         <a:solidFill>
           <a:srgbClr val="000000"/>
         </a:solidFill>
@@ -115,7 +115,7 @@
         <a:sym typeface="Arial"/>
       </a:defRPr>
     </a:lvl3pPr>
-    <a:lvl4pPr lvl="3" marR="0" rtl="0" algn="l">
+    <a:lvl4pPr marR="0" lvl="3" algn="l" rtl="0">
       <a:lnSpc>
         <a:spcPct val="100000"/>
       </a:lnSpc>
@@ -129,7 +129,7 @@
         <a:srgbClr val="000000"/>
       </a:buClr>
       <a:buFont typeface="Arial"/>
-      <a:defRPr b="0" i="0" sz="1400" u="none" cap="none" strike="noStrike">
+      <a:defRPr sz="1400" b="0" i="0" u="none" strike="noStrike" cap="none">
         <a:solidFill>
           <a:srgbClr val="000000"/>
         </a:solidFill>
@@ -139,7 +139,7 @@
         <a:sym typeface="Arial"/>
       </a:defRPr>
     </a:lvl4pPr>
-    <a:lvl5pPr lvl="4" marR="0" rtl="0" algn="l">
+    <a:lvl5pPr marR="0" lvl="4" algn="l" rtl="0">
       <a:lnSpc>
         <a:spcPct val="100000"/>
       </a:lnSpc>
@@ -153,7 +153,7 @@
         <a:srgbClr val="000000"/>
       </a:buClr>
       <a:buFont typeface="Arial"/>
-      <a:defRPr b="0" i="0" sz="1400" u="none" cap="none" strike="noStrike">
+      <a:defRPr sz="1400" b="0" i="0" u="none" strike="noStrike" cap="none">
         <a:solidFill>
           <a:srgbClr val="000000"/>
         </a:solidFill>
@@ -163,7 +163,7 @@
         <a:sym typeface="Arial"/>
       </a:defRPr>
     </a:lvl5pPr>
-    <a:lvl6pPr lvl="5" marR="0" rtl="0" algn="l">
+    <a:lvl6pPr marR="0" lvl="5" algn="l" rtl="0">
       <a:lnSpc>
         <a:spcPct val="100000"/>
       </a:lnSpc>
@@ -177,7 +177,7 @@
         <a:srgbClr val="000000"/>
       </a:buClr>
       <a:buFont typeface="Arial"/>
-      <a:defRPr b="0" i="0" sz="1400" u="none" cap="none" strike="noStrike">
+      <a:defRPr sz="1400" b="0" i="0" u="none" strike="noStrike" cap="none">
         <a:solidFill>
           <a:srgbClr val="000000"/>
         </a:solidFill>
@@ -187,7 +187,7 @@
         <a:sym typeface="Arial"/>
       </a:defRPr>
     </a:lvl6pPr>
-    <a:lvl7pPr lvl="6" marR="0" rtl="0" algn="l">
+    <a:lvl7pPr marR="0" lvl="6" algn="l" rtl="0">
       <a:lnSpc>
         <a:spcPct val="100000"/>
       </a:lnSpc>
@@ -201,7 +201,7 @@
         <a:srgbClr val="000000"/>
       </a:buClr>
       <a:buFont typeface="Arial"/>
-      <a:defRPr b="0" i="0" sz="1400" u="none" cap="none" strike="noStrike">
+      <a:defRPr sz="1400" b="0" i="0" u="none" strike="noStrike" cap="none">
         <a:solidFill>
           <a:srgbClr val="000000"/>
         </a:solidFill>
@@ -211,7 +211,7 @@
         <a:sym typeface="Arial"/>
       </a:defRPr>
     </a:lvl7pPr>
-    <a:lvl8pPr lvl="7" marR="0" rtl="0" algn="l">
+    <a:lvl8pPr marR="0" lvl="7" algn="l" rtl="0">
       <a:lnSpc>
         <a:spcPct val="100000"/>
       </a:lnSpc>
@@ -225,7 +225,7 @@
         <a:srgbClr val="000000"/>
       </a:buClr>
       <a:buFont typeface="Arial"/>
-      <a:defRPr b="0" i="0" sz="1400" u="none" cap="none" strike="noStrike">
+      <a:defRPr sz="1400" b="0" i="0" u="none" strike="noStrike" cap="none">
         <a:solidFill>
           <a:srgbClr val="000000"/>
         </a:solidFill>
@@ -235,7 +235,7 @@
         <a:sym typeface="Arial"/>
       </a:defRPr>
     </a:lvl8pPr>
-    <a:lvl9pPr lvl="8" marR="0" rtl="0" algn="l">
+    <a:lvl9pPr marR="0" lvl="8" algn="l" rtl="0">
       <a:lnSpc>
         <a:spcPct val="100000"/>
       </a:lnSpc>
@@ -249,7 +249,7 @@
         <a:srgbClr val="000000"/>
       </a:buClr>
       <a:buFont typeface="Arial"/>
-      <a:defRPr b="0" i="0" sz="1400" u="none" cap="none" strike="noStrike">
+      <a:defRPr sz="1400" b="0" i="0" u="none" strike="noStrike" cap="none">
         <a:solidFill>
           <a:srgbClr val="000000"/>
         </a:solidFill>
@@ -262,7 +262,7 @@
   </p:defaultTextStyle>
   <p:extLst>
     <p:ext uri="{EFAFB233-063F-42B5-8137-9DF3F51BA10A}">
-      <p15:sldGuideLst>
+      <p15:sldGuideLst xmlns:p15="http://schemas.microsoft.com/office/powerpoint/2012/main">
         <p15:guide id="1" orient="horz" pos="1620">
           <p15:clr>
             <a:srgbClr val="A4A3A4"/>
@@ -280,11 +280,16 @@
 </file>
 
 <file path=ppt/notesMasters/notesMaster1.xml><?xml version="1.0" encoding="utf-8"?>
-<p:notesMaster xmlns:a="http://schemas.openxmlformats.org/drawingml/2006/main" xmlns:r="http://schemas.openxmlformats.org/officeDocument/2006/relationships" xmlns:mc="http://schemas.openxmlformats.org/markup-compatibility/2006" xmlns:mv="urn:schemas-microsoft-com:mac:vml" xmlns:p="http://schemas.openxmlformats.org/presentationml/2006/main" xmlns:c="http://schemas.openxmlformats.org/drawingml/2006/chart" xmlns:dgm="http://schemas.openxmlformats.org/drawingml/2006/diagram" xmlns:o="urn:schemas-microsoft-com:office:office" xmlns:v="urn:schemas-microsoft-com:vml" xmlns:pvml="urn:schemas-microsoft-com:office:powerpoint" xmlns:com="http://schemas.openxmlformats.org/drawingml/2006/compatibility" xmlns:p14="http://schemas.microsoft.com/office/powerpoint/2010/main" xmlns:p15="http://schemas.microsoft.com/office/powerpoint/2012/main" xmlns:ahyp="http://schemas.microsoft.com/office/drawing/2018/hyperlinkcolor">
+<p:notesMaster xmlns:a="http://schemas.openxmlformats.org/drawingml/2006/main" xmlns:r="http://schemas.openxmlformats.org/officeDocument/2006/relationships" xmlns:p="http://schemas.openxmlformats.org/presentationml/2006/main">
   <p:cSld>
+    <p:bg>
+      <p:bgRef idx="1001">
+        <a:schemeClr val="bg1"/>
+      </p:bgRef>
+    </p:bg>
     <p:spTree>
       <p:nvGrpSpPr>
-        <p:cNvPr id="2" name="Shape 2"/>
+        <p:cNvPr id="1" name="Shape 2"/>
         <p:cNvGrpSpPr/>
         <p:nvPr/>
       </p:nvGrpSpPr>
@@ -299,9 +304,11 @@
       <p:sp>
         <p:nvSpPr>
           <p:cNvPr id="3" name="Google Shape;3;n"/>
-          <p:cNvSpPr/>
+          <p:cNvSpPr>
+            <a:spLocks noGrp="1" noRot="1" noChangeAspect="1"/>
+          </p:cNvSpPr>
           <p:nvPr>
-            <p:ph idx="2" type="sldImg"/>
+            <p:ph type="sldImg" idx="2"/>
           </p:nvPr>
         </p:nvSpPr>
         <p:spPr>
@@ -310,9 +317,13 @@
             <a:ext cx="6096075" cy="3429000"/>
           </a:xfrm>
           <a:custGeom>
-            <a:rect b="b" l="l" r="r" t="t"/>
+            <a:avLst/>
+            <a:gdLst/>
+            <a:ahLst/>
+            <a:cxnLst/>
+            <a:rect l="l" t="t" r="r" b="b"/>
             <a:pathLst>
-              <a:path extrusionOk="0" h="120000" w="120000">
+              <a:path w="120000" h="120000" extrusionOk="0">
                 <a:moveTo>
                   <a:pt x="0" y="0"/>
                 </a:moveTo>
@@ -330,23 +341,25 @@
             </a:pathLst>
           </a:custGeom>
           <a:noFill/>
-          <a:ln cap="flat" cmpd="sng" w="9525">
+          <a:ln w="9525" cap="flat" cmpd="sng">
             <a:solidFill>
               <a:srgbClr val="000000"/>
             </a:solidFill>
             <a:prstDash val="solid"/>
             <a:round/>
-            <a:headEnd len="sm" w="sm" type="none"/>
-            <a:tailEnd len="sm" w="sm" type="none"/>
+            <a:headEnd type="none" w="sm" len="sm"/>
+            <a:tailEnd type="none" w="sm" len="sm"/>
           </a:ln>
         </p:spPr>
       </p:sp>
       <p:sp>
         <p:nvSpPr>
           <p:cNvPr id="4" name="Google Shape;4;n"/>
-          <p:cNvSpPr txBox="1"/>
+          <p:cNvSpPr txBox="1">
+            <a:spLocks noGrp="1"/>
+          </p:cNvSpPr>
           <p:nvPr>
-            <p:ph idx="1" type="body"/>
+            <p:ph type="body" idx="1"/>
           </p:nvPr>
         </p:nvSpPr>
         <p:spPr>
@@ -363,11 +376,11 @@
           </a:ln>
         </p:spPr>
         <p:txBody>
-          <a:bodyPr anchorCtr="0" anchor="t" bIns="91425" lIns="91425" spcFirstLastPara="1" rIns="91425" wrap="square" tIns="91425">
+          <a:bodyPr spcFirstLastPara="1" wrap="square" lIns="91425" tIns="91425" rIns="91425" bIns="91425" anchor="t" anchorCtr="0">
             <a:noAutofit/>
           </a:bodyPr>
           <a:lstStyle>
-            <a:lvl1pPr indent="-298450" lvl="0" marL="457200">
+            <a:lvl1pPr marL="457200" lvl="0" indent="-298450">
               <a:spcBef>
                 <a:spcPts val="0"/>
               </a:spcBef>
@@ -378,7 +391,7 @@
               <a:buChar char="●"/>
               <a:defRPr sz="1100"/>
             </a:lvl1pPr>
-            <a:lvl2pPr indent="-298450" lvl="1" marL="914400">
+            <a:lvl2pPr marL="914400" lvl="1" indent="-298450">
               <a:spcBef>
                 <a:spcPts val="0"/>
               </a:spcBef>
@@ -389,7 +402,7 @@
               <a:buChar char="○"/>
               <a:defRPr sz="1100"/>
             </a:lvl2pPr>
-            <a:lvl3pPr indent="-298450" lvl="2" marL="1371600">
+            <a:lvl3pPr marL="1371600" lvl="2" indent="-298450">
               <a:spcBef>
                 <a:spcPts val="0"/>
               </a:spcBef>
@@ -400,7 +413,7 @@
               <a:buChar char="■"/>
               <a:defRPr sz="1100"/>
             </a:lvl3pPr>
-            <a:lvl4pPr indent="-298450" lvl="3" marL="1828800">
+            <a:lvl4pPr marL="1828800" lvl="3" indent="-298450">
               <a:spcBef>
                 <a:spcPts val="0"/>
               </a:spcBef>
@@ -411,7 +424,7 @@
               <a:buChar char="●"/>
               <a:defRPr sz="1100"/>
             </a:lvl4pPr>
-            <a:lvl5pPr indent="-298450" lvl="4" marL="2286000">
+            <a:lvl5pPr marL="2286000" lvl="4" indent="-298450">
               <a:spcBef>
                 <a:spcPts val="0"/>
               </a:spcBef>
@@ -422,7 +435,7 @@
               <a:buChar char="○"/>
               <a:defRPr sz="1100"/>
             </a:lvl5pPr>
-            <a:lvl6pPr indent="-298450" lvl="5" marL="2743200">
+            <a:lvl6pPr marL="2743200" lvl="5" indent="-298450">
               <a:spcBef>
                 <a:spcPts val="0"/>
               </a:spcBef>
@@ -433,7 +446,7 @@
               <a:buChar char="■"/>
               <a:defRPr sz="1100"/>
             </a:lvl6pPr>
-            <a:lvl7pPr indent="-298450" lvl="6" marL="3200400">
+            <a:lvl7pPr marL="3200400" lvl="6" indent="-298450">
               <a:spcBef>
                 <a:spcPts val="0"/>
               </a:spcBef>
@@ -444,7 +457,7 @@
               <a:buChar char="●"/>
               <a:defRPr sz="1100"/>
             </a:lvl7pPr>
-            <a:lvl8pPr indent="-298450" lvl="7" marL="3657600">
+            <a:lvl8pPr marL="3657600" lvl="7" indent="-298450">
               <a:spcBef>
                 <a:spcPts val="0"/>
               </a:spcBef>
@@ -455,7 +468,7 @@
               <a:buChar char="○"/>
               <a:defRPr sz="1100"/>
             </a:lvl8pPr>
-            <a:lvl9pPr indent="-298450" lvl="8" marL="4114800">
+            <a:lvl9pPr marL="4114800" lvl="8" indent="-298450">
               <a:spcBef>
                 <a:spcPts val="0"/>
               </a:spcBef>
@@ -467,14 +480,16 @@
               <a:defRPr sz="1100"/>
             </a:lvl9pPr>
           </a:lstStyle>
-          <a:p/>
+          <a:p>
+            <a:endParaRPr/>
+          </a:p>
         </p:txBody>
       </p:sp>
     </p:spTree>
   </p:cSld>
-  <p:clrMap accent1="accent1" accent2="accent2" accent3="accent3" accent4="accent4" accent5="accent5" accent6="accent6" bg1="lt1" bg2="dk2" tx1="dk1" tx2="lt2" folHlink="folHlink" hlink="hlink"/>
+  <p:clrMap bg1="lt1" tx1="dk1" bg2="dk2" tx2="lt2" accent1="accent1" accent2="accent2" accent3="accent3" accent4="accent4" accent5="accent5" accent6="accent6" hlink="hlink" folHlink="folHlink"/>
   <p:notesStyle>
-    <a:defPPr lvl="0" marR="0" rtl="0" algn="l">
+    <a:defPPr marR="0" lvl="0" algn="l" rtl="0">
       <a:lnSpc>
         <a:spcPct val="100000"/>
       </a:lnSpc>
@@ -485,7 +500,7 @@
         <a:spcPts val="0"/>
       </a:spcAft>
     </a:defPPr>
-    <a:lvl1pPr lvl="0" marR="0" rtl="0" algn="l">
+    <a:lvl1pPr marR="0" lvl="0" algn="l" rtl="0">
       <a:lnSpc>
         <a:spcPct val="100000"/>
       </a:lnSpc>
@@ -499,7 +514,7 @@
         <a:srgbClr val="000000"/>
       </a:buClr>
       <a:buFont typeface="Arial"/>
-      <a:defRPr b="0" i="0" sz="1400" u="none" cap="none" strike="noStrike">
+      <a:defRPr sz="1400" b="0" i="0" u="none" strike="noStrike" cap="none">
         <a:solidFill>
           <a:srgbClr val="000000"/>
         </a:solidFill>
@@ -509,7 +524,7 @@
         <a:sym typeface="Arial"/>
       </a:defRPr>
     </a:lvl1pPr>
-    <a:lvl2pPr lvl="1" marR="0" rtl="0" algn="l">
+    <a:lvl2pPr marR="0" lvl="1" algn="l" rtl="0">
       <a:lnSpc>
         <a:spcPct val="100000"/>
       </a:lnSpc>
@@ -523,7 +538,7 @@
         <a:srgbClr val="000000"/>
       </a:buClr>
       <a:buFont typeface="Arial"/>
-      <a:defRPr b="0" i="0" sz="1400" u="none" cap="none" strike="noStrike">
+      <a:defRPr sz="1400" b="0" i="0" u="none" strike="noStrike" cap="none">
         <a:solidFill>
           <a:srgbClr val="000000"/>
         </a:solidFill>
@@ -533,7 +548,7 @@
         <a:sym typeface="Arial"/>
       </a:defRPr>
     </a:lvl2pPr>
-    <a:lvl3pPr lvl="2" marR="0" rtl="0" algn="l">
+    <a:lvl3pPr marR="0" lvl="2" algn="l" rtl="0">
       <a:lnSpc>
         <a:spcPct val="100000"/>
       </a:lnSpc>
@@ -547,7 +562,7 @@
         <a:srgbClr val="000000"/>
       </a:buClr>
       <a:buFont typeface="Arial"/>
-      <a:defRPr b="0" i="0" sz="1400" u="none" cap="none" strike="noStrike">
+      <a:defRPr sz="1400" b="0" i="0" u="none" strike="noStrike" cap="none">
         <a:solidFill>
           <a:srgbClr val="000000"/>
         </a:solidFill>
@@ -557,7 +572,7 @@
         <a:sym typeface="Arial"/>
       </a:defRPr>
     </a:lvl3pPr>
-    <a:lvl4pPr lvl="3" marR="0" rtl="0" algn="l">
+    <a:lvl4pPr marR="0" lvl="3" algn="l" rtl="0">
       <a:lnSpc>
         <a:spcPct val="100000"/>
       </a:lnSpc>
@@ -571,7 +586,7 @@
         <a:srgbClr val="000000"/>
       </a:buClr>
       <a:buFont typeface="Arial"/>
-      <a:defRPr b="0" i="0" sz="1400" u="none" cap="none" strike="noStrike">
+      <a:defRPr sz="1400" b="0" i="0" u="none" strike="noStrike" cap="none">
         <a:solidFill>
           <a:srgbClr val="000000"/>
         </a:solidFill>
@@ -581,7 +596,7 @@
         <a:sym typeface="Arial"/>
       </a:defRPr>
     </a:lvl4pPr>
-    <a:lvl5pPr lvl="4" marR="0" rtl="0" algn="l">
+    <a:lvl5pPr marR="0" lvl="4" algn="l" rtl="0">
       <a:lnSpc>
         <a:spcPct val="100000"/>
       </a:lnSpc>
@@ -595,7 +610,7 @@
         <a:srgbClr val="000000"/>
       </a:buClr>
       <a:buFont typeface="Arial"/>
-      <a:defRPr b="0" i="0" sz="1400" u="none" cap="none" strike="noStrike">
+      <a:defRPr sz="1400" b="0" i="0" u="none" strike="noStrike" cap="none">
         <a:solidFill>
           <a:srgbClr val="000000"/>
         </a:solidFill>
@@ -605,7 +620,7 @@
         <a:sym typeface="Arial"/>
       </a:defRPr>
     </a:lvl5pPr>
-    <a:lvl6pPr lvl="5" marR="0" rtl="0" algn="l">
+    <a:lvl6pPr marR="0" lvl="5" algn="l" rtl="0">
       <a:lnSpc>
         <a:spcPct val="100000"/>
       </a:lnSpc>
@@ -619,7 +634,7 @@
         <a:srgbClr val="000000"/>
       </a:buClr>
       <a:buFont typeface="Arial"/>
-      <a:defRPr b="0" i="0" sz="1400" u="none" cap="none" strike="noStrike">
+      <a:defRPr sz="1400" b="0" i="0" u="none" strike="noStrike" cap="none">
         <a:solidFill>
           <a:srgbClr val="000000"/>
         </a:solidFill>
@@ -629,7 +644,7 @@
         <a:sym typeface="Arial"/>
       </a:defRPr>
     </a:lvl6pPr>
-    <a:lvl7pPr lvl="6" marR="0" rtl="0" algn="l">
+    <a:lvl7pPr marR="0" lvl="6" algn="l" rtl="0">
       <a:lnSpc>
         <a:spcPct val="100000"/>
       </a:lnSpc>
@@ -643,7 +658,7 @@
         <a:srgbClr val="000000"/>
       </a:buClr>
       <a:buFont typeface="Arial"/>
-      <a:defRPr b="0" i="0" sz="1400" u="none" cap="none" strike="noStrike">
+      <a:defRPr sz="1400" b="0" i="0" u="none" strike="noStrike" cap="none">
         <a:solidFill>
           <a:srgbClr val="000000"/>
         </a:solidFill>
@@ -653,7 +668,7 @@
         <a:sym typeface="Arial"/>
       </a:defRPr>
     </a:lvl7pPr>
-    <a:lvl8pPr lvl="7" marR="0" rtl="0" algn="l">
+    <a:lvl8pPr marR="0" lvl="7" algn="l" rtl="0">
       <a:lnSpc>
         <a:spcPct val="100000"/>
       </a:lnSpc>
@@ -667,7 +682,7 @@
         <a:srgbClr val="000000"/>
       </a:buClr>
       <a:buFont typeface="Arial"/>
-      <a:defRPr b="0" i="0" sz="1400" u="none" cap="none" strike="noStrike">
+      <a:defRPr sz="1400" b="0" i="0" u="none" strike="noStrike" cap="none">
         <a:solidFill>
           <a:srgbClr val="000000"/>
         </a:solidFill>
@@ -677,7 +692,7 @@
         <a:sym typeface="Arial"/>
       </a:defRPr>
     </a:lvl8pPr>
-    <a:lvl9pPr lvl="8" marR="0" rtl="0" algn="l">
+    <a:lvl9pPr marR="0" lvl="8" algn="l" rtl="0">
       <a:lnSpc>
         <a:spcPct val="100000"/>
       </a:lnSpc>
@@ -691,7 +706,7 @@
         <a:srgbClr val="000000"/>
       </a:buClr>
       <a:buFont typeface="Arial"/>
-      <a:defRPr b="0" i="0" sz="1400" u="none" cap="none" strike="noStrike">
+      <a:defRPr sz="1400" b="0" i="0" u="none" strike="noStrike" cap="none">
         <a:solidFill>
           <a:srgbClr val="000000"/>
         </a:solidFill>
@@ -706,11 +721,11 @@
 </file>
 
 <file path=ppt/notesSlides/notesSlide1.xml><?xml version="1.0" encoding="utf-8"?>
-<p:notes xmlns:a="http://schemas.openxmlformats.org/drawingml/2006/main" xmlns:r="http://schemas.openxmlformats.org/officeDocument/2006/relationships" xmlns:mc="http://schemas.openxmlformats.org/markup-compatibility/2006" xmlns:mv="urn:schemas-microsoft-com:mac:vml" xmlns:p="http://schemas.openxmlformats.org/presentationml/2006/main" xmlns:c="http://schemas.openxmlformats.org/drawingml/2006/chart" xmlns:dgm="http://schemas.openxmlformats.org/drawingml/2006/diagram" xmlns:o="urn:schemas-microsoft-com:office:office" xmlns:v="urn:schemas-microsoft-com:vml" xmlns:pvml="urn:schemas-microsoft-com:office:powerpoint" xmlns:com="http://schemas.openxmlformats.org/drawingml/2006/compatibility" xmlns:p14="http://schemas.microsoft.com/office/powerpoint/2010/main" xmlns:p15="http://schemas.microsoft.com/office/powerpoint/2012/main" xmlns:ahyp="http://schemas.microsoft.com/office/drawing/2018/hyperlinkcolor" showMasterPhAnim="0" showMasterSp="0">
+<p:notes xmlns:a="http://schemas.openxmlformats.org/drawingml/2006/main" xmlns:r="http://schemas.openxmlformats.org/officeDocument/2006/relationships" xmlns:p="http://schemas.openxmlformats.org/presentationml/2006/main" showMasterSp="0" showMasterPhAnim="0">
   <p:cSld>
     <p:spTree>
       <p:nvGrpSpPr>
-        <p:cNvPr id="55" name="Shape 55"/>
+        <p:cNvPr id="1" name="Shape 55"/>
         <p:cNvGrpSpPr/>
         <p:nvPr/>
       </p:nvGrpSpPr>
@@ -725,9 +740,11 @@
       <p:sp>
         <p:nvSpPr>
           <p:cNvPr id="56" name="Google Shape;56;p:notes"/>
-          <p:cNvSpPr/>
+          <p:cNvSpPr>
+            <a:spLocks noGrp="1" noRot="1" noChangeAspect="1"/>
+          </p:cNvSpPr>
           <p:nvPr>
-            <p:ph idx="2" type="sldImg"/>
+            <p:ph type="sldImg" idx="2"/>
           </p:nvPr>
         </p:nvSpPr>
         <p:spPr>
@@ -736,9 +753,13 @@
             <a:ext cx="6096075" cy="3429000"/>
           </a:xfrm>
           <a:custGeom>
-            <a:rect b="b" l="l" r="r" t="t"/>
+            <a:avLst/>
+            <a:gdLst/>
+            <a:ahLst/>
+            <a:cxnLst/>
+            <a:rect l="l" t="t" r="r" b="b"/>
             <a:pathLst>
-              <a:path extrusionOk="0" h="120000" w="120000">
+              <a:path w="120000" h="120000" extrusionOk="0">
                 <a:moveTo>
                   <a:pt x="0" y="0"/>
                 </a:moveTo>
@@ -760,9 +781,11 @@
       <p:sp>
         <p:nvSpPr>
           <p:cNvPr id="57" name="Google Shape;57;p:notes"/>
-          <p:cNvSpPr txBox="1"/>
+          <p:cNvSpPr txBox="1">
+            <a:spLocks noGrp="1"/>
+          </p:cNvSpPr>
           <p:nvPr>
-            <p:ph idx="1" type="body"/>
+            <p:ph type="body" idx="1"/>
           </p:nvPr>
         </p:nvSpPr>
         <p:spPr>
@@ -775,12 +798,12 @@
           </a:prstGeom>
         </p:spPr>
         <p:txBody>
-          <a:bodyPr anchorCtr="0" anchor="t" bIns="91425" lIns="91425" spcFirstLastPara="1" rIns="91425" wrap="square" tIns="91425">
+          <a:bodyPr spcFirstLastPara="1" wrap="square" lIns="91425" tIns="91425" rIns="91425" bIns="91425" anchor="t" anchorCtr="0">
             <a:noAutofit/>
           </a:bodyPr>
           <a:lstStyle/>
           <a:p>
-            <a:pPr indent="0" lvl="0" marL="0" rtl="0" algn="l">
+            <a:pPr marL="0" lvl="0" indent="0" algn="l" rtl="0">
               <a:spcBef>
                 <a:spcPts val="0"/>
               </a:spcBef>
@@ -789,9 +812,6 @@
               </a:spcAft>
               <a:buNone/>
             </a:pPr>
-            <a:r>
-              <a:t/>
-            </a:r>
             <a:endParaRPr/>
           </a:p>
         </p:txBody>
@@ -805,11 +825,11 @@
 </file>
 
 <file path=ppt/notesSlides/notesSlide10.xml><?xml version="1.0" encoding="utf-8"?>
-<p:notes xmlns:a="http://schemas.openxmlformats.org/drawingml/2006/main" xmlns:r="http://schemas.openxmlformats.org/officeDocument/2006/relationships" xmlns:mc="http://schemas.openxmlformats.org/markup-compatibility/2006" xmlns:mv="urn:schemas-microsoft-com:mac:vml" xmlns:p="http://schemas.openxmlformats.org/presentationml/2006/main" xmlns:c="http://schemas.openxmlformats.org/drawingml/2006/chart" xmlns:dgm="http://schemas.openxmlformats.org/drawingml/2006/diagram" xmlns:o="urn:schemas-microsoft-com:office:office" xmlns:v="urn:schemas-microsoft-com:vml" xmlns:pvml="urn:schemas-microsoft-com:office:powerpoint" xmlns:com="http://schemas.openxmlformats.org/drawingml/2006/compatibility" xmlns:p14="http://schemas.microsoft.com/office/powerpoint/2010/main" xmlns:p15="http://schemas.microsoft.com/office/powerpoint/2012/main" xmlns:ahyp="http://schemas.microsoft.com/office/drawing/2018/hyperlinkcolor" showMasterPhAnim="0" showMasterSp="0">
+<p:notes xmlns:a="http://schemas.openxmlformats.org/drawingml/2006/main" xmlns:r="http://schemas.openxmlformats.org/officeDocument/2006/relationships" xmlns:p="http://schemas.openxmlformats.org/presentationml/2006/main" showMasterSp="0" showMasterPhAnim="0">
   <p:cSld>
     <p:spTree>
       <p:nvGrpSpPr>
-        <p:cNvPr id="139" name="Shape 139"/>
+        <p:cNvPr id="1" name="Shape 139"/>
         <p:cNvGrpSpPr/>
         <p:nvPr/>
       </p:nvGrpSpPr>
@@ -824,9 +844,11 @@
       <p:sp>
         <p:nvSpPr>
           <p:cNvPr id="140" name="Google Shape;140;g1071ce3e276_1_192:notes"/>
-          <p:cNvSpPr/>
+          <p:cNvSpPr>
+            <a:spLocks noGrp="1" noRot="1" noChangeAspect="1"/>
+          </p:cNvSpPr>
           <p:nvPr>
-            <p:ph idx="2" type="sldImg"/>
+            <p:ph type="sldImg" idx="2"/>
           </p:nvPr>
         </p:nvSpPr>
         <p:spPr>
@@ -835,9 +857,13 @@
             <a:ext cx="6096000" cy="3429000"/>
           </a:xfrm>
           <a:custGeom>
-            <a:rect b="b" l="l" r="r" t="t"/>
+            <a:avLst/>
+            <a:gdLst/>
+            <a:ahLst/>
+            <a:cxnLst/>
+            <a:rect l="l" t="t" r="r" b="b"/>
             <a:pathLst>
-              <a:path extrusionOk="0" h="120000" w="120000">
+              <a:path w="120000" h="120000" extrusionOk="0">
                 <a:moveTo>
                   <a:pt x="0" y="0"/>
                 </a:moveTo>
@@ -859,9 +885,11 @@
       <p:sp>
         <p:nvSpPr>
           <p:cNvPr id="141" name="Google Shape;141;g1071ce3e276_1_192:notes"/>
-          <p:cNvSpPr txBox="1"/>
+          <p:cNvSpPr txBox="1">
+            <a:spLocks noGrp="1"/>
+          </p:cNvSpPr>
           <p:nvPr>
-            <p:ph idx="1" type="body"/>
+            <p:ph type="body" idx="1"/>
           </p:nvPr>
         </p:nvSpPr>
         <p:spPr>
@@ -874,12 +902,12 @@
           </a:prstGeom>
         </p:spPr>
         <p:txBody>
-          <a:bodyPr anchorCtr="0" anchor="t" bIns="91425" lIns="91425" spcFirstLastPara="1" rIns="91425" wrap="square" tIns="91425">
+          <a:bodyPr spcFirstLastPara="1" wrap="square" lIns="91425" tIns="91425" rIns="91425" bIns="91425" anchor="t" anchorCtr="0">
             <a:noAutofit/>
           </a:bodyPr>
           <a:lstStyle/>
           <a:p>
-            <a:pPr indent="0" lvl="0" marL="0" rtl="0" algn="l">
+            <a:pPr marL="0" lvl="0" indent="0" algn="l" rtl="0">
               <a:spcBef>
                 <a:spcPts val="0"/>
               </a:spcBef>
@@ -888,9 +916,6 @@
               </a:spcAft>
               <a:buNone/>
             </a:pPr>
-            <a:r>
-              <a:t/>
-            </a:r>
             <a:endParaRPr/>
           </a:p>
         </p:txBody>
@@ -904,11 +929,11 @@
 </file>
 
 <file path=ppt/notesSlides/notesSlide11.xml><?xml version="1.0" encoding="utf-8"?>
-<p:notes xmlns:a="http://schemas.openxmlformats.org/drawingml/2006/main" xmlns:r="http://schemas.openxmlformats.org/officeDocument/2006/relationships" xmlns:mc="http://schemas.openxmlformats.org/markup-compatibility/2006" xmlns:mv="urn:schemas-microsoft-com:mac:vml" xmlns:p="http://schemas.openxmlformats.org/presentationml/2006/main" xmlns:c="http://schemas.openxmlformats.org/drawingml/2006/chart" xmlns:dgm="http://schemas.openxmlformats.org/drawingml/2006/diagram" xmlns:o="urn:schemas-microsoft-com:office:office" xmlns:v="urn:schemas-microsoft-com:vml" xmlns:pvml="urn:schemas-microsoft-com:office:powerpoint" xmlns:com="http://schemas.openxmlformats.org/drawingml/2006/compatibility" xmlns:p14="http://schemas.microsoft.com/office/powerpoint/2010/main" xmlns:p15="http://schemas.microsoft.com/office/powerpoint/2012/main" xmlns:ahyp="http://schemas.microsoft.com/office/drawing/2018/hyperlinkcolor" showMasterPhAnim="0" showMasterSp="0">
+<p:notes xmlns:a="http://schemas.openxmlformats.org/drawingml/2006/main" xmlns:r="http://schemas.openxmlformats.org/officeDocument/2006/relationships" xmlns:p="http://schemas.openxmlformats.org/presentationml/2006/main" showMasterSp="0" showMasterPhAnim="0">
   <p:cSld>
     <p:spTree>
       <p:nvGrpSpPr>
-        <p:cNvPr id="147" name="Shape 147"/>
+        <p:cNvPr id="1" name="Shape 147"/>
         <p:cNvGrpSpPr/>
         <p:nvPr/>
       </p:nvGrpSpPr>
@@ -923,9 +948,11 @@
       <p:sp>
         <p:nvSpPr>
           <p:cNvPr id="148" name="Google Shape;148;g1075ac4be65_0_2:notes"/>
-          <p:cNvSpPr/>
+          <p:cNvSpPr>
+            <a:spLocks noGrp="1" noRot="1" noChangeAspect="1"/>
+          </p:cNvSpPr>
           <p:nvPr>
-            <p:ph idx="2" type="sldImg"/>
+            <p:ph type="sldImg" idx="2"/>
           </p:nvPr>
         </p:nvSpPr>
         <p:spPr>
@@ -934,9 +961,13 @@
             <a:ext cx="6096000" cy="3429000"/>
           </a:xfrm>
           <a:custGeom>
-            <a:rect b="b" l="l" r="r" t="t"/>
+            <a:avLst/>
+            <a:gdLst/>
+            <a:ahLst/>
+            <a:cxnLst/>
+            <a:rect l="l" t="t" r="r" b="b"/>
             <a:pathLst>
-              <a:path extrusionOk="0" h="120000" w="120000">
+              <a:path w="120000" h="120000" extrusionOk="0">
                 <a:moveTo>
                   <a:pt x="0" y="0"/>
                 </a:moveTo>
@@ -958,9 +989,11 @@
       <p:sp>
         <p:nvSpPr>
           <p:cNvPr id="149" name="Google Shape;149;g1075ac4be65_0_2:notes"/>
-          <p:cNvSpPr txBox="1"/>
+          <p:cNvSpPr txBox="1">
+            <a:spLocks noGrp="1"/>
+          </p:cNvSpPr>
           <p:nvPr>
-            <p:ph idx="1" type="body"/>
+            <p:ph type="body" idx="1"/>
           </p:nvPr>
         </p:nvSpPr>
         <p:spPr>
@@ -973,12 +1006,12 @@
           </a:prstGeom>
         </p:spPr>
         <p:txBody>
-          <a:bodyPr anchorCtr="0" anchor="t" bIns="91425" lIns="91425" spcFirstLastPara="1" rIns="91425" wrap="square" tIns="91425">
+          <a:bodyPr spcFirstLastPara="1" wrap="square" lIns="91425" tIns="91425" rIns="91425" bIns="91425" anchor="t" anchorCtr="0">
             <a:noAutofit/>
           </a:bodyPr>
           <a:lstStyle/>
           <a:p>
-            <a:pPr indent="0" lvl="0" marL="0" rtl="0" algn="l">
+            <a:pPr marL="0" lvl="0" indent="0" algn="l" rtl="0">
               <a:spcBef>
                 <a:spcPts val="0"/>
               </a:spcBef>
@@ -987,9 +1020,6 @@
               </a:spcAft>
               <a:buNone/>
             </a:pPr>
-            <a:r>
-              <a:t/>
-            </a:r>
             <a:endParaRPr/>
           </a:p>
         </p:txBody>
@@ -1003,11 +1033,11 @@
 </file>
 
 <file path=ppt/notesSlides/notesSlide2.xml><?xml version="1.0" encoding="utf-8"?>
-<p:notes xmlns:a="http://schemas.openxmlformats.org/drawingml/2006/main" xmlns:r="http://schemas.openxmlformats.org/officeDocument/2006/relationships" xmlns:mc="http://schemas.openxmlformats.org/markup-compatibility/2006" xmlns:mv="urn:schemas-microsoft-com:mac:vml" xmlns:p="http://schemas.openxmlformats.org/presentationml/2006/main" xmlns:c="http://schemas.openxmlformats.org/drawingml/2006/chart" xmlns:dgm="http://schemas.openxmlformats.org/drawingml/2006/diagram" xmlns:o="urn:schemas-microsoft-com:office:office" xmlns:v="urn:schemas-microsoft-com:vml" xmlns:pvml="urn:schemas-microsoft-com:office:powerpoint" xmlns:com="http://schemas.openxmlformats.org/drawingml/2006/compatibility" xmlns:p14="http://schemas.microsoft.com/office/powerpoint/2010/main" xmlns:p15="http://schemas.microsoft.com/office/powerpoint/2012/main" xmlns:ahyp="http://schemas.microsoft.com/office/drawing/2018/hyperlinkcolor" showMasterPhAnim="0" showMasterSp="0">
+<p:notes xmlns:a="http://schemas.openxmlformats.org/drawingml/2006/main" xmlns:r="http://schemas.openxmlformats.org/officeDocument/2006/relationships" xmlns:p="http://schemas.openxmlformats.org/presentationml/2006/main" showMasterSp="0" showMasterPhAnim="0">
   <p:cSld>
     <p:spTree>
       <p:nvGrpSpPr>
-        <p:cNvPr id="63" name="Shape 63"/>
+        <p:cNvPr id="1" name="Shape 63"/>
         <p:cNvGrpSpPr/>
         <p:nvPr/>
       </p:nvGrpSpPr>
@@ -1022,9 +1052,11 @@
       <p:sp>
         <p:nvSpPr>
           <p:cNvPr id="64" name="Google Shape;64;g1071ce3e276_1_127:notes"/>
-          <p:cNvSpPr/>
+          <p:cNvSpPr>
+            <a:spLocks noGrp="1" noRot="1" noChangeAspect="1"/>
+          </p:cNvSpPr>
           <p:nvPr>
-            <p:ph idx="2" type="sldImg"/>
+            <p:ph type="sldImg" idx="2"/>
           </p:nvPr>
         </p:nvSpPr>
         <p:spPr>
@@ -1033,9 +1065,13 @@
             <a:ext cx="6096000" cy="3429000"/>
           </a:xfrm>
           <a:custGeom>
-            <a:rect b="b" l="l" r="r" t="t"/>
+            <a:avLst/>
+            <a:gdLst/>
+            <a:ahLst/>
+            <a:cxnLst/>
+            <a:rect l="l" t="t" r="r" b="b"/>
             <a:pathLst>
-              <a:path extrusionOk="0" h="120000" w="120000">
+              <a:path w="120000" h="120000" extrusionOk="0">
                 <a:moveTo>
                   <a:pt x="0" y="0"/>
                 </a:moveTo>
@@ -1057,9 +1093,11 @@
       <p:sp>
         <p:nvSpPr>
           <p:cNvPr id="65" name="Google Shape;65;g1071ce3e276_1_127:notes"/>
-          <p:cNvSpPr txBox="1"/>
+          <p:cNvSpPr txBox="1">
+            <a:spLocks noGrp="1"/>
+          </p:cNvSpPr>
           <p:nvPr>
-            <p:ph idx="1" type="body"/>
+            <p:ph type="body" idx="1"/>
           </p:nvPr>
         </p:nvSpPr>
         <p:spPr>
@@ -1072,12 +1110,12 @@
           </a:prstGeom>
         </p:spPr>
         <p:txBody>
-          <a:bodyPr anchorCtr="0" anchor="t" bIns="91425" lIns="91425" spcFirstLastPara="1" rIns="91425" wrap="square" tIns="91425">
+          <a:bodyPr spcFirstLastPara="1" wrap="square" lIns="91425" tIns="91425" rIns="91425" bIns="91425" anchor="t" anchorCtr="0">
             <a:noAutofit/>
           </a:bodyPr>
           <a:lstStyle/>
           <a:p>
-            <a:pPr indent="0" lvl="0" marL="0" rtl="0" algn="l">
+            <a:pPr marL="0" lvl="0" indent="0" algn="l" rtl="0">
               <a:spcBef>
                 <a:spcPts val="0"/>
               </a:spcBef>
@@ -1086,9 +1124,6 @@
               </a:spcAft>
               <a:buNone/>
             </a:pPr>
-            <a:r>
-              <a:t/>
-            </a:r>
             <a:endParaRPr/>
           </a:p>
         </p:txBody>
@@ -1102,11 +1137,11 @@
 </file>
 
 <file path=ppt/notesSlides/notesSlide3.xml><?xml version="1.0" encoding="utf-8"?>
-<p:notes xmlns:a="http://schemas.openxmlformats.org/drawingml/2006/main" xmlns:r="http://schemas.openxmlformats.org/officeDocument/2006/relationships" xmlns:mc="http://schemas.openxmlformats.org/markup-compatibility/2006" xmlns:mv="urn:schemas-microsoft-com:mac:vml" xmlns:p="http://schemas.openxmlformats.org/presentationml/2006/main" xmlns:c="http://schemas.openxmlformats.org/drawingml/2006/chart" xmlns:dgm="http://schemas.openxmlformats.org/drawingml/2006/diagram" xmlns:o="urn:schemas-microsoft-com:office:office" xmlns:v="urn:schemas-microsoft-com:vml" xmlns:pvml="urn:schemas-microsoft-com:office:powerpoint" xmlns:com="http://schemas.openxmlformats.org/drawingml/2006/compatibility" xmlns:p14="http://schemas.microsoft.com/office/powerpoint/2010/main" xmlns:p15="http://schemas.microsoft.com/office/powerpoint/2012/main" xmlns:ahyp="http://schemas.microsoft.com/office/drawing/2018/hyperlinkcolor" showMasterPhAnim="0" showMasterSp="0">
+<p:notes xmlns:a="http://schemas.openxmlformats.org/drawingml/2006/main" xmlns:r="http://schemas.openxmlformats.org/officeDocument/2006/relationships" xmlns:p="http://schemas.openxmlformats.org/presentationml/2006/main" showMasterSp="0" showMasterPhAnim="0">
   <p:cSld>
     <p:spTree>
       <p:nvGrpSpPr>
-        <p:cNvPr id="74" name="Shape 74"/>
+        <p:cNvPr id="1" name="Shape 74"/>
         <p:cNvGrpSpPr/>
         <p:nvPr/>
       </p:nvGrpSpPr>
@@ -1121,9 +1156,11 @@
       <p:sp>
         <p:nvSpPr>
           <p:cNvPr id="75" name="Google Shape;75;g1071ce3e276_1_150:notes"/>
-          <p:cNvSpPr/>
+          <p:cNvSpPr>
+            <a:spLocks noGrp="1" noRot="1" noChangeAspect="1"/>
+          </p:cNvSpPr>
           <p:nvPr>
-            <p:ph idx="2" type="sldImg"/>
+            <p:ph type="sldImg" idx="2"/>
           </p:nvPr>
         </p:nvSpPr>
         <p:spPr>
@@ -1132,9 +1169,13 @@
             <a:ext cx="6096000" cy="3429000"/>
           </a:xfrm>
           <a:custGeom>
-            <a:rect b="b" l="l" r="r" t="t"/>
+            <a:avLst/>
+            <a:gdLst/>
+            <a:ahLst/>
+            <a:cxnLst/>
+            <a:rect l="l" t="t" r="r" b="b"/>
             <a:pathLst>
-              <a:path extrusionOk="0" h="120000" w="120000">
+              <a:path w="120000" h="120000" extrusionOk="0">
                 <a:moveTo>
                   <a:pt x="0" y="0"/>
                 </a:moveTo>
@@ -1156,9 +1197,11 @@
       <p:sp>
         <p:nvSpPr>
           <p:cNvPr id="76" name="Google Shape;76;g1071ce3e276_1_150:notes"/>
-          <p:cNvSpPr txBox="1"/>
+          <p:cNvSpPr txBox="1">
+            <a:spLocks noGrp="1"/>
+          </p:cNvSpPr>
           <p:nvPr>
-            <p:ph idx="1" type="body"/>
+            <p:ph type="body" idx="1"/>
           </p:nvPr>
         </p:nvSpPr>
         <p:spPr>
@@ -1171,12 +1214,12 @@
           </a:prstGeom>
         </p:spPr>
         <p:txBody>
-          <a:bodyPr anchorCtr="0" anchor="t" bIns="91425" lIns="91425" spcFirstLastPara="1" rIns="91425" wrap="square" tIns="91425">
+          <a:bodyPr spcFirstLastPara="1" wrap="square" lIns="91425" tIns="91425" rIns="91425" bIns="91425" anchor="t" anchorCtr="0">
             <a:noAutofit/>
           </a:bodyPr>
           <a:lstStyle/>
           <a:p>
-            <a:pPr indent="0" lvl="0" marL="0" rtl="0" algn="l">
+            <a:pPr marL="0" lvl="0" indent="0" algn="l" rtl="0">
               <a:spcBef>
                 <a:spcPts val="0"/>
               </a:spcBef>
@@ -1185,9 +1228,6 @@
               </a:spcAft>
               <a:buNone/>
             </a:pPr>
-            <a:r>
-              <a:t/>
-            </a:r>
             <a:endParaRPr/>
           </a:p>
         </p:txBody>
@@ -1201,11 +1241,11 @@
 </file>
 
 <file path=ppt/notesSlides/notesSlide4.xml><?xml version="1.0" encoding="utf-8"?>
-<p:notes xmlns:a="http://schemas.openxmlformats.org/drawingml/2006/main" xmlns:r="http://schemas.openxmlformats.org/officeDocument/2006/relationships" xmlns:mc="http://schemas.openxmlformats.org/markup-compatibility/2006" xmlns:mv="urn:schemas-microsoft-com:mac:vml" xmlns:p="http://schemas.openxmlformats.org/presentationml/2006/main" xmlns:c="http://schemas.openxmlformats.org/drawingml/2006/chart" xmlns:dgm="http://schemas.openxmlformats.org/drawingml/2006/diagram" xmlns:o="urn:schemas-microsoft-com:office:office" xmlns:v="urn:schemas-microsoft-com:vml" xmlns:pvml="urn:schemas-microsoft-com:office:powerpoint" xmlns:com="http://schemas.openxmlformats.org/drawingml/2006/compatibility" xmlns:p14="http://schemas.microsoft.com/office/powerpoint/2010/main" xmlns:p15="http://schemas.microsoft.com/office/powerpoint/2012/main" xmlns:ahyp="http://schemas.microsoft.com/office/drawing/2018/hyperlinkcolor" showMasterPhAnim="0" showMasterSp="0">
+<p:notes xmlns:a="http://schemas.openxmlformats.org/drawingml/2006/main" xmlns:r="http://schemas.openxmlformats.org/officeDocument/2006/relationships" xmlns:p="http://schemas.openxmlformats.org/presentationml/2006/main" showMasterSp="0" showMasterPhAnim="0">
   <p:cSld>
     <p:spTree>
       <p:nvGrpSpPr>
-        <p:cNvPr id="81" name="Shape 81"/>
+        <p:cNvPr id="1" name="Shape 81"/>
         <p:cNvGrpSpPr/>
         <p:nvPr/>
       </p:nvGrpSpPr>
@@ -1220,9 +1260,11 @@
       <p:sp>
         <p:nvSpPr>
           <p:cNvPr id="82" name="Google Shape;82;g1071ce3e276_1_136:notes"/>
-          <p:cNvSpPr/>
+          <p:cNvSpPr>
+            <a:spLocks noGrp="1" noRot="1" noChangeAspect="1"/>
+          </p:cNvSpPr>
           <p:nvPr>
-            <p:ph idx="2" type="sldImg"/>
+            <p:ph type="sldImg" idx="2"/>
           </p:nvPr>
         </p:nvSpPr>
         <p:spPr>
@@ -1231,9 +1273,13 @@
             <a:ext cx="6096000" cy="3429000"/>
           </a:xfrm>
           <a:custGeom>
-            <a:rect b="b" l="l" r="r" t="t"/>
+            <a:avLst/>
+            <a:gdLst/>
+            <a:ahLst/>
+            <a:cxnLst/>
+            <a:rect l="l" t="t" r="r" b="b"/>
             <a:pathLst>
-              <a:path extrusionOk="0" h="120000" w="120000">
+              <a:path w="120000" h="120000" extrusionOk="0">
                 <a:moveTo>
                   <a:pt x="0" y="0"/>
                 </a:moveTo>
@@ -1255,9 +1301,11 @@
       <p:sp>
         <p:nvSpPr>
           <p:cNvPr id="83" name="Google Shape;83;g1071ce3e276_1_136:notes"/>
-          <p:cNvSpPr txBox="1"/>
+          <p:cNvSpPr txBox="1">
+            <a:spLocks noGrp="1"/>
+          </p:cNvSpPr>
           <p:nvPr>
-            <p:ph idx="1" type="body"/>
+            <p:ph type="body" idx="1"/>
           </p:nvPr>
         </p:nvSpPr>
         <p:spPr>
@@ -1270,12 +1318,12 @@
           </a:prstGeom>
         </p:spPr>
         <p:txBody>
-          <a:bodyPr anchorCtr="0" anchor="t" bIns="91425" lIns="91425" spcFirstLastPara="1" rIns="91425" wrap="square" tIns="91425">
+          <a:bodyPr spcFirstLastPara="1" wrap="square" lIns="91425" tIns="91425" rIns="91425" bIns="91425" anchor="t" anchorCtr="0">
             <a:noAutofit/>
           </a:bodyPr>
           <a:lstStyle/>
           <a:p>
-            <a:pPr indent="0" lvl="0" marL="0" rtl="0" algn="l">
+            <a:pPr marL="0" lvl="0" indent="0" algn="l" rtl="0">
               <a:spcBef>
                 <a:spcPts val="0"/>
               </a:spcBef>
@@ -1284,9 +1332,6 @@
               </a:spcAft>
               <a:buNone/>
             </a:pPr>
-            <a:r>
-              <a:t/>
-            </a:r>
             <a:endParaRPr/>
           </a:p>
         </p:txBody>
@@ -1300,11 +1345,11 @@
 </file>
 
 <file path=ppt/notesSlides/notesSlide5.xml><?xml version="1.0" encoding="utf-8"?>
-<p:notes xmlns:a="http://schemas.openxmlformats.org/drawingml/2006/main" xmlns:r="http://schemas.openxmlformats.org/officeDocument/2006/relationships" xmlns:mc="http://schemas.openxmlformats.org/markup-compatibility/2006" xmlns:mv="urn:schemas-microsoft-com:mac:vml" xmlns:p="http://schemas.openxmlformats.org/presentationml/2006/main" xmlns:c="http://schemas.openxmlformats.org/drawingml/2006/chart" xmlns:dgm="http://schemas.openxmlformats.org/drawingml/2006/diagram" xmlns:o="urn:schemas-microsoft-com:office:office" xmlns:v="urn:schemas-microsoft-com:vml" xmlns:pvml="urn:schemas-microsoft-com:office:powerpoint" xmlns:com="http://schemas.openxmlformats.org/drawingml/2006/compatibility" xmlns:p14="http://schemas.microsoft.com/office/powerpoint/2010/main" xmlns:p15="http://schemas.microsoft.com/office/powerpoint/2012/main" xmlns:ahyp="http://schemas.microsoft.com/office/drawing/2018/hyperlinkcolor" showMasterPhAnim="0" showMasterSp="0">
+<p:notes xmlns:a="http://schemas.openxmlformats.org/drawingml/2006/main" xmlns:r="http://schemas.openxmlformats.org/officeDocument/2006/relationships" xmlns:p="http://schemas.openxmlformats.org/presentationml/2006/main" showMasterSp="0" showMasterPhAnim="0">
   <p:cSld>
     <p:spTree>
       <p:nvGrpSpPr>
-        <p:cNvPr id="88" name="Shape 88"/>
+        <p:cNvPr id="1" name="Shape 88"/>
         <p:cNvGrpSpPr/>
         <p:nvPr/>
       </p:nvGrpSpPr>
@@ -1319,20 +1364,26 @@
       <p:sp>
         <p:nvSpPr>
           <p:cNvPr id="89" name="Google Shape;89;g1071ce3e276_1_155:notes"/>
-          <p:cNvSpPr/>
+          <p:cNvSpPr>
+            <a:spLocks noGrp="1" noRot="1" noChangeAspect="1"/>
+          </p:cNvSpPr>
           <p:nvPr>
-            <p:ph idx="2" type="sldImg"/>
+            <p:ph type="sldImg" idx="2"/>
           </p:nvPr>
         </p:nvSpPr>
         <p:spPr>
           <a:xfrm>
-            <a:off x="381300" y="685800"/>
+            <a:off x="381000" y="685800"/>
             <a:ext cx="6096000" cy="3429000"/>
           </a:xfrm>
           <a:custGeom>
-            <a:rect b="b" l="l" r="r" t="t"/>
+            <a:avLst/>
+            <a:gdLst/>
+            <a:ahLst/>
+            <a:cxnLst/>
+            <a:rect l="l" t="t" r="r" b="b"/>
             <a:pathLst>
-              <a:path extrusionOk="0" h="120000" w="120000">
+              <a:path w="120000" h="120000" extrusionOk="0">
                 <a:moveTo>
                   <a:pt x="0" y="0"/>
                 </a:moveTo>
@@ -1354,9 +1405,11 @@
       <p:sp>
         <p:nvSpPr>
           <p:cNvPr id="90" name="Google Shape;90;g1071ce3e276_1_155:notes"/>
-          <p:cNvSpPr txBox="1"/>
+          <p:cNvSpPr txBox="1">
+            <a:spLocks noGrp="1"/>
+          </p:cNvSpPr>
           <p:nvPr>
-            <p:ph idx="1" type="body"/>
+            <p:ph type="body" idx="1"/>
           </p:nvPr>
         </p:nvSpPr>
         <p:spPr>
@@ -1369,12 +1422,12 @@
           </a:prstGeom>
         </p:spPr>
         <p:txBody>
-          <a:bodyPr anchorCtr="0" anchor="t" bIns="91425" lIns="91425" spcFirstLastPara="1" rIns="91425" wrap="square" tIns="91425">
+          <a:bodyPr spcFirstLastPara="1" wrap="square" lIns="91425" tIns="91425" rIns="91425" bIns="91425" anchor="t" anchorCtr="0">
             <a:noAutofit/>
           </a:bodyPr>
           <a:lstStyle/>
           <a:p>
-            <a:pPr indent="0" lvl="0" marL="0" rtl="0" algn="l">
+            <a:pPr marL="0" lvl="0" indent="0" algn="l" rtl="0">
               <a:lnSpc>
                 <a:spcPct val="115000"/>
               </a:lnSpc>
@@ -1391,19 +1444,7 @@
               <a:buFont typeface="Arial"/>
               <a:buNone/>
             </a:pPr>
-            <a:r>
-              <a:rPr lang="fr" sz="1800">
-                <a:solidFill>
-                  <a:schemeClr val="dk1"/>
-                </a:solidFill>
-                <a:latin typeface="Proxima Nova"/>
-                <a:ea typeface="Proxima Nova"/>
-                <a:cs typeface="Proxima Nova"/>
-                <a:sym typeface="Proxima Nova"/>
-              </a:rPr>
-              <a:t>permutation au tri (vecteur) → différence entre les permutations entre les 2 listes pour chiffrer (on étudie la permutation entre les 2 listes)</a:t>
-            </a:r>
-            <a:endParaRPr>
+            <a:endParaRPr dirty="0">
               <a:solidFill>
                 <a:schemeClr val="dk1"/>
               </a:solidFill>
@@ -1420,11 +1461,11 @@
 </file>
 
 <file path=ppt/notesSlides/notesSlide6.xml><?xml version="1.0" encoding="utf-8"?>
-<p:notes xmlns:a="http://schemas.openxmlformats.org/drawingml/2006/main" xmlns:r="http://schemas.openxmlformats.org/officeDocument/2006/relationships" xmlns:mc="http://schemas.openxmlformats.org/markup-compatibility/2006" xmlns:mv="urn:schemas-microsoft-com:mac:vml" xmlns:p="http://schemas.openxmlformats.org/presentationml/2006/main" xmlns:c="http://schemas.openxmlformats.org/drawingml/2006/chart" xmlns:dgm="http://schemas.openxmlformats.org/drawingml/2006/diagram" xmlns:o="urn:schemas-microsoft-com:office:office" xmlns:v="urn:schemas-microsoft-com:vml" xmlns:pvml="urn:schemas-microsoft-com:office:powerpoint" xmlns:com="http://schemas.openxmlformats.org/drawingml/2006/compatibility" xmlns:p14="http://schemas.microsoft.com/office/powerpoint/2010/main" xmlns:p15="http://schemas.microsoft.com/office/powerpoint/2012/main" xmlns:ahyp="http://schemas.microsoft.com/office/drawing/2018/hyperlinkcolor" showMasterPhAnim="0" showMasterSp="0">
+<p:notes xmlns:a="http://schemas.openxmlformats.org/drawingml/2006/main" xmlns:r="http://schemas.openxmlformats.org/officeDocument/2006/relationships" xmlns:p="http://schemas.openxmlformats.org/presentationml/2006/main" showMasterSp="0" showMasterPhAnim="0">
   <p:cSld>
     <p:spTree>
       <p:nvGrpSpPr>
-        <p:cNvPr id="95" name="Shape 95"/>
+        <p:cNvPr id="1" name="Shape 95"/>
         <p:cNvGrpSpPr/>
         <p:nvPr/>
       </p:nvGrpSpPr>
@@ -1439,9 +1480,11 @@
       <p:sp>
         <p:nvSpPr>
           <p:cNvPr id="96" name="Google Shape;96;g106bc246d81_1_12:notes"/>
-          <p:cNvSpPr/>
+          <p:cNvSpPr>
+            <a:spLocks noGrp="1" noRot="1" noChangeAspect="1"/>
+          </p:cNvSpPr>
           <p:nvPr>
-            <p:ph idx="2" type="sldImg"/>
+            <p:ph type="sldImg" idx="2"/>
           </p:nvPr>
         </p:nvSpPr>
         <p:spPr>
@@ -1450,9 +1493,13 @@
             <a:ext cx="6096000" cy="3429000"/>
           </a:xfrm>
           <a:custGeom>
-            <a:rect b="b" l="l" r="r" t="t"/>
+            <a:avLst/>
+            <a:gdLst/>
+            <a:ahLst/>
+            <a:cxnLst/>
+            <a:rect l="l" t="t" r="r" b="b"/>
             <a:pathLst>
-              <a:path extrusionOk="0" h="120000" w="120000">
+              <a:path w="120000" h="120000" extrusionOk="0">
                 <a:moveTo>
                   <a:pt x="0" y="0"/>
                 </a:moveTo>
@@ -1474,9 +1521,11 @@
       <p:sp>
         <p:nvSpPr>
           <p:cNvPr id="97" name="Google Shape;97;g106bc246d81_1_12:notes"/>
-          <p:cNvSpPr txBox="1"/>
+          <p:cNvSpPr txBox="1">
+            <a:spLocks noGrp="1"/>
+          </p:cNvSpPr>
           <p:nvPr>
-            <p:ph idx="1" type="body"/>
+            <p:ph type="body" idx="1"/>
           </p:nvPr>
         </p:nvSpPr>
         <p:spPr>
@@ -1489,12 +1538,12 @@
           </a:prstGeom>
         </p:spPr>
         <p:txBody>
-          <a:bodyPr anchorCtr="0" anchor="t" bIns="91425" lIns="91425" spcFirstLastPara="1" rIns="91425" wrap="square" tIns="91425">
+          <a:bodyPr spcFirstLastPara="1" wrap="square" lIns="91425" tIns="91425" rIns="91425" bIns="91425" anchor="t" anchorCtr="0">
             <a:noAutofit/>
           </a:bodyPr>
           <a:lstStyle/>
           <a:p>
-            <a:pPr indent="0" lvl="0" marL="0" rtl="0" algn="l">
+            <a:pPr marL="0" lvl="0" indent="0" algn="l" rtl="0">
               <a:spcBef>
                 <a:spcPts val="0"/>
               </a:spcBef>
@@ -1503,9 +1552,6 @@
               </a:spcAft>
               <a:buNone/>
             </a:pPr>
-            <a:r>
-              <a:t/>
-            </a:r>
             <a:endParaRPr/>
           </a:p>
         </p:txBody>
@@ -1519,11 +1565,11 @@
 </file>
 
 <file path=ppt/notesSlides/notesSlide7.xml><?xml version="1.0" encoding="utf-8"?>
-<p:notes xmlns:a="http://schemas.openxmlformats.org/drawingml/2006/main" xmlns:r="http://schemas.openxmlformats.org/officeDocument/2006/relationships" xmlns:mc="http://schemas.openxmlformats.org/markup-compatibility/2006" xmlns:mv="urn:schemas-microsoft-com:mac:vml" xmlns:p="http://schemas.openxmlformats.org/presentationml/2006/main" xmlns:c="http://schemas.openxmlformats.org/drawingml/2006/chart" xmlns:dgm="http://schemas.openxmlformats.org/drawingml/2006/diagram" xmlns:o="urn:schemas-microsoft-com:office:office" xmlns:v="urn:schemas-microsoft-com:vml" xmlns:pvml="urn:schemas-microsoft-com:office:powerpoint" xmlns:com="http://schemas.openxmlformats.org/drawingml/2006/compatibility" xmlns:p14="http://schemas.microsoft.com/office/powerpoint/2010/main" xmlns:p15="http://schemas.microsoft.com/office/powerpoint/2012/main" xmlns:ahyp="http://schemas.microsoft.com/office/drawing/2018/hyperlinkcolor" showMasterPhAnim="0" showMasterSp="0">
+<p:notes xmlns:a="http://schemas.openxmlformats.org/drawingml/2006/main" xmlns:r="http://schemas.openxmlformats.org/officeDocument/2006/relationships" xmlns:p="http://schemas.openxmlformats.org/presentationml/2006/main" showMasterSp="0" showMasterPhAnim="0">
   <p:cSld>
     <p:spTree>
       <p:nvGrpSpPr>
-        <p:cNvPr id="105" name="Shape 105"/>
+        <p:cNvPr id="1" name="Shape 105"/>
         <p:cNvGrpSpPr/>
         <p:nvPr/>
       </p:nvGrpSpPr>
@@ -1538,9 +1584,11 @@
       <p:sp>
         <p:nvSpPr>
           <p:cNvPr id="106" name="Google Shape;106;g106bc246d81_1_0:notes"/>
-          <p:cNvSpPr/>
+          <p:cNvSpPr>
+            <a:spLocks noGrp="1" noRot="1" noChangeAspect="1"/>
+          </p:cNvSpPr>
           <p:nvPr>
-            <p:ph idx="2" type="sldImg"/>
+            <p:ph type="sldImg" idx="2"/>
           </p:nvPr>
         </p:nvSpPr>
         <p:spPr>
@@ -1549,9 +1597,13 @@
             <a:ext cx="6096000" cy="3429000"/>
           </a:xfrm>
           <a:custGeom>
-            <a:rect b="b" l="l" r="r" t="t"/>
+            <a:avLst/>
+            <a:gdLst/>
+            <a:ahLst/>
+            <a:cxnLst/>
+            <a:rect l="l" t="t" r="r" b="b"/>
             <a:pathLst>
-              <a:path extrusionOk="0" h="120000" w="120000">
+              <a:path w="120000" h="120000" extrusionOk="0">
                 <a:moveTo>
                   <a:pt x="0" y="0"/>
                 </a:moveTo>
@@ -1573,9 +1625,11 @@
       <p:sp>
         <p:nvSpPr>
           <p:cNvPr id="107" name="Google Shape;107;g106bc246d81_1_0:notes"/>
-          <p:cNvSpPr txBox="1"/>
+          <p:cNvSpPr txBox="1">
+            <a:spLocks noGrp="1"/>
+          </p:cNvSpPr>
           <p:nvPr>
-            <p:ph idx="1" type="body"/>
+            <p:ph type="body" idx="1"/>
           </p:nvPr>
         </p:nvSpPr>
         <p:spPr>
@@ -1588,12 +1642,12 @@
           </a:prstGeom>
         </p:spPr>
         <p:txBody>
-          <a:bodyPr anchorCtr="0" anchor="t" bIns="91425" lIns="91425" spcFirstLastPara="1" rIns="91425" wrap="square" tIns="91425">
+          <a:bodyPr spcFirstLastPara="1" wrap="square" lIns="91425" tIns="91425" rIns="91425" bIns="91425" anchor="t" anchorCtr="0">
             <a:noAutofit/>
           </a:bodyPr>
           <a:lstStyle/>
           <a:p>
-            <a:pPr indent="0" lvl="0" marL="0" rtl="0" algn="l">
+            <a:pPr marL="0" lvl="0" indent="0" algn="l" rtl="0">
               <a:spcBef>
                 <a:spcPts val="0"/>
               </a:spcBef>
@@ -1602,9 +1656,6 @@
               </a:spcAft>
               <a:buNone/>
             </a:pPr>
-            <a:r>
-              <a:t/>
-            </a:r>
             <a:endParaRPr/>
           </a:p>
         </p:txBody>
@@ -1618,11 +1669,11 @@
 </file>
 
 <file path=ppt/notesSlides/notesSlide8.xml><?xml version="1.0" encoding="utf-8"?>
-<p:notes xmlns:a="http://schemas.openxmlformats.org/drawingml/2006/main" xmlns:r="http://schemas.openxmlformats.org/officeDocument/2006/relationships" xmlns:mc="http://schemas.openxmlformats.org/markup-compatibility/2006" xmlns:mv="urn:schemas-microsoft-com:mac:vml" xmlns:p="http://schemas.openxmlformats.org/presentationml/2006/main" xmlns:c="http://schemas.openxmlformats.org/drawingml/2006/chart" xmlns:dgm="http://schemas.openxmlformats.org/drawingml/2006/diagram" xmlns:o="urn:schemas-microsoft-com:office:office" xmlns:v="urn:schemas-microsoft-com:vml" xmlns:pvml="urn:schemas-microsoft-com:office:powerpoint" xmlns:com="http://schemas.openxmlformats.org/drawingml/2006/compatibility" xmlns:p14="http://schemas.microsoft.com/office/powerpoint/2010/main" xmlns:p15="http://schemas.microsoft.com/office/powerpoint/2012/main" xmlns:ahyp="http://schemas.microsoft.com/office/drawing/2018/hyperlinkcolor" showMasterPhAnim="0" showMasterSp="0">
+<p:notes xmlns:a="http://schemas.openxmlformats.org/drawingml/2006/main" xmlns:r="http://schemas.openxmlformats.org/officeDocument/2006/relationships" xmlns:p="http://schemas.openxmlformats.org/presentationml/2006/main" showMasterSp="0" showMasterPhAnim="0">
   <p:cSld>
     <p:spTree>
       <p:nvGrpSpPr>
-        <p:cNvPr id="117" name="Shape 117"/>
+        <p:cNvPr id="1" name="Shape 117"/>
         <p:cNvGrpSpPr/>
         <p:nvPr/>
       </p:nvGrpSpPr>
@@ -1637,9 +1688,11 @@
       <p:sp>
         <p:nvSpPr>
           <p:cNvPr id="118" name="Google Shape;118;g1071ce3e276_1_176:notes"/>
-          <p:cNvSpPr/>
+          <p:cNvSpPr>
+            <a:spLocks noGrp="1" noRot="1" noChangeAspect="1"/>
+          </p:cNvSpPr>
           <p:nvPr>
-            <p:ph idx="2" type="sldImg"/>
+            <p:ph type="sldImg" idx="2"/>
           </p:nvPr>
         </p:nvSpPr>
         <p:spPr>
@@ -1648,9 +1701,13 @@
             <a:ext cx="6096000" cy="3429000"/>
           </a:xfrm>
           <a:custGeom>
-            <a:rect b="b" l="l" r="r" t="t"/>
+            <a:avLst/>
+            <a:gdLst/>
+            <a:ahLst/>
+            <a:cxnLst/>
+            <a:rect l="l" t="t" r="r" b="b"/>
             <a:pathLst>
-              <a:path extrusionOk="0" h="120000" w="120000">
+              <a:path w="120000" h="120000" extrusionOk="0">
                 <a:moveTo>
                   <a:pt x="0" y="0"/>
                 </a:moveTo>
@@ -1672,9 +1729,11 @@
       <p:sp>
         <p:nvSpPr>
           <p:cNvPr id="119" name="Google Shape;119;g1071ce3e276_1_176:notes"/>
-          <p:cNvSpPr txBox="1"/>
+          <p:cNvSpPr txBox="1">
+            <a:spLocks noGrp="1"/>
+          </p:cNvSpPr>
           <p:nvPr>
-            <p:ph idx="1" type="body"/>
+            <p:ph type="body" idx="1"/>
           </p:nvPr>
         </p:nvSpPr>
         <p:spPr>
@@ -1687,12 +1746,12 @@
           </a:prstGeom>
         </p:spPr>
         <p:txBody>
-          <a:bodyPr anchorCtr="0" anchor="t" bIns="91425" lIns="91425" spcFirstLastPara="1" rIns="91425" wrap="square" tIns="91425">
+          <a:bodyPr spcFirstLastPara="1" wrap="square" lIns="91425" tIns="91425" rIns="91425" bIns="91425" anchor="t" anchorCtr="0">
             <a:noAutofit/>
           </a:bodyPr>
           <a:lstStyle/>
           <a:p>
-            <a:pPr indent="0" lvl="0" marL="0" rtl="0" algn="l">
+            <a:pPr marL="0" lvl="0" indent="0" algn="l" rtl="0">
               <a:spcBef>
                 <a:spcPts val="0"/>
               </a:spcBef>
@@ -1701,9 +1760,6 @@
               </a:spcAft>
               <a:buNone/>
             </a:pPr>
-            <a:r>
-              <a:t/>
-            </a:r>
             <a:endParaRPr/>
           </a:p>
         </p:txBody>
@@ -1717,11 +1773,11 @@
 </file>
 
 <file path=ppt/notesSlides/notesSlide9.xml><?xml version="1.0" encoding="utf-8"?>
-<p:notes xmlns:a="http://schemas.openxmlformats.org/drawingml/2006/main" xmlns:r="http://schemas.openxmlformats.org/officeDocument/2006/relationships" xmlns:mc="http://schemas.openxmlformats.org/markup-compatibility/2006" xmlns:mv="urn:schemas-microsoft-com:mac:vml" xmlns:p="http://schemas.openxmlformats.org/presentationml/2006/main" xmlns:c="http://schemas.openxmlformats.org/drawingml/2006/chart" xmlns:dgm="http://schemas.openxmlformats.org/drawingml/2006/diagram" xmlns:o="urn:schemas-microsoft-com:office:office" xmlns:v="urn:schemas-microsoft-com:vml" xmlns:pvml="urn:schemas-microsoft-com:office:powerpoint" xmlns:com="http://schemas.openxmlformats.org/drawingml/2006/compatibility" xmlns:p14="http://schemas.microsoft.com/office/powerpoint/2010/main" xmlns:p15="http://schemas.microsoft.com/office/powerpoint/2012/main" xmlns:ahyp="http://schemas.microsoft.com/office/drawing/2018/hyperlinkcolor" showMasterPhAnim="0" showMasterSp="0">
+<p:notes xmlns:a="http://schemas.openxmlformats.org/drawingml/2006/main" xmlns:r="http://schemas.openxmlformats.org/officeDocument/2006/relationships" xmlns:p="http://schemas.openxmlformats.org/presentationml/2006/main" showMasterSp="0" showMasterPhAnim="0">
   <p:cSld>
     <p:spTree>
       <p:nvGrpSpPr>
-        <p:cNvPr id="129" name="Shape 129"/>
+        <p:cNvPr id="1" name="Shape 129"/>
         <p:cNvGrpSpPr/>
         <p:nvPr/>
       </p:nvGrpSpPr>
@@ -1736,9 +1792,11 @@
       <p:sp>
         <p:nvSpPr>
           <p:cNvPr id="130" name="Google Shape;130;g1071ce3e276_1_145:notes"/>
-          <p:cNvSpPr/>
+          <p:cNvSpPr>
+            <a:spLocks noGrp="1" noRot="1" noChangeAspect="1"/>
+          </p:cNvSpPr>
           <p:nvPr>
-            <p:ph idx="2" type="sldImg"/>
+            <p:ph type="sldImg" idx="2"/>
           </p:nvPr>
         </p:nvSpPr>
         <p:spPr>
@@ -1747,9 +1805,13 @@
             <a:ext cx="6096000" cy="3429000"/>
           </a:xfrm>
           <a:custGeom>
-            <a:rect b="b" l="l" r="r" t="t"/>
+            <a:avLst/>
+            <a:gdLst/>
+            <a:ahLst/>
+            <a:cxnLst/>
+            <a:rect l="l" t="t" r="r" b="b"/>
             <a:pathLst>
-              <a:path extrusionOk="0" h="120000" w="120000">
+              <a:path w="120000" h="120000" extrusionOk="0">
                 <a:moveTo>
                   <a:pt x="0" y="0"/>
                 </a:moveTo>
@@ -1771,9 +1833,11 @@
       <p:sp>
         <p:nvSpPr>
           <p:cNvPr id="131" name="Google Shape;131;g1071ce3e276_1_145:notes"/>
-          <p:cNvSpPr txBox="1"/>
+          <p:cNvSpPr txBox="1">
+            <a:spLocks noGrp="1"/>
+          </p:cNvSpPr>
           <p:nvPr>
-            <p:ph idx="1" type="body"/>
+            <p:ph type="body" idx="1"/>
           </p:nvPr>
         </p:nvSpPr>
         <p:spPr>
@@ -1786,12 +1850,12 @@
           </a:prstGeom>
         </p:spPr>
         <p:txBody>
-          <a:bodyPr anchorCtr="0" anchor="t" bIns="91425" lIns="91425" spcFirstLastPara="1" rIns="91425" wrap="square" tIns="91425">
+          <a:bodyPr spcFirstLastPara="1" wrap="square" lIns="91425" tIns="91425" rIns="91425" bIns="91425" anchor="t" anchorCtr="0">
             <a:noAutofit/>
           </a:bodyPr>
           <a:lstStyle/>
           <a:p>
-            <a:pPr indent="0" lvl="0" marL="0" rtl="0" algn="l">
+            <a:pPr marL="0" lvl="0" indent="0" algn="l" rtl="0">
               <a:spcBef>
                 <a:spcPts val="0"/>
               </a:spcBef>
@@ -1800,9 +1864,6 @@
               </a:spcAft>
               <a:buNone/>
             </a:pPr>
-            <a:r>
-              <a:t/>
-            </a:r>
             <a:endParaRPr/>
           </a:p>
         </p:txBody>
@@ -1816,18 +1877,19 @@
 </file>
 
 <file path=ppt/slideLayouts/slideLayout1.xml><?xml version="1.0" encoding="utf-8"?>
-<p:sldLayout xmlns:a="http://schemas.openxmlformats.org/drawingml/2006/main" xmlns:r="http://schemas.openxmlformats.org/officeDocument/2006/relationships" xmlns:mc="http://schemas.openxmlformats.org/markup-compatibility/2006" xmlns:mv="urn:schemas-microsoft-com:mac:vml" xmlns:p="http://schemas.openxmlformats.org/presentationml/2006/main" xmlns:c="http://schemas.openxmlformats.org/drawingml/2006/chart" xmlns:dgm="http://schemas.openxmlformats.org/drawingml/2006/diagram" xmlns:o="urn:schemas-microsoft-com:office:office" xmlns:v="urn:schemas-microsoft-com:vml" xmlns:pvml="urn:schemas-microsoft-com:office:powerpoint" xmlns:com="http://schemas.openxmlformats.org/drawingml/2006/compatibility" xmlns:p14="http://schemas.microsoft.com/office/powerpoint/2010/main" xmlns:p15="http://schemas.microsoft.com/office/powerpoint/2012/main" xmlns:ahyp="http://schemas.microsoft.com/office/drawing/2018/hyperlinkcolor" matchingName="Title slide" type="title">
+<p:sldLayout xmlns:a="http://schemas.openxmlformats.org/drawingml/2006/main" xmlns:r="http://schemas.openxmlformats.org/officeDocument/2006/relationships" xmlns:p="http://schemas.openxmlformats.org/presentationml/2006/main" matchingName="Title slide" type="title">
   <p:cSld name="TITLE">
     <p:bg>
       <p:bgPr>
         <a:solidFill>
           <a:schemeClr val="dk1"/>
         </a:solidFill>
+        <a:effectLst/>
       </p:bgPr>
     </p:bg>
     <p:spTree>
       <p:nvGrpSpPr>
-        <p:cNvPr id="9" name="Shape 9"/>
+        <p:cNvPr id="1" name="Shape 9"/>
         <p:cNvGrpSpPr/>
         <p:nvPr/>
       </p:nvGrpSpPr>
@@ -1854,21 +1916,23 @@
             <a:avLst/>
           </a:prstGeom>
           <a:noFill/>
-          <a:ln cap="flat" cmpd="sng" w="19050">
+          <a:ln w="19050" cap="flat" cmpd="sng">
             <a:solidFill>
               <a:schemeClr val="lt2"/>
             </a:solidFill>
             <a:prstDash val="solid"/>
             <a:round/>
-            <a:headEnd len="sm" w="sm" type="none"/>
-            <a:tailEnd len="sm" w="sm" type="none"/>
+            <a:headEnd type="none" w="sm" len="sm"/>
+            <a:tailEnd type="none" w="sm" len="sm"/>
           </a:ln>
         </p:spPr>
       </p:cxnSp>
       <p:sp>
         <p:nvSpPr>
           <p:cNvPr id="11" name="Google Shape;11;p2"/>
-          <p:cNvSpPr txBox="1"/>
+          <p:cNvSpPr txBox="1">
+            <a:spLocks noGrp="1"/>
+          </p:cNvSpPr>
           <p:nvPr>
             <p:ph type="ctrTitle"/>
           </p:nvPr>
@@ -1883,7 +1947,7 @@
           </a:prstGeom>
         </p:spPr>
         <p:txBody>
-          <a:bodyPr anchorCtr="0" anchor="b" bIns="91425" lIns="91425" spcFirstLastPara="1" rIns="91425" wrap="square" tIns="91425">
+          <a:bodyPr spcFirstLastPara="1" wrap="square" lIns="91425" tIns="91425" rIns="91425" bIns="91425" anchor="b" anchorCtr="0">
             <a:normAutofit/>
           </a:bodyPr>
           <a:lstStyle>
@@ -2050,15 +2114,19 @@
               </a:defRPr>
             </a:lvl9pPr>
           </a:lstStyle>
-          <a:p/>
+          <a:p>
+            <a:endParaRPr/>
+          </a:p>
         </p:txBody>
       </p:sp>
       <p:sp>
         <p:nvSpPr>
           <p:cNvPr id="12" name="Google Shape;12;p2"/>
-          <p:cNvSpPr txBox="1"/>
+          <p:cNvSpPr txBox="1">
+            <a:spLocks noGrp="1"/>
+          </p:cNvSpPr>
           <p:nvPr>
-            <p:ph idx="1" type="subTitle"/>
+            <p:ph type="subTitle" idx="1"/>
           </p:nvPr>
         </p:nvSpPr>
         <p:spPr>
@@ -2071,7 +2139,7 @@
           </a:prstGeom>
         </p:spPr>
         <p:txBody>
-          <a:bodyPr anchorCtr="0" anchor="t" bIns="91425" lIns="91425" spcFirstLastPara="1" rIns="91425" wrap="square" tIns="91425">
+          <a:bodyPr spcFirstLastPara="1" wrap="square" lIns="91425" tIns="91425" rIns="91425" bIns="91425" anchor="t" anchorCtr="0">
             <a:normAutofit/>
           </a:bodyPr>
           <a:lstStyle>
@@ -2265,15 +2333,19 @@
               </a:defRPr>
             </a:lvl9pPr>
           </a:lstStyle>
-          <a:p/>
+          <a:p>
+            <a:endParaRPr/>
+          </a:p>
         </p:txBody>
       </p:sp>
       <p:sp>
         <p:nvSpPr>
           <p:cNvPr id="13" name="Google Shape;13;p2"/>
-          <p:cNvSpPr txBox="1"/>
+          <p:cNvSpPr txBox="1">
+            <a:spLocks noGrp="1"/>
+          </p:cNvSpPr>
           <p:nvPr>
-            <p:ph idx="12" type="sldNum"/>
+            <p:ph type="sldNum" idx="12"/>
           </p:nvPr>
         </p:nvSpPr>
         <p:spPr>
@@ -2286,7 +2358,7 @@
           </a:prstGeom>
         </p:spPr>
         <p:txBody>
-          <a:bodyPr anchorCtr="0" anchor="ctr" bIns="91425" lIns="91425" spcFirstLastPara="1" rIns="91425" wrap="square" tIns="91425">
+          <a:bodyPr spcFirstLastPara="1" wrap="square" lIns="91425" tIns="91425" rIns="91425" bIns="91425" anchor="ctr" anchorCtr="0">
             <a:normAutofit/>
           </a:bodyPr>
           <a:lstStyle>
@@ -2364,7 +2436,7 @@
             </a:lvl9pPr>
           </a:lstStyle>
           <a:p>
-            <a:pPr indent="0" lvl="0" marL="0" rtl="0" algn="r">
+            <a:pPr marL="0" lvl="0" indent="0" algn="r" rtl="0">
               <a:spcBef>
                 <a:spcPts val="0"/>
               </a:spcBef>
@@ -2375,7 +2447,7 @@
             </a:pPr>
             <a:fld id="{00000000-1234-1234-1234-123412341234}" type="slidenum">
               <a:rPr lang="fr"/>
-              <a:t>‹#›</a:t>
+              <a:t>‹N°›</a:t>
             </a:fld>
             <a:endParaRPr/>
           </a:p>
@@ -2390,11 +2462,11 @@
 </file>
 
 <file path=ppt/slideLayouts/slideLayout10.xml><?xml version="1.0" encoding="utf-8"?>
-<p:sldLayout xmlns:a="http://schemas.openxmlformats.org/drawingml/2006/main" xmlns:r="http://schemas.openxmlformats.org/officeDocument/2006/relationships" xmlns:mc="http://schemas.openxmlformats.org/markup-compatibility/2006" xmlns:mv="urn:schemas-microsoft-com:mac:vml" xmlns:p="http://schemas.openxmlformats.org/presentationml/2006/main" xmlns:c="http://schemas.openxmlformats.org/drawingml/2006/chart" xmlns:dgm="http://schemas.openxmlformats.org/drawingml/2006/diagram" xmlns:o="urn:schemas-microsoft-com:office:office" xmlns:v="urn:schemas-microsoft-com:vml" xmlns:pvml="urn:schemas-microsoft-com:office:powerpoint" xmlns:com="http://schemas.openxmlformats.org/drawingml/2006/compatibility" xmlns:p14="http://schemas.microsoft.com/office/powerpoint/2010/main" xmlns:p15="http://schemas.microsoft.com/office/powerpoint/2012/main" xmlns:ahyp="http://schemas.microsoft.com/office/drawing/2018/hyperlinkcolor" matchingName="Big number">
+<p:sldLayout xmlns:a="http://schemas.openxmlformats.org/drawingml/2006/main" xmlns:r="http://schemas.openxmlformats.org/officeDocument/2006/relationships" xmlns:p="http://schemas.openxmlformats.org/presentationml/2006/main" matchingName="Big number">
   <p:cSld name="BIG_NUMBER">
     <p:spTree>
       <p:nvGrpSpPr>
-        <p:cNvPr id="48" name="Shape 48"/>
+        <p:cNvPr id="1" name="Shape 48"/>
         <p:cNvGrpSpPr/>
         <p:nvPr/>
       </p:nvGrpSpPr>
@@ -2428,12 +2500,12 @@
           </a:ln>
         </p:spPr>
         <p:txBody>
-          <a:bodyPr anchorCtr="0" anchor="ctr" bIns="91425" lIns="91425" spcFirstLastPara="1" rIns="91425" wrap="square" tIns="91425">
+          <a:bodyPr spcFirstLastPara="1" wrap="square" lIns="91425" tIns="91425" rIns="91425" bIns="91425" anchor="ctr" anchorCtr="0">
             <a:noAutofit/>
           </a:bodyPr>
           <a:lstStyle/>
           <a:p>
-            <a:pPr indent="0" lvl="0" marL="0" rtl="0" algn="l">
+            <a:pPr marL="0" lvl="0" indent="0" algn="l" rtl="0">
               <a:spcBef>
                 <a:spcPts val="0"/>
               </a:spcBef>
@@ -2442,9 +2514,6 @@
               </a:spcAft>
               <a:buNone/>
             </a:pPr>
-            <a:r>
-              <a:t/>
-            </a:r>
             <a:endParaRPr/>
           </a:p>
         </p:txBody>
@@ -2452,9 +2521,11 @@
       <p:sp>
         <p:nvSpPr>
           <p:cNvPr id="50" name="Google Shape;50;p11"/>
-          <p:cNvSpPr txBox="1"/>
+          <p:cNvSpPr txBox="1">
+            <a:spLocks noGrp="1"/>
+          </p:cNvSpPr>
           <p:nvPr>
-            <p:ph hasCustomPrompt="1" type="title"/>
+            <p:ph type="title" hasCustomPrompt="1"/>
           </p:nvPr>
         </p:nvSpPr>
         <p:spPr>
@@ -2467,7 +2538,7 @@
           </a:prstGeom>
         </p:spPr>
         <p:txBody>
-          <a:bodyPr anchorCtr="0" anchor="ctr" bIns="91425" lIns="91425" spcFirstLastPara="1" rIns="91425" wrap="square" tIns="91425">
+          <a:bodyPr spcFirstLastPara="1" wrap="square" lIns="91425" tIns="91425" rIns="91425" bIns="91425" anchor="ctr" anchorCtr="0">
             <a:normAutofit/>
           </a:bodyPr>
           <a:lstStyle>
@@ -2480,7 +2551,7 @@
               </a:spcAft>
               <a:buSzPts val="14000"/>
               <a:buNone/>
-              <a:defRPr b="1" sz="14000"/>
+              <a:defRPr sz="14000" b="1"/>
             </a:lvl1pPr>
             <a:lvl2pPr lvl="1" algn="ctr">
               <a:spcBef>
@@ -2491,7 +2562,7 @@
               </a:spcAft>
               <a:buSzPts val="14000"/>
               <a:buNone/>
-              <a:defRPr b="1" sz="14000"/>
+              <a:defRPr sz="14000" b="1"/>
             </a:lvl2pPr>
             <a:lvl3pPr lvl="2" algn="ctr">
               <a:spcBef>
@@ -2502,7 +2573,7 @@
               </a:spcAft>
               <a:buSzPts val="14000"/>
               <a:buNone/>
-              <a:defRPr b="1" sz="14000"/>
+              <a:defRPr sz="14000" b="1"/>
             </a:lvl3pPr>
             <a:lvl4pPr lvl="3" algn="ctr">
               <a:spcBef>
@@ -2513,7 +2584,7 @@
               </a:spcAft>
               <a:buSzPts val="14000"/>
               <a:buNone/>
-              <a:defRPr b="1" sz="14000"/>
+              <a:defRPr sz="14000" b="1"/>
             </a:lvl4pPr>
             <a:lvl5pPr lvl="4" algn="ctr">
               <a:spcBef>
@@ -2524,7 +2595,7 @@
               </a:spcAft>
               <a:buSzPts val="14000"/>
               <a:buNone/>
-              <a:defRPr b="1" sz="14000"/>
+              <a:defRPr sz="14000" b="1"/>
             </a:lvl5pPr>
             <a:lvl6pPr lvl="5" algn="ctr">
               <a:spcBef>
@@ -2535,7 +2606,7 @@
               </a:spcAft>
               <a:buSzPts val="14000"/>
               <a:buNone/>
-              <a:defRPr b="1" sz="14000"/>
+              <a:defRPr sz="14000" b="1"/>
             </a:lvl6pPr>
             <a:lvl7pPr lvl="6" algn="ctr">
               <a:spcBef>
@@ -2546,7 +2617,7 @@
               </a:spcAft>
               <a:buSzPts val="14000"/>
               <a:buNone/>
-              <a:defRPr b="1" sz="14000"/>
+              <a:defRPr sz="14000" b="1"/>
             </a:lvl7pPr>
             <a:lvl8pPr lvl="7" algn="ctr">
               <a:spcBef>
@@ -2557,7 +2628,7 @@
               </a:spcAft>
               <a:buSzPts val="14000"/>
               <a:buNone/>
-              <a:defRPr b="1" sz="14000"/>
+              <a:defRPr sz="14000" b="1"/>
             </a:lvl8pPr>
             <a:lvl9pPr lvl="8" algn="ctr">
               <a:spcBef>
@@ -2568,7 +2639,7 @@
               </a:spcAft>
               <a:buSzPts val="14000"/>
               <a:buNone/>
-              <a:defRPr b="1" sz="14000"/>
+              <a:defRPr sz="14000" b="1"/>
             </a:lvl9pPr>
           </a:lstStyle>
           <a:p>
@@ -2581,9 +2652,11 @@
       <p:sp>
         <p:nvSpPr>
           <p:cNvPr id="51" name="Google Shape;51;p11"/>
-          <p:cNvSpPr txBox="1"/>
+          <p:cNvSpPr txBox="1">
+            <a:spLocks noGrp="1"/>
+          </p:cNvSpPr>
           <p:nvPr>
-            <p:ph idx="1" type="body"/>
+            <p:ph type="body" idx="1"/>
           </p:nvPr>
         </p:nvSpPr>
         <p:spPr>
@@ -2596,11 +2669,11 @@
           </a:prstGeom>
         </p:spPr>
         <p:txBody>
-          <a:bodyPr anchorCtr="0" anchor="t" bIns="91425" lIns="91425" spcFirstLastPara="1" rIns="91425" wrap="square" tIns="91425">
+          <a:bodyPr spcFirstLastPara="1" wrap="square" lIns="91425" tIns="91425" rIns="91425" bIns="91425" anchor="t" anchorCtr="0">
             <a:normAutofit/>
           </a:bodyPr>
           <a:lstStyle>
-            <a:lvl1pPr indent="-342900" lvl="0" marL="457200" algn="ctr">
+            <a:lvl1pPr marL="457200" lvl="0" indent="-342900" algn="ctr">
               <a:spcBef>
                 <a:spcPts val="0"/>
               </a:spcBef>
@@ -2611,7 +2684,7 @@
               <a:buChar char="●"/>
               <a:defRPr/>
             </a:lvl1pPr>
-            <a:lvl2pPr indent="-317500" lvl="1" marL="914400" algn="ctr">
+            <a:lvl2pPr marL="914400" lvl="1" indent="-317500" algn="ctr">
               <a:spcBef>
                 <a:spcPts val="0"/>
               </a:spcBef>
@@ -2622,7 +2695,7 @@
               <a:buChar char="○"/>
               <a:defRPr/>
             </a:lvl2pPr>
-            <a:lvl3pPr indent="-317500" lvl="2" marL="1371600" algn="ctr">
+            <a:lvl3pPr marL="1371600" lvl="2" indent="-317500" algn="ctr">
               <a:spcBef>
                 <a:spcPts val="0"/>
               </a:spcBef>
@@ -2633,7 +2706,7 @@
               <a:buChar char="■"/>
               <a:defRPr/>
             </a:lvl3pPr>
-            <a:lvl4pPr indent="-317500" lvl="3" marL="1828800" algn="ctr">
+            <a:lvl4pPr marL="1828800" lvl="3" indent="-317500" algn="ctr">
               <a:spcBef>
                 <a:spcPts val="0"/>
               </a:spcBef>
@@ -2644,7 +2717,7 @@
               <a:buChar char="●"/>
               <a:defRPr/>
             </a:lvl4pPr>
-            <a:lvl5pPr indent="-317500" lvl="4" marL="2286000" algn="ctr">
+            <a:lvl5pPr marL="2286000" lvl="4" indent="-317500" algn="ctr">
               <a:spcBef>
                 <a:spcPts val="0"/>
               </a:spcBef>
@@ -2655,7 +2728,7 @@
               <a:buChar char="○"/>
               <a:defRPr/>
             </a:lvl5pPr>
-            <a:lvl6pPr indent="-317500" lvl="5" marL="2743200" algn="ctr">
+            <a:lvl6pPr marL="2743200" lvl="5" indent="-317500" algn="ctr">
               <a:spcBef>
                 <a:spcPts val="0"/>
               </a:spcBef>
@@ -2666,7 +2739,7 @@
               <a:buChar char="■"/>
               <a:defRPr/>
             </a:lvl6pPr>
-            <a:lvl7pPr indent="-317500" lvl="6" marL="3200400" algn="ctr">
+            <a:lvl7pPr marL="3200400" lvl="6" indent="-317500" algn="ctr">
               <a:spcBef>
                 <a:spcPts val="0"/>
               </a:spcBef>
@@ -2677,7 +2750,7 @@
               <a:buChar char="●"/>
               <a:defRPr/>
             </a:lvl7pPr>
-            <a:lvl8pPr indent="-317500" lvl="7" marL="3657600" algn="ctr">
+            <a:lvl8pPr marL="3657600" lvl="7" indent="-317500" algn="ctr">
               <a:spcBef>
                 <a:spcPts val="0"/>
               </a:spcBef>
@@ -2688,7 +2761,7 @@
               <a:buChar char="○"/>
               <a:defRPr/>
             </a:lvl8pPr>
-            <a:lvl9pPr indent="-317500" lvl="8" marL="4114800" algn="ctr">
+            <a:lvl9pPr marL="4114800" lvl="8" indent="-317500" algn="ctr">
               <a:spcBef>
                 <a:spcPts val="0"/>
               </a:spcBef>
@@ -2700,15 +2773,19 @@
               <a:defRPr/>
             </a:lvl9pPr>
           </a:lstStyle>
-          <a:p/>
+          <a:p>
+            <a:endParaRPr/>
+          </a:p>
         </p:txBody>
       </p:sp>
       <p:sp>
         <p:nvSpPr>
           <p:cNvPr id="52" name="Google Shape;52;p11"/>
-          <p:cNvSpPr txBox="1"/>
+          <p:cNvSpPr txBox="1">
+            <a:spLocks noGrp="1"/>
+          </p:cNvSpPr>
           <p:nvPr>
-            <p:ph idx="12" type="sldNum"/>
+            <p:ph type="sldNum" idx="12"/>
           </p:nvPr>
         </p:nvSpPr>
         <p:spPr>
@@ -2721,7 +2798,7 @@
           </a:prstGeom>
         </p:spPr>
         <p:txBody>
-          <a:bodyPr anchorCtr="0" anchor="ctr" bIns="91425" lIns="91425" spcFirstLastPara="1" rIns="91425" wrap="square" tIns="91425">
+          <a:bodyPr spcFirstLastPara="1" wrap="square" lIns="91425" tIns="91425" rIns="91425" bIns="91425" anchor="ctr" anchorCtr="0">
             <a:normAutofit/>
           </a:bodyPr>
           <a:lstStyle>
@@ -2763,7 +2840,7 @@
             </a:lvl9pPr>
           </a:lstStyle>
           <a:p>
-            <a:pPr indent="0" lvl="0" marL="0" rtl="0" algn="r">
+            <a:pPr marL="0" lvl="0" indent="0" algn="r" rtl="0">
               <a:spcBef>
                 <a:spcPts val="0"/>
               </a:spcBef>
@@ -2774,7 +2851,7 @@
             </a:pPr>
             <a:fld id="{00000000-1234-1234-1234-123412341234}" type="slidenum">
               <a:rPr lang="fr"/>
-              <a:t>‹#›</a:t>
+              <a:t>‹N°›</a:t>
             </a:fld>
             <a:endParaRPr/>
           </a:p>
@@ -2789,11 +2866,11 @@
 </file>
 
 <file path=ppt/slideLayouts/slideLayout11.xml><?xml version="1.0" encoding="utf-8"?>
-<p:sldLayout xmlns:a="http://schemas.openxmlformats.org/drawingml/2006/main" xmlns:r="http://schemas.openxmlformats.org/officeDocument/2006/relationships" xmlns:mc="http://schemas.openxmlformats.org/markup-compatibility/2006" xmlns:mv="urn:schemas-microsoft-com:mac:vml" xmlns:p="http://schemas.openxmlformats.org/presentationml/2006/main" xmlns:c="http://schemas.openxmlformats.org/drawingml/2006/chart" xmlns:dgm="http://schemas.openxmlformats.org/drawingml/2006/diagram" xmlns:o="urn:schemas-microsoft-com:office:office" xmlns:v="urn:schemas-microsoft-com:vml" xmlns:pvml="urn:schemas-microsoft-com:office:powerpoint" xmlns:com="http://schemas.openxmlformats.org/drawingml/2006/compatibility" xmlns:p14="http://schemas.microsoft.com/office/powerpoint/2010/main" xmlns:p15="http://schemas.microsoft.com/office/powerpoint/2012/main" xmlns:ahyp="http://schemas.microsoft.com/office/drawing/2018/hyperlinkcolor" matchingName="Blank" type="blank">
+<p:sldLayout xmlns:a="http://schemas.openxmlformats.org/drawingml/2006/main" xmlns:r="http://schemas.openxmlformats.org/officeDocument/2006/relationships" xmlns:p="http://schemas.openxmlformats.org/presentationml/2006/main" matchingName="Blank" type="blank">
   <p:cSld name="BLANK">
     <p:spTree>
       <p:nvGrpSpPr>
-        <p:cNvPr id="53" name="Shape 53"/>
+        <p:cNvPr id="1" name="Shape 53"/>
         <p:cNvGrpSpPr/>
         <p:nvPr/>
       </p:nvGrpSpPr>
@@ -2808,9 +2885,11 @@
       <p:sp>
         <p:nvSpPr>
           <p:cNvPr id="54" name="Google Shape;54;p12"/>
-          <p:cNvSpPr txBox="1"/>
+          <p:cNvSpPr txBox="1">
+            <a:spLocks noGrp="1"/>
+          </p:cNvSpPr>
           <p:nvPr>
-            <p:ph idx="12" type="sldNum"/>
+            <p:ph type="sldNum" idx="12"/>
           </p:nvPr>
         </p:nvSpPr>
         <p:spPr>
@@ -2823,7 +2902,7 @@
           </a:prstGeom>
         </p:spPr>
         <p:txBody>
-          <a:bodyPr anchorCtr="0" anchor="ctr" bIns="91425" lIns="91425" spcFirstLastPara="1" rIns="91425" wrap="square" tIns="91425">
+          <a:bodyPr spcFirstLastPara="1" wrap="square" lIns="91425" tIns="91425" rIns="91425" bIns="91425" anchor="ctr" anchorCtr="0">
             <a:normAutofit/>
           </a:bodyPr>
           <a:lstStyle>
@@ -2865,7 +2944,7 @@
             </a:lvl9pPr>
           </a:lstStyle>
           <a:p>
-            <a:pPr indent="0" lvl="0" marL="0" rtl="0" algn="r">
+            <a:pPr marL="0" lvl="0" indent="0" algn="r" rtl="0">
               <a:spcBef>
                 <a:spcPts val="0"/>
               </a:spcBef>
@@ -2876,7 +2955,7 @@
             </a:pPr>
             <a:fld id="{00000000-1234-1234-1234-123412341234}" type="slidenum">
               <a:rPr lang="fr"/>
-              <a:t>‹#›</a:t>
+              <a:t>‹N°›</a:t>
             </a:fld>
             <a:endParaRPr/>
           </a:p>
@@ -2891,18 +2970,19 @@
 </file>
 
 <file path=ppt/slideLayouts/slideLayout2.xml><?xml version="1.0" encoding="utf-8"?>
-<p:sldLayout xmlns:a="http://schemas.openxmlformats.org/drawingml/2006/main" xmlns:r="http://schemas.openxmlformats.org/officeDocument/2006/relationships" xmlns:mc="http://schemas.openxmlformats.org/markup-compatibility/2006" xmlns:mv="urn:schemas-microsoft-com:mac:vml" xmlns:p="http://schemas.openxmlformats.org/presentationml/2006/main" xmlns:c="http://schemas.openxmlformats.org/drawingml/2006/chart" xmlns:dgm="http://schemas.openxmlformats.org/drawingml/2006/diagram" xmlns:o="urn:schemas-microsoft-com:office:office" xmlns:v="urn:schemas-microsoft-com:vml" xmlns:pvml="urn:schemas-microsoft-com:office:powerpoint" xmlns:com="http://schemas.openxmlformats.org/drawingml/2006/compatibility" xmlns:p14="http://schemas.microsoft.com/office/powerpoint/2010/main" xmlns:p15="http://schemas.microsoft.com/office/powerpoint/2012/main" xmlns:ahyp="http://schemas.microsoft.com/office/drawing/2018/hyperlinkcolor" matchingName="Section header" type="secHead">
+<p:sldLayout xmlns:a="http://schemas.openxmlformats.org/drawingml/2006/main" xmlns:r="http://schemas.openxmlformats.org/officeDocument/2006/relationships" xmlns:p="http://schemas.openxmlformats.org/presentationml/2006/main" matchingName="Section header" type="secHead">
   <p:cSld name="SECTION_HEADER">
     <p:bg>
       <p:bgPr>
         <a:solidFill>
           <a:schemeClr val="dk1"/>
         </a:solidFill>
+        <a:effectLst/>
       </p:bgPr>
     </p:bg>
     <p:spTree>
       <p:nvGrpSpPr>
-        <p:cNvPr id="14" name="Shape 14"/>
+        <p:cNvPr id="1" name="Shape 14"/>
         <p:cNvGrpSpPr/>
         <p:nvPr/>
       </p:nvGrpSpPr>
@@ -2929,21 +3009,23 @@
             <a:avLst/>
           </a:prstGeom>
           <a:noFill/>
-          <a:ln cap="flat" cmpd="sng" w="19050">
+          <a:ln w="19050" cap="flat" cmpd="sng">
             <a:solidFill>
               <a:schemeClr val="lt2"/>
             </a:solidFill>
             <a:prstDash val="solid"/>
             <a:round/>
-            <a:headEnd len="sm" w="sm" type="none"/>
-            <a:tailEnd len="sm" w="sm" type="none"/>
+            <a:headEnd type="none" w="sm" len="sm"/>
+            <a:tailEnd type="none" w="sm" len="sm"/>
           </a:ln>
         </p:spPr>
       </p:cxnSp>
       <p:sp>
         <p:nvSpPr>
           <p:cNvPr id="16" name="Google Shape;16;p3"/>
-          <p:cNvSpPr txBox="1"/>
+          <p:cNvSpPr txBox="1">
+            <a:spLocks noGrp="1"/>
+          </p:cNvSpPr>
           <p:nvPr>
             <p:ph type="title"/>
           </p:nvPr>
@@ -2958,7 +3040,7 @@
           </a:prstGeom>
         </p:spPr>
         <p:txBody>
-          <a:bodyPr anchorCtr="0" anchor="b" bIns="91425" lIns="91425" spcFirstLastPara="1" rIns="91425" wrap="square" tIns="91425">
+          <a:bodyPr spcFirstLastPara="1" wrap="square" lIns="91425" tIns="91425" rIns="91425" bIns="91425" anchor="b" anchorCtr="0">
             <a:normAutofit/>
           </a:bodyPr>
           <a:lstStyle>
@@ -3125,15 +3207,19 @@
               </a:defRPr>
             </a:lvl9pPr>
           </a:lstStyle>
-          <a:p/>
+          <a:p>
+            <a:endParaRPr/>
+          </a:p>
         </p:txBody>
       </p:sp>
       <p:sp>
         <p:nvSpPr>
           <p:cNvPr id="17" name="Google Shape;17;p3"/>
-          <p:cNvSpPr txBox="1"/>
+          <p:cNvSpPr txBox="1">
+            <a:spLocks noGrp="1"/>
+          </p:cNvSpPr>
           <p:nvPr>
-            <p:ph idx="12" type="sldNum"/>
+            <p:ph type="sldNum" idx="12"/>
           </p:nvPr>
         </p:nvSpPr>
         <p:spPr>
@@ -3146,7 +3232,7 @@
           </a:prstGeom>
         </p:spPr>
         <p:txBody>
-          <a:bodyPr anchorCtr="0" anchor="ctr" bIns="91425" lIns="91425" spcFirstLastPara="1" rIns="91425" wrap="square" tIns="91425">
+          <a:bodyPr spcFirstLastPara="1" wrap="square" lIns="91425" tIns="91425" rIns="91425" bIns="91425" anchor="ctr" anchorCtr="0">
             <a:normAutofit/>
           </a:bodyPr>
           <a:lstStyle>
@@ -3224,7 +3310,7 @@
             </a:lvl9pPr>
           </a:lstStyle>
           <a:p>
-            <a:pPr indent="0" lvl="0" marL="0" rtl="0" algn="r">
+            <a:pPr marL="0" lvl="0" indent="0" algn="r" rtl="0">
               <a:spcBef>
                 <a:spcPts val="0"/>
               </a:spcBef>
@@ -3235,7 +3321,7 @@
             </a:pPr>
             <a:fld id="{00000000-1234-1234-1234-123412341234}" type="slidenum">
               <a:rPr lang="fr"/>
-              <a:t>‹#›</a:t>
+              <a:t>‹N°›</a:t>
             </a:fld>
             <a:endParaRPr/>
           </a:p>
@@ -3250,11 +3336,11 @@
 </file>
 
 <file path=ppt/slideLayouts/slideLayout3.xml><?xml version="1.0" encoding="utf-8"?>
-<p:sldLayout xmlns:a="http://schemas.openxmlformats.org/drawingml/2006/main" xmlns:r="http://schemas.openxmlformats.org/officeDocument/2006/relationships" xmlns:mc="http://schemas.openxmlformats.org/markup-compatibility/2006" xmlns:mv="urn:schemas-microsoft-com:mac:vml" xmlns:p="http://schemas.openxmlformats.org/presentationml/2006/main" xmlns:c="http://schemas.openxmlformats.org/drawingml/2006/chart" xmlns:dgm="http://schemas.openxmlformats.org/drawingml/2006/diagram" xmlns:o="urn:schemas-microsoft-com:office:office" xmlns:v="urn:schemas-microsoft-com:vml" xmlns:pvml="urn:schemas-microsoft-com:office:powerpoint" xmlns:com="http://schemas.openxmlformats.org/drawingml/2006/compatibility" xmlns:p14="http://schemas.microsoft.com/office/powerpoint/2010/main" xmlns:p15="http://schemas.microsoft.com/office/powerpoint/2012/main" xmlns:ahyp="http://schemas.microsoft.com/office/drawing/2018/hyperlinkcolor" matchingName="Title and body" type="tx">
+<p:sldLayout xmlns:a="http://schemas.openxmlformats.org/drawingml/2006/main" xmlns:r="http://schemas.openxmlformats.org/officeDocument/2006/relationships" xmlns:p="http://schemas.openxmlformats.org/presentationml/2006/main" matchingName="Title and body" type="tx">
   <p:cSld name="TITLE_AND_BODY">
     <p:spTree>
       <p:nvGrpSpPr>
-        <p:cNvPr id="18" name="Shape 18"/>
+        <p:cNvPr id="1" name="Shape 18"/>
         <p:cNvGrpSpPr/>
         <p:nvPr/>
       </p:nvGrpSpPr>
@@ -3288,12 +3374,12 @@
           </a:ln>
         </p:spPr>
         <p:txBody>
-          <a:bodyPr anchorCtr="0" anchor="ctr" bIns="91425" lIns="91425" spcFirstLastPara="1" rIns="91425" wrap="square" tIns="91425">
+          <a:bodyPr spcFirstLastPara="1" wrap="square" lIns="91425" tIns="91425" rIns="91425" bIns="91425" anchor="ctr" anchorCtr="0">
             <a:noAutofit/>
           </a:bodyPr>
           <a:lstStyle/>
           <a:p>
-            <a:pPr indent="0" lvl="0" marL="0" rtl="0" algn="l">
+            <a:pPr marL="0" lvl="0" indent="0" algn="l" rtl="0">
               <a:spcBef>
                 <a:spcPts val="0"/>
               </a:spcBef>
@@ -3302,9 +3388,6 @@
               </a:spcAft>
               <a:buNone/>
             </a:pPr>
-            <a:r>
-              <a:t/>
-            </a:r>
             <a:endParaRPr/>
           </a:p>
         </p:txBody>
@@ -3312,7 +3395,9 @@
       <p:sp>
         <p:nvSpPr>
           <p:cNvPr id="20" name="Google Shape;20;p4"/>
-          <p:cNvSpPr txBox="1"/>
+          <p:cNvSpPr txBox="1">
+            <a:spLocks noGrp="1"/>
+          </p:cNvSpPr>
           <p:nvPr>
             <p:ph type="title"/>
           </p:nvPr>
@@ -3327,7 +3412,7 @@
           </a:prstGeom>
         </p:spPr>
         <p:txBody>
-          <a:bodyPr anchorCtr="0" anchor="t" bIns="91425" lIns="91425" spcFirstLastPara="1" rIns="91425" wrap="square" tIns="91425">
+          <a:bodyPr spcFirstLastPara="1" wrap="square" lIns="91425" tIns="91425" rIns="91425" bIns="91425" anchor="t" anchorCtr="0">
             <a:normAutofit/>
           </a:bodyPr>
           <a:lstStyle>
@@ -3431,15 +3516,19 @@
               <a:defRPr/>
             </a:lvl9pPr>
           </a:lstStyle>
-          <a:p/>
+          <a:p>
+            <a:endParaRPr/>
+          </a:p>
         </p:txBody>
       </p:sp>
       <p:sp>
         <p:nvSpPr>
           <p:cNvPr id="21" name="Google Shape;21;p4"/>
-          <p:cNvSpPr txBox="1"/>
+          <p:cNvSpPr txBox="1">
+            <a:spLocks noGrp="1"/>
+          </p:cNvSpPr>
           <p:nvPr>
-            <p:ph idx="1" type="body"/>
+            <p:ph type="body" idx="1"/>
           </p:nvPr>
         </p:nvSpPr>
         <p:spPr>
@@ -3452,11 +3541,11 @@
           </a:prstGeom>
         </p:spPr>
         <p:txBody>
-          <a:bodyPr anchorCtr="0" anchor="t" bIns="91425" lIns="91425" spcFirstLastPara="1" rIns="91425" wrap="square" tIns="91425">
+          <a:bodyPr spcFirstLastPara="1" wrap="square" lIns="91425" tIns="91425" rIns="91425" bIns="91425" anchor="t" anchorCtr="0">
             <a:normAutofit/>
           </a:bodyPr>
           <a:lstStyle>
-            <a:lvl1pPr indent="-342900" lvl="0" marL="457200">
+            <a:lvl1pPr marL="457200" lvl="0" indent="-342900">
               <a:spcBef>
                 <a:spcPts val="0"/>
               </a:spcBef>
@@ -3467,7 +3556,7 @@
               <a:buChar char="●"/>
               <a:defRPr/>
             </a:lvl1pPr>
-            <a:lvl2pPr indent="-317500" lvl="1" marL="914400">
+            <a:lvl2pPr marL="914400" lvl="1" indent="-317500">
               <a:spcBef>
                 <a:spcPts val="0"/>
               </a:spcBef>
@@ -3478,7 +3567,7 @@
               <a:buChar char="○"/>
               <a:defRPr/>
             </a:lvl2pPr>
-            <a:lvl3pPr indent="-317500" lvl="2" marL="1371600">
+            <a:lvl3pPr marL="1371600" lvl="2" indent="-317500">
               <a:spcBef>
                 <a:spcPts val="0"/>
               </a:spcBef>
@@ -3489,7 +3578,7 @@
               <a:buChar char="■"/>
               <a:defRPr/>
             </a:lvl3pPr>
-            <a:lvl4pPr indent="-317500" lvl="3" marL="1828800">
+            <a:lvl4pPr marL="1828800" lvl="3" indent="-317500">
               <a:spcBef>
                 <a:spcPts val="0"/>
               </a:spcBef>
@@ -3500,7 +3589,7 @@
               <a:buChar char="●"/>
               <a:defRPr/>
             </a:lvl4pPr>
-            <a:lvl5pPr indent="-317500" lvl="4" marL="2286000">
+            <a:lvl5pPr marL="2286000" lvl="4" indent="-317500">
               <a:spcBef>
                 <a:spcPts val="0"/>
               </a:spcBef>
@@ -3511,7 +3600,7 @@
               <a:buChar char="○"/>
               <a:defRPr/>
             </a:lvl5pPr>
-            <a:lvl6pPr indent="-317500" lvl="5" marL="2743200">
+            <a:lvl6pPr marL="2743200" lvl="5" indent="-317500">
               <a:spcBef>
                 <a:spcPts val="0"/>
               </a:spcBef>
@@ -3522,7 +3611,7 @@
               <a:buChar char="■"/>
               <a:defRPr/>
             </a:lvl6pPr>
-            <a:lvl7pPr indent="-317500" lvl="6" marL="3200400">
+            <a:lvl7pPr marL="3200400" lvl="6" indent="-317500">
               <a:spcBef>
                 <a:spcPts val="0"/>
               </a:spcBef>
@@ -3533,7 +3622,7 @@
               <a:buChar char="●"/>
               <a:defRPr/>
             </a:lvl7pPr>
-            <a:lvl8pPr indent="-317500" lvl="7" marL="3657600">
+            <a:lvl8pPr marL="3657600" lvl="7" indent="-317500">
               <a:spcBef>
                 <a:spcPts val="0"/>
               </a:spcBef>
@@ -3544,7 +3633,7 @@
               <a:buChar char="○"/>
               <a:defRPr/>
             </a:lvl8pPr>
-            <a:lvl9pPr indent="-317500" lvl="8" marL="4114800">
+            <a:lvl9pPr marL="4114800" lvl="8" indent="-317500">
               <a:spcBef>
                 <a:spcPts val="0"/>
               </a:spcBef>
@@ -3556,15 +3645,19 @@
               <a:defRPr/>
             </a:lvl9pPr>
           </a:lstStyle>
-          <a:p/>
+          <a:p>
+            <a:endParaRPr/>
+          </a:p>
         </p:txBody>
       </p:sp>
       <p:sp>
         <p:nvSpPr>
           <p:cNvPr id="22" name="Google Shape;22;p4"/>
-          <p:cNvSpPr txBox="1"/>
+          <p:cNvSpPr txBox="1">
+            <a:spLocks noGrp="1"/>
+          </p:cNvSpPr>
           <p:nvPr>
-            <p:ph idx="12" type="sldNum"/>
+            <p:ph type="sldNum" idx="12"/>
           </p:nvPr>
         </p:nvSpPr>
         <p:spPr>
@@ -3577,7 +3670,7 @@
           </a:prstGeom>
         </p:spPr>
         <p:txBody>
-          <a:bodyPr anchorCtr="0" anchor="ctr" bIns="91425" lIns="91425" spcFirstLastPara="1" rIns="91425" wrap="square" tIns="91425">
+          <a:bodyPr spcFirstLastPara="1" wrap="square" lIns="91425" tIns="91425" rIns="91425" bIns="91425" anchor="ctr" anchorCtr="0">
             <a:normAutofit/>
           </a:bodyPr>
           <a:lstStyle>
@@ -3619,7 +3712,7 @@
             </a:lvl9pPr>
           </a:lstStyle>
           <a:p>
-            <a:pPr indent="0" lvl="0" marL="0" rtl="0" algn="r">
+            <a:pPr marL="0" lvl="0" indent="0" algn="r" rtl="0">
               <a:spcBef>
                 <a:spcPts val="0"/>
               </a:spcBef>
@@ -3630,7 +3723,7 @@
             </a:pPr>
             <a:fld id="{00000000-1234-1234-1234-123412341234}" type="slidenum">
               <a:rPr lang="fr"/>
-              <a:t>‹#›</a:t>
+              <a:t>‹N°›</a:t>
             </a:fld>
             <a:endParaRPr/>
           </a:p>
@@ -3645,11 +3738,11 @@
 </file>
 
 <file path=ppt/slideLayouts/slideLayout4.xml><?xml version="1.0" encoding="utf-8"?>
-<p:sldLayout xmlns:a="http://schemas.openxmlformats.org/drawingml/2006/main" xmlns:r="http://schemas.openxmlformats.org/officeDocument/2006/relationships" xmlns:mc="http://schemas.openxmlformats.org/markup-compatibility/2006" xmlns:mv="urn:schemas-microsoft-com:mac:vml" xmlns:p="http://schemas.openxmlformats.org/presentationml/2006/main" xmlns:c="http://schemas.openxmlformats.org/drawingml/2006/chart" xmlns:dgm="http://schemas.openxmlformats.org/drawingml/2006/diagram" xmlns:o="urn:schemas-microsoft-com:office:office" xmlns:v="urn:schemas-microsoft-com:vml" xmlns:pvml="urn:schemas-microsoft-com:office:powerpoint" xmlns:com="http://schemas.openxmlformats.org/drawingml/2006/compatibility" xmlns:p14="http://schemas.microsoft.com/office/powerpoint/2010/main" xmlns:p15="http://schemas.microsoft.com/office/powerpoint/2012/main" xmlns:ahyp="http://schemas.microsoft.com/office/drawing/2018/hyperlinkcolor" matchingName="Title and two columns" type="twoColTx">
+<p:sldLayout xmlns:a="http://schemas.openxmlformats.org/drawingml/2006/main" xmlns:r="http://schemas.openxmlformats.org/officeDocument/2006/relationships" xmlns:p="http://schemas.openxmlformats.org/presentationml/2006/main" matchingName="Title and two columns" type="twoColTx">
   <p:cSld name="TITLE_AND_TWO_COLUMNS">
     <p:spTree>
       <p:nvGrpSpPr>
-        <p:cNvPr id="23" name="Shape 23"/>
+        <p:cNvPr id="1" name="Shape 23"/>
         <p:cNvGrpSpPr/>
         <p:nvPr/>
       </p:nvGrpSpPr>
@@ -3664,7 +3757,9 @@
       <p:sp>
         <p:nvSpPr>
           <p:cNvPr id="24" name="Google Shape;24;p5"/>
-          <p:cNvSpPr txBox="1"/>
+          <p:cNvSpPr txBox="1">
+            <a:spLocks noGrp="1"/>
+          </p:cNvSpPr>
           <p:nvPr>
             <p:ph type="title"/>
           </p:nvPr>
@@ -3679,7 +3774,7 @@
           </a:prstGeom>
         </p:spPr>
         <p:txBody>
-          <a:bodyPr anchorCtr="0" anchor="t" bIns="91425" lIns="91425" spcFirstLastPara="1" rIns="91425" wrap="square" tIns="91425">
+          <a:bodyPr spcFirstLastPara="1" wrap="square" lIns="91425" tIns="91425" rIns="91425" bIns="91425" anchor="t" anchorCtr="0">
             <a:normAutofit/>
           </a:bodyPr>
           <a:lstStyle>
@@ -3783,15 +3878,19 @@
               <a:defRPr/>
             </a:lvl9pPr>
           </a:lstStyle>
-          <a:p/>
+          <a:p>
+            <a:endParaRPr/>
+          </a:p>
         </p:txBody>
       </p:sp>
       <p:sp>
         <p:nvSpPr>
           <p:cNvPr id="25" name="Google Shape;25;p5"/>
-          <p:cNvSpPr txBox="1"/>
+          <p:cNvSpPr txBox="1">
+            <a:spLocks noGrp="1"/>
+          </p:cNvSpPr>
           <p:nvPr>
-            <p:ph idx="1" type="body"/>
+            <p:ph type="body" idx="1"/>
           </p:nvPr>
         </p:nvSpPr>
         <p:spPr>
@@ -3804,11 +3903,11 @@
           </a:prstGeom>
         </p:spPr>
         <p:txBody>
-          <a:bodyPr anchorCtr="0" anchor="t" bIns="91425" lIns="91425" spcFirstLastPara="1" rIns="91425" wrap="square" tIns="91425">
+          <a:bodyPr spcFirstLastPara="1" wrap="square" lIns="91425" tIns="91425" rIns="91425" bIns="91425" anchor="t" anchorCtr="0">
             <a:normAutofit/>
           </a:bodyPr>
           <a:lstStyle>
-            <a:lvl1pPr indent="-317500" lvl="0" marL="457200">
+            <a:lvl1pPr marL="457200" lvl="0" indent="-317500">
               <a:spcBef>
                 <a:spcPts val="0"/>
               </a:spcBef>
@@ -3819,7 +3918,7 @@
               <a:buChar char="●"/>
               <a:defRPr sz="1400"/>
             </a:lvl1pPr>
-            <a:lvl2pPr indent="-304800" lvl="1" marL="914400">
+            <a:lvl2pPr marL="914400" lvl="1" indent="-304800">
               <a:spcBef>
                 <a:spcPts val="0"/>
               </a:spcBef>
@@ -3830,7 +3929,7 @@
               <a:buChar char="○"/>
               <a:defRPr sz="1200"/>
             </a:lvl2pPr>
-            <a:lvl3pPr indent="-304800" lvl="2" marL="1371600">
+            <a:lvl3pPr marL="1371600" lvl="2" indent="-304800">
               <a:spcBef>
                 <a:spcPts val="0"/>
               </a:spcBef>
@@ -3841,7 +3940,7 @@
               <a:buChar char="■"/>
               <a:defRPr sz="1200"/>
             </a:lvl3pPr>
-            <a:lvl4pPr indent="-304800" lvl="3" marL="1828800">
+            <a:lvl4pPr marL="1828800" lvl="3" indent="-304800">
               <a:spcBef>
                 <a:spcPts val="0"/>
               </a:spcBef>
@@ -3852,7 +3951,7 @@
               <a:buChar char="●"/>
               <a:defRPr sz="1200"/>
             </a:lvl4pPr>
-            <a:lvl5pPr indent="-304800" lvl="4" marL="2286000">
+            <a:lvl5pPr marL="2286000" lvl="4" indent="-304800">
               <a:spcBef>
                 <a:spcPts val="0"/>
               </a:spcBef>
@@ -3863,7 +3962,7 @@
               <a:buChar char="○"/>
               <a:defRPr sz="1200"/>
             </a:lvl5pPr>
-            <a:lvl6pPr indent="-304800" lvl="5" marL="2743200">
+            <a:lvl6pPr marL="2743200" lvl="5" indent="-304800">
               <a:spcBef>
                 <a:spcPts val="0"/>
               </a:spcBef>
@@ -3874,7 +3973,7 @@
               <a:buChar char="■"/>
               <a:defRPr sz="1200"/>
             </a:lvl6pPr>
-            <a:lvl7pPr indent="-304800" lvl="6" marL="3200400">
+            <a:lvl7pPr marL="3200400" lvl="6" indent="-304800">
               <a:spcBef>
                 <a:spcPts val="0"/>
               </a:spcBef>
@@ -3885,7 +3984,7 @@
               <a:buChar char="●"/>
               <a:defRPr sz="1200"/>
             </a:lvl7pPr>
-            <a:lvl8pPr indent="-304800" lvl="7" marL="3657600">
+            <a:lvl8pPr marL="3657600" lvl="7" indent="-304800">
               <a:spcBef>
                 <a:spcPts val="0"/>
               </a:spcBef>
@@ -3896,7 +3995,7 @@
               <a:buChar char="○"/>
               <a:defRPr sz="1200"/>
             </a:lvl8pPr>
-            <a:lvl9pPr indent="-304800" lvl="8" marL="4114800">
+            <a:lvl9pPr marL="4114800" lvl="8" indent="-304800">
               <a:spcBef>
                 <a:spcPts val="0"/>
               </a:spcBef>
@@ -3908,15 +4007,19 @@
               <a:defRPr sz="1200"/>
             </a:lvl9pPr>
           </a:lstStyle>
-          <a:p/>
+          <a:p>
+            <a:endParaRPr/>
+          </a:p>
         </p:txBody>
       </p:sp>
       <p:sp>
         <p:nvSpPr>
           <p:cNvPr id="26" name="Google Shape;26;p5"/>
-          <p:cNvSpPr txBox="1"/>
+          <p:cNvSpPr txBox="1">
+            <a:spLocks noGrp="1"/>
+          </p:cNvSpPr>
           <p:nvPr>
-            <p:ph idx="2" type="body"/>
+            <p:ph type="body" idx="2"/>
           </p:nvPr>
         </p:nvSpPr>
         <p:spPr>
@@ -3929,11 +4032,11 @@
           </a:prstGeom>
         </p:spPr>
         <p:txBody>
-          <a:bodyPr anchorCtr="0" anchor="t" bIns="91425" lIns="91425" spcFirstLastPara="1" rIns="91425" wrap="square" tIns="91425">
+          <a:bodyPr spcFirstLastPara="1" wrap="square" lIns="91425" tIns="91425" rIns="91425" bIns="91425" anchor="t" anchorCtr="0">
             <a:normAutofit/>
           </a:bodyPr>
           <a:lstStyle>
-            <a:lvl1pPr indent="-317500" lvl="0" marL="457200">
+            <a:lvl1pPr marL="457200" lvl="0" indent="-317500">
               <a:spcBef>
                 <a:spcPts val="0"/>
               </a:spcBef>
@@ -3944,7 +4047,7 @@
               <a:buChar char="●"/>
               <a:defRPr sz="1400"/>
             </a:lvl1pPr>
-            <a:lvl2pPr indent="-304800" lvl="1" marL="914400">
+            <a:lvl2pPr marL="914400" lvl="1" indent="-304800">
               <a:spcBef>
                 <a:spcPts val="0"/>
               </a:spcBef>
@@ -3955,7 +4058,7 @@
               <a:buChar char="○"/>
               <a:defRPr sz="1200"/>
             </a:lvl2pPr>
-            <a:lvl3pPr indent="-304800" lvl="2" marL="1371600">
+            <a:lvl3pPr marL="1371600" lvl="2" indent="-304800">
               <a:spcBef>
                 <a:spcPts val="0"/>
               </a:spcBef>
@@ -3966,7 +4069,7 @@
               <a:buChar char="■"/>
               <a:defRPr sz="1200"/>
             </a:lvl3pPr>
-            <a:lvl4pPr indent="-304800" lvl="3" marL="1828800">
+            <a:lvl4pPr marL="1828800" lvl="3" indent="-304800">
               <a:spcBef>
                 <a:spcPts val="0"/>
               </a:spcBef>
@@ -3977,7 +4080,7 @@
               <a:buChar char="●"/>
               <a:defRPr sz="1200"/>
             </a:lvl4pPr>
-            <a:lvl5pPr indent="-304800" lvl="4" marL="2286000">
+            <a:lvl5pPr marL="2286000" lvl="4" indent="-304800">
               <a:spcBef>
                 <a:spcPts val="0"/>
               </a:spcBef>
@@ -3988,7 +4091,7 @@
               <a:buChar char="○"/>
               <a:defRPr sz="1200"/>
             </a:lvl5pPr>
-            <a:lvl6pPr indent="-304800" lvl="5" marL="2743200">
+            <a:lvl6pPr marL="2743200" lvl="5" indent="-304800">
               <a:spcBef>
                 <a:spcPts val="0"/>
               </a:spcBef>
@@ -3999,7 +4102,7 @@
               <a:buChar char="■"/>
               <a:defRPr sz="1200"/>
             </a:lvl6pPr>
-            <a:lvl7pPr indent="-304800" lvl="6" marL="3200400">
+            <a:lvl7pPr marL="3200400" lvl="6" indent="-304800">
               <a:spcBef>
                 <a:spcPts val="0"/>
               </a:spcBef>
@@ -4010,7 +4113,7 @@
               <a:buChar char="●"/>
               <a:defRPr sz="1200"/>
             </a:lvl7pPr>
-            <a:lvl8pPr indent="-304800" lvl="7" marL="3657600">
+            <a:lvl8pPr marL="3657600" lvl="7" indent="-304800">
               <a:spcBef>
                 <a:spcPts val="0"/>
               </a:spcBef>
@@ -4021,7 +4124,7 @@
               <a:buChar char="○"/>
               <a:defRPr sz="1200"/>
             </a:lvl8pPr>
-            <a:lvl9pPr indent="-304800" lvl="8" marL="4114800">
+            <a:lvl9pPr marL="4114800" lvl="8" indent="-304800">
               <a:spcBef>
                 <a:spcPts val="0"/>
               </a:spcBef>
@@ -4033,15 +4136,19 @@
               <a:defRPr sz="1200"/>
             </a:lvl9pPr>
           </a:lstStyle>
-          <a:p/>
+          <a:p>
+            <a:endParaRPr/>
+          </a:p>
         </p:txBody>
       </p:sp>
       <p:sp>
         <p:nvSpPr>
           <p:cNvPr id="27" name="Google Shape;27;p5"/>
-          <p:cNvSpPr txBox="1"/>
+          <p:cNvSpPr txBox="1">
+            <a:spLocks noGrp="1"/>
+          </p:cNvSpPr>
           <p:nvPr>
-            <p:ph idx="12" type="sldNum"/>
+            <p:ph type="sldNum" idx="12"/>
           </p:nvPr>
         </p:nvSpPr>
         <p:spPr>
@@ -4054,7 +4161,7 @@
           </a:prstGeom>
         </p:spPr>
         <p:txBody>
-          <a:bodyPr anchorCtr="0" anchor="ctr" bIns="91425" lIns="91425" spcFirstLastPara="1" rIns="91425" wrap="square" tIns="91425">
+          <a:bodyPr spcFirstLastPara="1" wrap="square" lIns="91425" tIns="91425" rIns="91425" bIns="91425" anchor="ctr" anchorCtr="0">
             <a:normAutofit/>
           </a:bodyPr>
           <a:lstStyle>
@@ -4096,7 +4203,7 @@
             </a:lvl9pPr>
           </a:lstStyle>
           <a:p>
-            <a:pPr indent="0" lvl="0" marL="0" rtl="0" algn="r">
+            <a:pPr marL="0" lvl="0" indent="0" algn="r" rtl="0">
               <a:spcBef>
                 <a:spcPts val="0"/>
               </a:spcBef>
@@ -4107,7 +4214,7 @@
             </a:pPr>
             <a:fld id="{00000000-1234-1234-1234-123412341234}" type="slidenum">
               <a:rPr lang="fr"/>
-              <a:t>‹#›</a:t>
+              <a:t>‹N°›</a:t>
             </a:fld>
             <a:endParaRPr/>
           </a:p>
@@ -4122,11 +4229,11 @@
 </file>
 
 <file path=ppt/slideLayouts/slideLayout5.xml><?xml version="1.0" encoding="utf-8"?>
-<p:sldLayout xmlns:a="http://schemas.openxmlformats.org/drawingml/2006/main" xmlns:r="http://schemas.openxmlformats.org/officeDocument/2006/relationships" xmlns:mc="http://schemas.openxmlformats.org/markup-compatibility/2006" xmlns:mv="urn:schemas-microsoft-com:mac:vml" xmlns:p="http://schemas.openxmlformats.org/presentationml/2006/main" xmlns:c="http://schemas.openxmlformats.org/drawingml/2006/chart" xmlns:dgm="http://schemas.openxmlformats.org/drawingml/2006/diagram" xmlns:o="urn:schemas-microsoft-com:office:office" xmlns:v="urn:schemas-microsoft-com:vml" xmlns:pvml="urn:schemas-microsoft-com:office:powerpoint" xmlns:com="http://schemas.openxmlformats.org/drawingml/2006/compatibility" xmlns:p14="http://schemas.microsoft.com/office/powerpoint/2010/main" xmlns:p15="http://schemas.microsoft.com/office/powerpoint/2012/main" xmlns:ahyp="http://schemas.microsoft.com/office/drawing/2018/hyperlinkcolor" matchingName="Title only" type="titleOnly">
+<p:sldLayout xmlns:a="http://schemas.openxmlformats.org/drawingml/2006/main" xmlns:r="http://schemas.openxmlformats.org/officeDocument/2006/relationships" xmlns:p="http://schemas.openxmlformats.org/presentationml/2006/main" matchingName="Title only" type="titleOnly">
   <p:cSld name="TITLE_ONLY">
     <p:spTree>
       <p:nvGrpSpPr>
-        <p:cNvPr id="28" name="Shape 28"/>
+        <p:cNvPr id="1" name="Shape 28"/>
         <p:cNvGrpSpPr/>
         <p:nvPr/>
       </p:nvGrpSpPr>
@@ -4141,7 +4248,9 @@
       <p:sp>
         <p:nvSpPr>
           <p:cNvPr id="29" name="Google Shape;29;p6"/>
-          <p:cNvSpPr txBox="1"/>
+          <p:cNvSpPr txBox="1">
+            <a:spLocks noGrp="1"/>
+          </p:cNvSpPr>
           <p:nvPr>
             <p:ph type="title"/>
           </p:nvPr>
@@ -4156,7 +4265,7 @@
           </a:prstGeom>
         </p:spPr>
         <p:txBody>
-          <a:bodyPr anchorCtr="0" anchor="t" bIns="91425" lIns="91425" spcFirstLastPara="1" rIns="91425" wrap="square" tIns="91425">
+          <a:bodyPr spcFirstLastPara="1" wrap="square" lIns="91425" tIns="91425" rIns="91425" bIns="91425" anchor="t" anchorCtr="0">
             <a:normAutofit/>
           </a:bodyPr>
           <a:lstStyle>
@@ -4260,15 +4369,19 @@
               <a:defRPr/>
             </a:lvl9pPr>
           </a:lstStyle>
-          <a:p/>
+          <a:p>
+            <a:endParaRPr/>
+          </a:p>
         </p:txBody>
       </p:sp>
       <p:sp>
         <p:nvSpPr>
           <p:cNvPr id="30" name="Google Shape;30;p6"/>
-          <p:cNvSpPr txBox="1"/>
+          <p:cNvSpPr txBox="1">
+            <a:spLocks noGrp="1"/>
+          </p:cNvSpPr>
           <p:nvPr>
-            <p:ph idx="12" type="sldNum"/>
+            <p:ph type="sldNum" idx="12"/>
           </p:nvPr>
         </p:nvSpPr>
         <p:spPr>
@@ -4281,7 +4394,7 @@
           </a:prstGeom>
         </p:spPr>
         <p:txBody>
-          <a:bodyPr anchorCtr="0" anchor="ctr" bIns="91425" lIns="91425" spcFirstLastPara="1" rIns="91425" wrap="square" tIns="91425">
+          <a:bodyPr spcFirstLastPara="1" wrap="square" lIns="91425" tIns="91425" rIns="91425" bIns="91425" anchor="ctr" anchorCtr="0">
             <a:normAutofit/>
           </a:bodyPr>
           <a:lstStyle>
@@ -4323,7 +4436,7 @@
             </a:lvl9pPr>
           </a:lstStyle>
           <a:p>
-            <a:pPr indent="0" lvl="0" marL="0" rtl="0" algn="r">
+            <a:pPr marL="0" lvl="0" indent="0" algn="r" rtl="0">
               <a:spcBef>
                 <a:spcPts val="0"/>
               </a:spcBef>
@@ -4334,7 +4447,7 @@
             </a:pPr>
             <a:fld id="{00000000-1234-1234-1234-123412341234}" type="slidenum">
               <a:rPr lang="fr"/>
-              <a:t>‹#›</a:t>
+              <a:t>‹N°›</a:t>
             </a:fld>
             <a:endParaRPr/>
           </a:p>
@@ -4349,11 +4462,11 @@
 </file>
 
 <file path=ppt/slideLayouts/slideLayout6.xml><?xml version="1.0" encoding="utf-8"?>
-<p:sldLayout xmlns:a="http://schemas.openxmlformats.org/drawingml/2006/main" xmlns:r="http://schemas.openxmlformats.org/officeDocument/2006/relationships" xmlns:mc="http://schemas.openxmlformats.org/markup-compatibility/2006" xmlns:mv="urn:schemas-microsoft-com:mac:vml" xmlns:p="http://schemas.openxmlformats.org/presentationml/2006/main" xmlns:c="http://schemas.openxmlformats.org/drawingml/2006/chart" xmlns:dgm="http://schemas.openxmlformats.org/drawingml/2006/diagram" xmlns:o="urn:schemas-microsoft-com:office:office" xmlns:v="urn:schemas-microsoft-com:vml" xmlns:pvml="urn:schemas-microsoft-com:office:powerpoint" xmlns:com="http://schemas.openxmlformats.org/drawingml/2006/compatibility" xmlns:p14="http://schemas.microsoft.com/office/powerpoint/2010/main" xmlns:p15="http://schemas.microsoft.com/office/powerpoint/2012/main" xmlns:ahyp="http://schemas.microsoft.com/office/drawing/2018/hyperlinkcolor" matchingName="One column text">
+<p:sldLayout xmlns:a="http://schemas.openxmlformats.org/drawingml/2006/main" xmlns:r="http://schemas.openxmlformats.org/officeDocument/2006/relationships" xmlns:p="http://schemas.openxmlformats.org/presentationml/2006/main" matchingName="One column text">
   <p:cSld name="ONE_COLUMN_TEXT">
     <p:spTree>
       <p:nvGrpSpPr>
-        <p:cNvPr id="31" name="Shape 31"/>
+        <p:cNvPr id="1" name="Shape 31"/>
         <p:cNvGrpSpPr/>
         <p:nvPr/>
       </p:nvGrpSpPr>
@@ -4368,7 +4481,9 @@
       <p:sp>
         <p:nvSpPr>
           <p:cNvPr id="32" name="Google Shape;32;p7"/>
-          <p:cNvSpPr txBox="1"/>
+          <p:cNvSpPr txBox="1">
+            <a:spLocks noGrp="1"/>
+          </p:cNvSpPr>
           <p:nvPr>
             <p:ph type="title"/>
           </p:nvPr>
@@ -4383,7 +4498,7 @@
           </a:prstGeom>
         </p:spPr>
         <p:txBody>
-          <a:bodyPr anchorCtr="0" anchor="b" bIns="91425" lIns="91425" spcFirstLastPara="1" rIns="91425" wrap="square" tIns="91425">
+          <a:bodyPr spcFirstLastPara="1" wrap="square" lIns="91425" tIns="91425" rIns="91425" bIns="91425" anchor="b" anchorCtr="0">
             <a:normAutofit/>
           </a:bodyPr>
           <a:lstStyle>
@@ -4487,15 +4602,19 @@
               <a:defRPr sz="2400"/>
             </a:lvl9pPr>
           </a:lstStyle>
-          <a:p/>
+          <a:p>
+            <a:endParaRPr/>
+          </a:p>
         </p:txBody>
       </p:sp>
       <p:sp>
         <p:nvSpPr>
           <p:cNvPr id="33" name="Google Shape;33;p7"/>
-          <p:cNvSpPr txBox="1"/>
+          <p:cNvSpPr txBox="1">
+            <a:spLocks noGrp="1"/>
+          </p:cNvSpPr>
           <p:nvPr>
-            <p:ph idx="1" type="body"/>
+            <p:ph type="body" idx="1"/>
           </p:nvPr>
         </p:nvSpPr>
         <p:spPr>
@@ -4508,11 +4627,11 @@
           </a:prstGeom>
         </p:spPr>
         <p:txBody>
-          <a:bodyPr anchorCtr="0" anchor="t" bIns="91425" lIns="91425" spcFirstLastPara="1" rIns="91425" wrap="square" tIns="91425">
+          <a:bodyPr spcFirstLastPara="1" wrap="square" lIns="91425" tIns="91425" rIns="91425" bIns="91425" anchor="t" anchorCtr="0">
             <a:normAutofit/>
           </a:bodyPr>
           <a:lstStyle>
-            <a:lvl1pPr indent="-304800" lvl="0" marL="457200">
+            <a:lvl1pPr marL="457200" lvl="0" indent="-304800">
               <a:spcBef>
                 <a:spcPts val="0"/>
               </a:spcBef>
@@ -4523,7 +4642,7 @@
               <a:buChar char="●"/>
               <a:defRPr sz="1200"/>
             </a:lvl1pPr>
-            <a:lvl2pPr indent="-304800" lvl="1" marL="914400">
+            <a:lvl2pPr marL="914400" lvl="1" indent="-304800">
               <a:spcBef>
                 <a:spcPts val="0"/>
               </a:spcBef>
@@ -4534,7 +4653,7 @@
               <a:buChar char="○"/>
               <a:defRPr sz="1200"/>
             </a:lvl2pPr>
-            <a:lvl3pPr indent="-304800" lvl="2" marL="1371600">
+            <a:lvl3pPr marL="1371600" lvl="2" indent="-304800">
               <a:spcBef>
                 <a:spcPts val="0"/>
               </a:spcBef>
@@ -4545,7 +4664,7 @@
               <a:buChar char="■"/>
               <a:defRPr sz="1200"/>
             </a:lvl3pPr>
-            <a:lvl4pPr indent="-304800" lvl="3" marL="1828800">
+            <a:lvl4pPr marL="1828800" lvl="3" indent="-304800">
               <a:spcBef>
                 <a:spcPts val="0"/>
               </a:spcBef>
@@ -4556,7 +4675,7 @@
               <a:buChar char="●"/>
               <a:defRPr sz="1200"/>
             </a:lvl4pPr>
-            <a:lvl5pPr indent="-304800" lvl="4" marL="2286000">
+            <a:lvl5pPr marL="2286000" lvl="4" indent="-304800">
               <a:spcBef>
                 <a:spcPts val="0"/>
               </a:spcBef>
@@ -4567,7 +4686,7 @@
               <a:buChar char="○"/>
               <a:defRPr sz="1200"/>
             </a:lvl5pPr>
-            <a:lvl6pPr indent="-304800" lvl="5" marL="2743200">
+            <a:lvl6pPr marL="2743200" lvl="5" indent="-304800">
               <a:spcBef>
                 <a:spcPts val="0"/>
               </a:spcBef>
@@ -4578,7 +4697,7 @@
               <a:buChar char="■"/>
               <a:defRPr sz="1200"/>
             </a:lvl6pPr>
-            <a:lvl7pPr indent="-304800" lvl="6" marL="3200400">
+            <a:lvl7pPr marL="3200400" lvl="6" indent="-304800">
               <a:spcBef>
                 <a:spcPts val="0"/>
               </a:spcBef>
@@ -4589,7 +4708,7 @@
               <a:buChar char="●"/>
               <a:defRPr sz="1200"/>
             </a:lvl7pPr>
-            <a:lvl8pPr indent="-304800" lvl="7" marL="3657600">
+            <a:lvl8pPr marL="3657600" lvl="7" indent="-304800">
               <a:spcBef>
                 <a:spcPts val="0"/>
               </a:spcBef>
@@ -4600,7 +4719,7 @@
               <a:buChar char="○"/>
               <a:defRPr sz="1200"/>
             </a:lvl8pPr>
-            <a:lvl9pPr indent="-304800" lvl="8" marL="4114800">
+            <a:lvl9pPr marL="4114800" lvl="8" indent="-304800">
               <a:spcBef>
                 <a:spcPts val="0"/>
               </a:spcBef>
@@ -4612,15 +4731,19 @@
               <a:defRPr sz="1200"/>
             </a:lvl9pPr>
           </a:lstStyle>
-          <a:p/>
+          <a:p>
+            <a:endParaRPr/>
+          </a:p>
         </p:txBody>
       </p:sp>
       <p:sp>
         <p:nvSpPr>
           <p:cNvPr id="34" name="Google Shape;34;p7"/>
-          <p:cNvSpPr txBox="1"/>
+          <p:cNvSpPr txBox="1">
+            <a:spLocks noGrp="1"/>
+          </p:cNvSpPr>
           <p:nvPr>
-            <p:ph idx="12" type="sldNum"/>
+            <p:ph type="sldNum" idx="12"/>
           </p:nvPr>
         </p:nvSpPr>
         <p:spPr>
@@ -4633,7 +4756,7 @@
           </a:prstGeom>
         </p:spPr>
         <p:txBody>
-          <a:bodyPr anchorCtr="0" anchor="ctr" bIns="91425" lIns="91425" spcFirstLastPara="1" rIns="91425" wrap="square" tIns="91425">
+          <a:bodyPr spcFirstLastPara="1" wrap="square" lIns="91425" tIns="91425" rIns="91425" bIns="91425" anchor="ctr" anchorCtr="0">
             <a:normAutofit/>
           </a:bodyPr>
           <a:lstStyle>
@@ -4675,7 +4798,7 @@
             </a:lvl9pPr>
           </a:lstStyle>
           <a:p>
-            <a:pPr indent="0" lvl="0" marL="0" rtl="0" algn="r">
+            <a:pPr marL="0" lvl="0" indent="0" algn="r" rtl="0">
               <a:spcBef>
                 <a:spcPts val="0"/>
               </a:spcBef>
@@ -4686,7 +4809,7 @@
             </a:pPr>
             <a:fld id="{00000000-1234-1234-1234-123412341234}" type="slidenum">
               <a:rPr lang="fr"/>
-              <a:t>‹#›</a:t>
+              <a:t>‹N°›</a:t>
             </a:fld>
             <a:endParaRPr/>
           </a:p>
@@ -4701,18 +4824,19 @@
 </file>
 
 <file path=ppt/slideLayouts/slideLayout7.xml><?xml version="1.0" encoding="utf-8"?>
-<p:sldLayout xmlns:a="http://schemas.openxmlformats.org/drawingml/2006/main" xmlns:r="http://schemas.openxmlformats.org/officeDocument/2006/relationships" xmlns:mc="http://schemas.openxmlformats.org/markup-compatibility/2006" xmlns:mv="urn:schemas-microsoft-com:mac:vml" xmlns:p="http://schemas.openxmlformats.org/presentationml/2006/main" xmlns:c="http://schemas.openxmlformats.org/drawingml/2006/chart" xmlns:dgm="http://schemas.openxmlformats.org/drawingml/2006/diagram" xmlns:o="urn:schemas-microsoft-com:office:office" xmlns:v="urn:schemas-microsoft-com:vml" xmlns:pvml="urn:schemas-microsoft-com:office:powerpoint" xmlns:com="http://schemas.openxmlformats.org/drawingml/2006/compatibility" xmlns:p14="http://schemas.microsoft.com/office/powerpoint/2010/main" xmlns:p15="http://schemas.microsoft.com/office/powerpoint/2012/main" xmlns:ahyp="http://schemas.microsoft.com/office/drawing/2018/hyperlinkcolor" matchingName="Main point">
+<p:sldLayout xmlns:a="http://schemas.openxmlformats.org/drawingml/2006/main" xmlns:r="http://schemas.openxmlformats.org/officeDocument/2006/relationships" xmlns:p="http://schemas.openxmlformats.org/presentationml/2006/main" matchingName="Main point">
   <p:cSld name="MAIN_POINT">
     <p:bg>
       <p:bgPr>
         <a:solidFill>
           <a:schemeClr val="lt2"/>
         </a:solidFill>
+        <a:effectLst/>
       </p:bgPr>
     </p:bg>
     <p:spTree>
       <p:nvGrpSpPr>
-        <p:cNvPr id="35" name="Shape 35"/>
+        <p:cNvPr id="1" name="Shape 35"/>
         <p:cNvGrpSpPr/>
         <p:nvPr/>
       </p:nvGrpSpPr>
@@ -4727,7 +4851,9 @@
       <p:sp>
         <p:nvSpPr>
           <p:cNvPr id="36" name="Google Shape;36;p8"/>
-          <p:cNvSpPr txBox="1"/>
+          <p:cNvSpPr txBox="1">
+            <a:spLocks noGrp="1"/>
+          </p:cNvSpPr>
           <p:nvPr>
             <p:ph type="title"/>
           </p:nvPr>
@@ -4742,7 +4868,7 @@
           </a:prstGeom>
         </p:spPr>
         <p:txBody>
-          <a:bodyPr anchorCtr="0" anchor="ctr" bIns="91425" lIns="91425" spcFirstLastPara="1" rIns="91425" wrap="square" tIns="91425">
+          <a:bodyPr spcFirstLastPara="1" wrap="square" lIns="91425" tIns="91425" rIns="91425" bIns="91425" anchor="ctr" anchorCtr="0">
             <a:normAutofit/>
           </a:bodyPr>
           <a:lstStyle>
@@ -4846,15 +4972,19 @@
               <a:defRPr sz="4800"/>
             </a:lvl9pPr>
           </a:lstStyle>
-          <a:p/>
+          <a:p>
+            <a:endParaRPr/>
+          </a:p>
         </p:txBody>
       </p:sp>
       <p:sp>
         <p:nvSpPr>
           <p:cNvPr id="37" name="Google Shape;37;p8"/>
-          <p:cNvSpPr txBox="1"/>
+          <p:cNvSpPr txBox="1">
+            <a:spLocks noGrp="1"/>
+          </p:cNvSpPr>
           <p:nvPr>
-            <p:ph idx="12" type="sldNum"/>
+            <p:ph type="sldNum" idx="12"/>
           </p:nvPr>
         </p:nvSpPr>
         <p:spPr>
@@ -4867,7 +4997,7 @@
           </a:prstGeom>
         </p:spPr>
         <p:txBody>
-          <a:bodyPr anchorCtr="0" anchor="ctr" bIns="91425" lIns="91425" spcFirstLastPara="1" rIns="91425" wrap="square" tIns="91425">
+          <a:bodyPr spcFirstLastPara="1" wrap="square" lIns="91425" tIns="91425" rIns="91425" bIns="91425" anchor="ctr" anchorCtr="0">
             <a:normAutofit/>
           </a:bodyPr>
           <a:lstStyle>
@@ -4909,7 +5039,7 @@
             </a:lvl9pPr>
           </a:lstStyle>
           <a:p>
-            <a:pPr indent="0" lvl="0" marL="0" rtl="0" algn="r">
+            <a:pPr marL="0" lvl="0" indent="0" algn="r" rtl="0">
               <a:spcBef>
                 <a:spcPts val="0"/>
               </a:spcBef>
@@ -4920,7 +5050,7 @@
             </a:pPr>
             <a:fld id="{00000000-1234-1234-1234-123412341234}" type="slidenum">
               <a:rPr lang="fr"/>
-              <a:t>‹#›</a:t>
+              <a:t>‹N°›</a:t>
             </a:fld>
             <a:endParaRPr/>
           </a:p>
@@ -4935,11 +5065,11 @@
 </file>
 
 <file path=ppt/slideLayouts/slideLayout8.xml><?xml version="1.0" encoding="utf-8"?>
-<p:sldLayout xmlns:a="http://schemas.openxmlformats.org/drawingml/2006/main" xmlns:r="http://schemas.openxmlformats.org/officeDocument/2006/relationships" xmlns:mc="http://schemas.openxmlformats.org/markup-compatibility/2006" xmlns:mv="urn:schemas-microsoft-com:mac:vml" xmlns:p="http://schemas.openxmlformats.org/presentationml/2006/main" xmlns:c="http://schemas.openxmlformats.org/drawingml/2006/chart" xmlns:dgm="http://schemas.openxmlformats.org/drawingml/2006/diagram" xmlns:o="urn:schemas-microsoft-com:office:office" xmlns:v="urn:schemas-microsoft-com:vml" xmlns:pvml="urn:schemas-microsoft-com:office:powerpoint" xmlns:com="http://schemas.openxmlformats.org/drawingml/2006/compatibility" xmlns:p14="http://schemas.microsoft.com/office/powerpoint/2010/main" xmlns:p15="http://schemas.microsoft.com/office/powerpoint/2012/main" xmlns:ahyp="http://schemas.microsoft.com/office/drawing/2018/hyperlinkcolor" matchingName="Section title and description">
+<p:sldLayout xmlns:a="http://schemas.openxmlformats.org/drawingml/2006/main" xmlns:r="http://schemas.openxmlformats.org/officeDocument/2006/relationships" xmlns:p="http://schemas.openxmlformats.org/presentationml/2006/main" matchingName="Section title and description">
   <p:cSld name="SECTION_TITLE_AND_DESCRIPTION">
     <p:spTree>
       <p:nvGrpSpPr>
-        <p:cNvPr id="38" name="Shape 38"/>
+        <p:cNvPr id="1" name="Shape 38"/>
         <p:cNvGrpSpPr/>
         <p:nvPr/>
       </p:nvGrpSpPr>
@@ -4973,12 +5103,12 @@
           </a:ln>
         </p:spPr>
         <p:txBody>
-          <a:bodyPr anchorCtr="0" anchor="ctr" bIns="91425" lIns="91425" spcFirstLastPara="1" rIns="91425" wrap="square" tIns="91425">
+          <a:bodyPr spcFirstLastPara="1" wrap="square" lIns="91425" tIns="91425" rIns="91425" bIns="91425" anchor="ctr" anchorCtr="0">
             <a:noAutofit/>
           </a:bodyPr>
           <a:lstStyle/>
           <a:p>
-            <a:pPr indent="0" lvl="0" marL="0" rtl="0" algn="l">
+            <a:pPr marL="0" lvl="0" indent="0" algn="l" rtl="0">
               <a:spcBef>
                 <a:spcPts val="0"/>
               </a:spcBef>
@@ -4987,9 +5117,6 @@
               </a:spcAft>
               <a:buNone/>
             </a:pPr>
-            <a:r>
-              <a:t/>
-            </a:r>
             <a:endParaRPr/>
           </a:p>
         </p:txBody>
@@ -5009,21 +5136,23 @@
             <a:avLst/>
           </a:prstGeom>
           <a:noFill/>
-          <a:ln cap="flat" cmpd="sng" w="19050">
+          <a:ln w="19050" cap="flat" cmpd="sng">
             <a:solidFill>
               <a:schemeClr val="lt2"/>
             </a:solidFill>
             <a:prstDash val="solid"/>
             <a:round/>
-            <a:headEnd len="sm" w="sm" type="none"/>
-            <a:tailEnd len="sm" w="sm" type="none"/>
+            <a:headEnd type="none" w="sm" len="sm"/>
+            <a:tailEnd type="none" w="sm" len="sm"/>
           </a:ln>
         </p:spPr>
       </p:cxnSp>
       <p:sp>
         <p:nvSpPr>
           <p:cNvPr id="41" name="Google Shape;41;p9"/>
-          <p:cNvSpPr txBox="1"/>
+          <p:cNvSpPr txBox="1">
+            <a:spLocks noGrp="1"/>
+          </p:cNvSpPr>
           <p:nvPr>
             <p:ph type="title"/>
           </p:nvPr>
@@ -5038,7 +5167,7 @@
           </a:prstGeom>
         </p:spPr>
         <p:txBody>
-          <a:bodyPr anchorCtr="0" anchor="b" bIns="91425" lIns="91425" spcFirstLastPara="1" rIns="91425" wrap="square" tIns="91425">
+          <a:bodyPr spcFirstLastPara="1" wrap="square" lIns="91425" tIns="91425" rIns="91425" bIns="91425" anchor="b" anchorCtr="0">
             <a:normAutofit/>
           </a:bodyPr>
           <a:lstStyle>
@@ -5142,15 +5271,19 @@
               <a:defRPr sz="4200"/>
             </a:lvl9pPr>
           </a:lstStyle>
-          <a:p/>
+          <a:p>
+            <a:endParaRPr/>
+          </a:p>
         </p:txBody>
       </p:sp>
       <p:sp>
         <p:nvSpPr>
           <p:cNvPr id="42" name="Google Shape;42;p9"/>
-          <p:cNvSpPr txBox="1"/>
+          <p:cNvSpPr txBox="1">
+            <a:spLocks noGrp="1"/>
+          </p:cNvSpPr>
           <p:nvPr>
-            <p:ph idx="1" type="subTitle"/>
+            <p:ph type="subTitle" idx="1"/>
           </p:nvPr>
         </p:nvSpPr>
         <p:spPr>
@@ -5163,7 +5296,7 @@
           </a:prstGeom>
         </p:spPr>
         <p:txBody>
-          <a:bodyPr anchorCtr="0" anchor="t" bIns="91425" lIns="91425" spcFirstLastPara="1" rIns="91425" wrap="square" tIns="91425">
+          <a:bodyPr spcFirstLastPara="1" wrap="square" lIns="91425" tIns="91425" rIns="91425" bIns="91425" anchor="t" anchorCtr="0">
             <a:normAutofit/>
           </a:bodyPr>
           <a:lstStyle>
@@ -5294,15 +5427,19 @@
               <a:defRPr sz="2100"/>
             </a:lvl9pPr>
           </a:lstStyle>
-          <a:p/>
+          <a:p>
+            <a:endParaRPr/>
+          </a:p>
         </p:txBody>
       </p:sp>
       <p:sp>
         <p:nvSpPr>
           <p:cNvPr id="43" name="Google Shape;43;p9"/>
-          <p:cNvSpPr txBox="1"/>
+          <p:cNvSpPr txBox="1">
+            <a:spLocks noGrp="1"/>
+          </p:cNvSpPr>
           <p:nvPr>
-            <p:ph idx="2" type="body"/>
+            <p:ph type="body" idx="2"/>
           </p:nvPr>
         </p:nvSpPr>
         <p:spPr>
@@ -5315,11 +5452,11 @@
           </a:prstGeom>
         </p:spPr>
         <p:txBody>
-          <a:bodyPr anchorCtr="0" anchor="ctr" bIns="91425" lIns="91425" spcFirstLastPara="1" rIns="91425" wrap="square" tIns="91425">
+          <a:bodyPr spcFirstLastPara="1" wrap="square" lIns="91425" tIns="91425" rIns="91425" bIns="91425" anchor="ctr" anchorCtr="0">
             <a:normAutofit/>
           </a:bodyPr>
           <a:lstStyle>
-            <a:lvl1pPr indent="-342900" lvl="0" marL="457200">
+            <a:lvl1pPr marL="457200" lvl="0" indent="-342900">
               <a:spcBef>
                 <a:spcPts val="0"/>
               </a:spcBef>
@@ -5337,7 +5474,7 @@
                 </a:solidFill>
               </a:defRPr>
             </a:lvl1pPr>
-            <a:lvl2pPr indent="-317500" lvl="1" marL="914400">
+            <a:lvl2pPr marL="914400" lvl="1" indent="-317500">
               <a:spcBef>
                 <a:spcPts val="0"/>
               </a:spcBef>
@@ -5355,7 +5492,7 @@
                 </a:solidFill>
               </a:defRPr>
             </a:lvl2pPr>
-            <a:lvl3pPr indent="-317500" lvl="2" marL="1371600">
+            <a:lvl3pPr marL="1371600" lvl="2" indent="-317500">
               <a:spcBef>
                 <a:spcPts val="0"/>
               </a:spcBef>
@@ -5373,7 +5510,7 @@
                 </a:solidFill>
               </a:defRPr>
             </a:lvl3pPr>
-            <a:lvl4pPr indent="-317500" lvl="3" marL="1828800">
+            <a:lvl4pPr marL="1828800" lvl="3" indent="-317500">
               <a:spcBef>
                 <a:spcPts val="0"/>
               </a:spcBef>
@@ -5391,7 +5528,7 @@
                 </a:solidFill>
               </a:defRPr>
             </a:lvl4pPr>
-            <a:lvl5pPr indent="-317500" lvl="4" marL="2286000">
+            <a:lvl5pPr marL="2286000" lvl="4" indent="-317500">
               <a:spcBef>
                 <a:spcPts val="0"/>
               </a:spcBef>
@@ -5409,7 +5546,7 @@
                 </a:solidFill>
               </a:defRPr>
             </a:lvl5pPr>
-            <a:lvl6pPr indent="-317500" lvl="5" marL="2743200">
+            <a:lvl6pPr marL="2743200" lvl="5" indent="-317500">
               <a:spcBef>
                 <a:spcPts val="0"/>
               </a:spcBef>
@@ -5427,7 +5564,7 @@
                 </a:solidFill>
               </a:defRPr>
             </a:lvl6pPr>
-            <a:lvl7pPr indent="-317500" lvl="6" marL="3200400">
+            <a:lvl7pPr marL="3200400" lvl="6" indent="-317500">
               <a:spcBef>
                 <a:spcPts val="0"/>
               </a:spcBef>
@@ -5445,7 +5582,7 @@
                 </a:solidFill>
               </a:defRPr>
             </a:lvl7pPr>
-            <a:lvl8pPr indent="-317500" lvl="7" marL="3657600">
+            <a:lvl8pPr marL="3657600" lvl="7" indent="-317500">
               <a:spcBef>
                 <a:spcPts val="0"/>
               </a:spcBef>
@@ -5463,7 +5600,7 @@
                 </a:solidFill>
               </a:defRPr>
             </a:lvl8pPr>
-            <a:lvl9pPr indent="-317500" lvl="8" marL="4114800">
+            <a:lvl9pPr marL="4114800" lvl="8" indent="-317500">
               <a:spcBef>
                 <a:spcPts val="0"/>
               </a:spcBef>
@@ -5482,15 +5619,19 @@
               </a:defRPr>
             </a:lvl9pPr>
           </a:lstStyle>
-          <a:p/>
+          <a:p>
+            <a:endParaRPr/>
+          </a:p>
         </p:txBody>
       </p:sp>
       <p:sp>
         <p:nvSpPr>
           <p:cNvPr id="44" name="Google Shape;44;p9"/>
-          <p:cNvSpPr txBox="1"/>
+          <p:cNvSpPr txBox="1">
+            <a:spLocks noGrp="1"/>
+          </p:cNvSpPr>
           <p:nvPr>
-            <p:ph idx="12" type="sldNum"/>
+            <p:ph type="sldNum" idx="12"/>
           </p:nvPr>
         </p:nvSpPr>
         <p:spPr>
@@ -5503,7 +5644,7 @@
           </a:prstGeom>
         </p:spPr>
         <p:txBody>
-          <a:bodyPr anchorCtr="0" anchor="ctr" bIns="91425" lIns="91425" spcFirstLastPara="1" rIns="91425" wrap="square" tIns="91425">
+          <a:bodyPr spcFirstLastPara="1" wrap="square" lIns="91425" tIns="91425" rIns="91425" bIns="91425" anchor="ctr" anchorCtr="0">
             <a:normAutofit/>
           </a:bodyPr>
           <a:lstStyle>
@@ -5581,7 +5722,7 @@
             </a:lvl9pPr>
           </a:lstStyle>
           <a:p>
-            <a:pPr indent="0" lvl="0" marL="0" rtl="0" algn="r">
+            <a:pPr marL="0" lvl="0" indent="0" algn="r" rtl="0">
               <a:spcBef>
                 <a:spcPts val="0"/>
               </a:spcBef>
@@ -5592,7 +5733,7 @@
             </a:pPr>
             <a:fld id="{00000000-1234-1234-1234-123412341234}" type="slidenum">
               <a:rPr lang="fr"/>
-              <a:t>‹#›</a:t>
+              <a:t>‹N°›</a:t>
             </a:fld>
             <a:endParaRPr/>
           </a:p>
@@ -5607,11 +5748,11 @@
 </file>
 
 <file path=ppt/slideLayouts/slideLayout9.xml><?xml version="1.0" encoding="utf-8"?>
-<p:sldLayout xmlns:a="http://schemas.openxmlformats.org/drawingml/2006/main" xmlns:r="http://schemas.openxmlformats.org/officeDocument/2006/relationships" xmlns:mc="http://schemas.openxmlformats.org/markup-compatibility/2006" xmlns:mv="urn:schemas-microsoft-com:mac:vml" xmlns:p="http://schemas.openxmlformats.org/presentationml/2006/main" xmlns:c="http://schemas.openxmlformats.org/drawingml/2006/chart" xmlns:dgm="http://schemas.openxmlformats.org/drawingml/2006/diagram" xmlns:o="urn:schemas-microsoft-com:office:office" xmlns:v="urn:schemas-microsoft-com:vml" xmlns:pvml="urn:schemas-microsoft-com:office:powerpoint" xmlns:com="http://schemas.openxmlformats.org/drawingml/2006/compatibility" xmlns:p14="http://schemas.microsoft.com/office/powerpoint/2010/main" xmlns:p15="http://schemas.microsoft.com/office/powerpoint/2012/main" xmlns:ahyp="http://schemas.microsoft.com/office/drawing/2018/hyperlinkcolor" matchingName="Caption">
+<p:sldLayout xmlns:a="http://schemas.openxmlformats.org/drawingml/2006/main" xmlns:r="http://schemas.openxmlformats.org/officeDocument/2006/relationships" xmlns:p="http://schemas.openxmlformats.org/presentationml/2006/main" matchingName="Caption">
   <p:cSld name="CAPTION_ONLY">
     <p:spTree>
       <p:nvGrpSpPr>
-        <p:cNvPr id="45" name="Shape 45"/>
+        <p:cNvPr id="1" name="Shape 45"/>
         <p:cNvGrpSpPr/>
         <p:nvPr/>
       </p:nvGrpSpPr>
@@ -5626,9 +5767,11 @@
       <p:sp>
         <p:nvSpPr>
           <p:cNvPr id="46" name="Google Shape;46;p10"/>
-          <p:cNvSpPr txBox="1"/>
+          <p:cNvSpPr txBox="1">
+            <a:spLocks noGrp="1"/>
+          </p:cNvSpPr>
           <p:nvPr>
-            <p:ph idx="1" type="body"/>
+            <p:ph type="body" idx="1"/>
           </p:nvPr>
         </p:nvSpPr>
         <p:spPr>
@@ -5641,11 +5784,11 @@
           </a:prstGeom>
         </p:spPr>
         <p:txBody>
-          <a:bodyPr anchorCtr="0" anchor="ctr" bIns="91425" lIns="91425" spcFirstLastPara="1" rIns="91425" wrap="square" tIns="91425">
+          <a:bodyPr spcFirstLastPara="1" wrap="square" lIns="91425" tIns="91425" rIns="91425" bIns="91425" anchor="ctr" anchorCtr="0">
             <a:normAutofit/>
           </a:bodyPr>
           <a:lstStyle>
-            <a:lvl1pPr indent="-228600" lvl="0" marL="457200">
+            <a:lvl1pPr marL="457200" lvl="0" indent="-228600">
               <a:lnSpc>
                 <a:spcPct val="100000"/>
               </a:lnSpc>
@@ -5660,15 +5803,19 @@
               <a:defRPr sz="2100"/>
             </a:lvl1pPr>
           </a:lstStyle>
-          <a:p/>
+          <a:p>
+            <a:endParaRPr/>
+          </a:p>
         </p:txBody>
       </p:sp>
       <p:sp>
         <p:nvSpPr>
           <p:cNvPr id="47" name="Google Shape;47;p10"/>
-          <p:cNvSpPr txBox="1"/>
+          <p:cNvSpPr txBox="1">
+            <a:spLocks noGrp="1"/>
+          </p:cNvSpPr>
           <p:nvPr>
-            <p:ph idx="12" type="sldNum"/>
+            <p:ph type="sldNum" idx="12"/>
           </p:nvPr>
         </p:nvSpPr>
         <p:spPr>
@@ -5681,7 +5828,7 @@
           </a:prstGeom>
         </p:spPr>
         <p:txBody>
-          <a:bodyPr anchorCtr="0" anchor="ctr" bIns="91425" lIns="91425" spcFirstLastPara="1" rIns="91425" wrap="square" tIns="91425">
+          <a:bodyPr spcFirstLastPara="1" wrap="square" lIns="91425" tIns="91425" rIns="91425" bIns="91425" anchor="ctr" anchorCtr="0">
             <a:normAutofit/>
           </a:bodyPr>
           <a:lstStyle>
@@ -5723,7 +5870,7 @@
             </a:lvl9pPr>
           </a:lstStyle>
           <a:p>
-            <a:pPr indent="0" lvl="0" marL="0" rtl="0" algn="r">
+            <a:pPr marL="0" lvl="0" indent="0" algn="r" rtl="0">
               <a:spcBef>
                 <a:spcPts val="0"/>
               </a:spcBef>
@@ -5734,7 +5881,7 @@
             </a:pPr>
             <a:fld id="{00000000-1234-1234-1234-123412341234}" type="slidenum">
               <a:rPr lang="fr"/>
-              <a:t>‹#›</a:t>
+              <a:t>‹N°›</a:t>
             </a:fld>
             <a:endParaRPr/>
           </a:p>
@@ -5749,18 +5896,19 @@
 </file>
 
 <file path=ppt/slideMasters/slideMaster1.xml><?xml version="1.0" encoding="utf-8"?>
-<p:sldMaster xmlns:a="http://schemas.openxmlformats.org/drawingml/2006/main" xmlns:r="http://schemas.openxmlformats.org/officeDocument/2006/relationships" xmlns:mc="http://schemas.openxmlformats.org/markup-compatibility/2006" xmlns:mv="urn:schemas-microsoft-com:mac:vml" xmlns:p="http://schemas.openxmlformats.org/presentationml/2006/main" xmlns:c="http://schemas.openxmlformats.org/drawingml/2006/chart" xmlns:dgm="http://schemas.openxmlformats.org/drawingml/2006/diagram" xmlns:o="urn:schemas-microsoft-com:office:office" xmlns:v="urn:schemas-microsoft-com:vml" xmlns:pvml="urn:schemas-microsoft-com:office:powerpoint" xmlns:com="http://schemas.openxmlformats.org/drawingml/2006/compatibility" xmlns:p14="http://schemas.microsoft.com/office/powerpoint/2010/main" xmlns:p15="http://schemas.microsoft.com/office/powerpoint/2012/main" xmlns:ahyp="http://schemas.microsoft.com/office/drawing/2018/hyperlinkcolor">
+<p:sldMaster xmlns:a="http://schemas.openxmlformats.org/drawingml/2006/main" xmlns:r="http://schemas.openxmlformats.org/officeDocument/2006/relationships" xmlns:p="http://schemas.openxmlformats.org/presentationml/2006/main">
   <p:cSld name="spearmint">
     <p:bg>
       <p:bgPr>
         <a:solidFill>
           <a:schemeClr val="lt1"/>
         </a:solidFill>
+        <a:effectLst/>
       </p:bgPr>
     </p:bg>
     <p:spTree>
       <p:nvGrpSpPr>
-        <p:cNvPr id="5" name="Shape 5"/>
+        <p:cNvPr id="1" name="Shape 5"/>
         <p:cNvGrpSpPr/>
         <p:nvPr/>
       </p:nvGrpSpPr>
@@ -5775,7 +5923,9 @@
       <p:sp>
         <p:nvSpPr>
           <p:cNvPr id="6" name="Google Shape;6;p1"/>
-          <p:cNvSpPr txBox="1"/>
+          <p:cNvSpPr txBox="1">
+            <a:spLocks noGrp="1"/>
+          </p:cNvSpPr>
           <p:nvPr>
             <p:ph type="title"/>
           </p:nvPr>
@@ -5794,7 +5944,7 @@
           </a:ln>
         </p:spPr>
         <p:txBody>
-          <a:bodyPr anchorCtr="0" anchor="t" bIns="91425" lIns="91425" spcFirstLastPara="1" rIns="91425" wrap="square" tIns="91425">
+          <a:bodyPr spcFirstLastPara="1" wrap="square" lIns="91425" tIns="91425" rIns="91425" bIns="91425" anchor="t" anchorCtr="0">
             <a:normAutofit/>
           </a:bodyPr>
           <a:lstStyle>
@@ -6006,15 +6156,19 @@
               </a:defRPr>
             </a:lvl9pPr>
           </a:lstStyle>
-          <a:p/>
+          <a:p>
+            <a:endParaRPr/>
+          </a:p>
         </p:txBody>
       </p:sp>
       <p:sp>
         <p:nvSpPr>
           <p:cNvPr id="7" name="Google Shape;7;p1"/>
-          <p:cNvSpPr txBox="1"/>
+          <p:cNvSpPr txBox="1">
+            <a:spLocks noGrp="1"/>
+          </p:cNvSpPr>
           <p:nvPr>
-            <p:ph idx="1" type="body"/>
+            <p:ph type="body" idx="1"/>
           </p:nvPr>
         </p:nvSpPr>
         <p:spPr>
@@ -6031,11 +6185,11 @@
           </a:ln>
         </p:spPr>
         <p:txBody>
-          <a:bodyPr anchorCtr="0" anchor="t" bIns="91425" lIns="91425" spcFirstLastPara="1" rIns="91425" wrap="square" tIns="91425">
+          <a:bodyPr spcFirstLastPara="1" wrap="square" lIns="91425" tIns="91425" rIns="91425" bIns="91425" anchor="t" anchorCtr="0">
             <a:normAutofit/>
           </a:bodyPr>
           <a:lstStyle>
-            <a:lvl1pPr indent="-342900" lvl="0" marL="457200">
+            <a:lvl1pPr marL="457200" lvl="0" indent="-342900">
               <a:lnSpc>
                 <a:spcPct val="115000"/>
               </a:lnSpc>
@@ -6061,7 +6215,7 @@
                 <a:sym typeface="Proxima Nova"/>
               </a:defRPr>
             </a:lvl1pPr>
-            <a:lvl2pPr indent="-317500" lvl="1" marL="914400">
+            <a:lvl2pPr marL="914400" lvl="1" indent="-317500">
               <a:lnSpc>
                 <a:spcPct val="115000"/>
               </a:lnSpc>
@@ -6087,7 +6241,7 @@
                 <a:sym typeface="Proxima Nova"/>
               </a:defRPr>
             </a:lvl2pPr>
-            <a:lvl3pPr indent="-317500" lvl="2" marL="1371600">
+            <a:lvl3pPr marL="1371600" lvl="2" indent="-317500">
               <a:lnSpc>
                 <a:spcPct val="115000"/>
               </a:lnSpc>
@@ -6113,7 +6267,7 @@
                 <a:sym typeface="Proxima Nova"/>
               </a:defRPr>
             </a:lvl3pPr>
-            <a:lvl4pPr indent="-317500" lvl="3" marL="1828800">
+            <a:lvl4pPr marL="1828800" lvl="3" indent="-317500">
               <a:lnSpc>
                 <a:spcPct val="115000"/>
               </a:lnSpc>
@@ -6139,7 +6293,7 @@
                 <a:sym typeface="Proxima Nova"/>
               </a:defRPr>
             </a:lvl4pPr>
-            <a:lvl5pPr indent="-317500" lvl="4" marL="2286000">
+            <a:lvl5pPr marL="2286000" lvl="4" indent="-317500">
               <a:lnSpc>
                 <a:spcPct val="115000"/>
               </a:lnSpc>
@@ -6165,7 +6319,7 @@
                 <a:sym typeface="Proxima Nova"/>
               </a:defRPr>
             </a:lvl5pPr>
-            <a:lvl6pPr indent="-317500" lvl="5" marL="2743200">
+            <a:lvl6pPr marL="2743200" lvl="5" indent="-317500">
               <a:lnSpc>
                 <a:spcPct val="115000"/>
               </a:lnSpc>
@@ -6191,7 +6345,7 @@
                 <a:sym typeface="Proxima Nova"/>
               </a:defRPr>
             </a:lvl6pPr>
-            <a:lvl7pPr indent="-317500" lvl="6" marL="3200400">
+            <a:lvl7pPr marL="3200400" lvl="6" indent="-317500">
               <a:lnSpc>
                 <a:spcPct val="115000"/>
               </a:lnSpc>
@@ -6217,7 +6371,7 @@
                 <a:sym typeface="Proxima Nova"/>
               </a:defRPr>
             </a:lvl7pPr>
-            <a:lvl8pPr indent="-317500" lvl="7" marL="3657600">
+            <a:lvl8pPr marL="3657600" lvl="7" indent="-317500">
               <a:lnSpc>
                 <a:spcPct val="115000"/>
               </a:lnSpc>
@@ -6243,7 +6397,7 @@
                 <a:sym typeface="Proxima Nova"/>
               </a:defRPr>
             </a:lvl8pPr>
-            <a:lvl9pPr indent="-317500" lvl="8" marL="4114800">
+            <a:lvl9pPr marL="4114800" lvl="8" indent="-317500">
               <a:lnSpc>
                 <a:spcPct val="115000"/>
               </a:lnSpc>
@@ -6270,15 +6424,19 @@
               </a:defRPr>
             </a:lvl9pPr>
           </a:lstStyle>
-          <a:p/>
+          <a:p>
+            <a:endParaRPr/>
+          </a:p>
         </p:txBody>
       </p:sp>
       <p:sp>
         <p:nvSpPr>
           <p:cNvPr id="8" name="Google Shape;8;p1"/>
-          <p:cNvSpPr txBox="1"/>
+          <p:cNvSpPr txBox="1">
+            <a:spLocks noGrp="1"/>
+          </p:cNvSpPr>
           <p:nvPr>
-            <p:ph idx="12" type="sldNum"/>
+            <p:ph type="sldNum" idx="12"/>
           </p:nvPr>
         </p:nvSpPr>
         <p:spPr>
@@ -6295,7 +6453,7 @@
           </a:ln>
         </p:spPr>
         <p:txBody>
-          <a:bodyPr anchorCtr="0" anchor="ctr" bIns="91425" lIns="91425" spcFirstLastPara="1" rIns="91425" wrap="square" tIns="91425">
+          <a:bodyPr spcFirstLastPara="1" wrap="square" lIns="91425" tIns="91425" rIns="91425" bIns="91425" anchor="ctr" anchorCtr="0">
             <a:normAutofit/>
           </a:bodyPr>
           <a:lstStyle>
@@ -6409,7 +6567,7 @@
             </a:lvl9pPr>
           </a:lstStyle>
           <a:p>
-            <a:pPr indent="0" lvl="0" marL="0" rtl="0" algn="r">
+            <a:pPr marL="0" lvl="0" indent="0" algn="r" rtl="0">
               <a:spcBef>
                 <a:spcPts val="0"/>
               </a:spcBef>
@@ -6420,7 +6578,7 @@
             </a:pPr>
             <a:fld id="{00000000-1234-1234-1234-123412341234}" type="slidenum">
               <a:rPr lang="fr"/>
-              <a:t>‹#›</a:t>
+              <a:t>‹N°›</a:t>
             </a:fld>
             <a:endParaRPr/>
           </a:p>
@@ -6428,7 +6586,7 @@
       </p:sp>
     </p:spTree>
   </p:cSld>
-  <p:clrMap accent1="accent1" accent2="accent2" accent3="accent3" accent4="accent4" accent5="accent5" accent6="accent6" bg1="lt1" bg2="dk2" tx1="dk1" tx2="lt2" folHlink="folHlink" hlink="hlink"/>
+  <p:clrMap bg1="lt1" tx1="dk1" bg2="dk2" tx2="lt2" accent1="accent1" accent2="accent2" accent3="accent3" accent4="accent4" accent5="accent5" accent6="accent6" hlink="hlink" folHlink="folHlink"/>
   <p:sldLayoutIdLst>
     <p:sldLayoutId id="2147483648" r:id="rId1"/>
     <p:sldLayoutId id="2147483649" r:id="rId2"/>
@@ -6442,10 +6600,10 @@
     <p:sldLayoutId id="2147483657" r:id="rId10"/>
     <p:sldLayoutId id="2147483658" r:id="rId11"/>
   </p:sldLayoutIdLst>
-  <p:hf dt="0" ftr="0" hdr="0"/>
+  <p:hf hdr="0" ftr="0" dt="0"/>
   <p:txStyles>
     <p:titleStyle>
-      <a:defPPr lvl="0" marR="0" rtl="0" algn="l">
+      <a:defPPr marR="0" lvl="0" algn="l" rtl="0">
         <a:lnSpc>
           <a:spcPct val="100000"/>
         </a:lnSpc>
@@ -6456,7 +6614,7 @@
           <a:spcPts val="0"/>
         </a:spcAft>
       </a:defPPr>
-      <a:lvl1pPr lvl="0" marR="0" rtl="0" algn="l">
+      <a:lvl1pPr marR="0" lvl="0" algn="l" rtl="0">
         <a:lnSpc>
           <a:spcPct val="100000"/>
         </a:lnSpc>
@@ -6470,7 +6628,7 @@
           <a:srgbClr val="000000"/>
         </a:buClr>
         <a:buFont typeface="Arial"/>
-        <a:defRPr b="0" i="0" sz="1400" u="none" cap="none" strike="noStrike">
+        <a:defRPr sz="1400" b="0" i="0" u="none" strike="noStrike" cap="none">
           <a:solidFill>
             <a:srgbClr val="000000"/>
           </a:solidFill>
@@ -6480,7 +6638,7 @@
           <a:sym typeface="Arial"/>
         </a:defRPr>
       </a:lvl1pPr>
-      <a:lvl2pPr lvl="1" marR="0" rtl="0" algn="l">
+      <a:lvl2pPr marR="0" lvl="1" algn="l" rtl="0">
         <a:lnSpc>
           <a:spcPct val="100000"/>
         </a:lnSpc>
@@ -6494,7 +6652,7 @@
           <a:srgbClr val="000000"/>
         </a:buClr>
         <a:buFont typeface="Arial"/>
-        <a:defRPr b="0" i="0" sz="1400" u="none" cap="none" strike="noStrike">
+        <a:defRPr sz="1400" b="0" i="0" u="none" strike="noStrike" cap="none">
           <a:solidFill>
             <a:srgbClr val="000000"/>
           </a:solidFill>
@@ -6504,7 +6662,7 @@
           <a:sym typeface="Arial"/>
         </a:defRPr>
       </a:lvl2pPr>
-      <a:lvl3pPr lvl="2" marR="0" rtl="0" algn="l">
+      <a:lvl3pPr marR="0" lvl="2" algn="l" rtl="0">
         <a:lnSpc>
           <a:spcPct val="100000"/>
         </a:lnSpc>
@@ -6518,7 +6676,7 @@
           <a:srgbClr val="000000"/>
         </a:buClr>
         <a:buFont typeface="Arial"/>
-        <a:defRPr b="0" i="0" sz="1400" u="none" cap="none" strike="noStrike">
+        <a:defRPr sz="1400" b="0" i="0" u="none" strike="noStrike" cap="none">
           <a:solidFill>
             <a:srgbClr val="000000"/>
           </a:solidFill>
@@ -6528,7 +6686,7 @@
           <a:sym typeface="Arial"/>
         </a:defRPr>
       </a:lvl3pPr>
-      <a:lvl4pPr lvl="3" marR="0" rtl="0" algn="l">
+      <a:lvl4pPr marR="0" lvl="3" algn="l" rtl="0">
         <a:lnSpc>
           <a:spcPct val="100000"/>
         </a:lnSpc>
@@ -6542,7 +6700,7 @@
           <a:srgbClr val="000000"/>
         </a:buClr>
         <a:buFont typeface="Arial"/>
-        <a:defRPr b="0" i="0" sz="1400" u="none" cap="none" strike="noStrike">
+        <a:defRPr sz="1400" b="0" i="0" u="none" strike="noStrike" cap="none">
           <a:solidFill>
             <a:srgbClr val="000000"/>
           </a:solidFill>
@@ -6552,7 +6710,7 @@
           <a:sym typeface="Arial"/>
         </a:defRPr>
       </a:lvl4pPr>
-      <a:lvl5pPr lvl="4" marR="0" rtl="0" algn="l">
+      <a:lvl5pPr marR="0" lvl="4" algn="l" rtl="0">
         <a:lnSpc>
           <a:spcPct val="100000"/>
         </a:lnSpc>
@@ -6566,7 +6724,7 @@
           <a:srgbClr val="000000"/>
         </a:buClr>
         <a:buFont typeface="Arial"/>
-        <a:defRPr b="0" i="0" sz="1400" u="none" cap="none" strike="noStrike">
+        <a:defRPr sz="1400" b="0" i="0" u="none" strike="noStrike" cap="none">
           <a:solidFill>
             <a:srgbClr val="000000"/>
           </a:solidFill>
@@ -6576,7 +6734,7 @@
           <a:sym typeface="Arial"/>
         </a:defRPr>
       </a:lvl5pPr>
-      <a:lvl6pPr lvl="5" marR="0" rtl="0" algn="l">
+      <a:lvl6pPr marR="0" lvl="5" algn="l" rtl="0">
         <a:lnSpc>
           <a:spcPct val="100000"/>
         </a:lnSpc>
@@ -6590,7 +6748,7 @@
           <a:srgbClr val="000000"/>
         </a:buClr>
         <a:buFont typeface="Arial"/>
-        <a:defRPr b="0" i="0" sz="1400" u="none" cap="none" strike="noStrike">
+        <a:defRPr sz="1400" b="0" i="0" u="none" strike="noStrike" cap="none">
           <a:solidFill>
             <a:srgbClr val="000000"/>
           </a:solidFill>
@@ -6600,7 +6758,7 @@
           <a:sym typeface="Arial"/>
         </a:defRPr>
       </a:lvl6pPr>
-      <a:lvl7pPr lvl="6" marR="0" rtl="0" algn="l">
+      <a:lvl7pPr marR="0" lvl="6" algn="l" rtl="0">
         <a:lnSpc>
           <a:spcPct val="100000"/>
         </a:lnSpc>
@@ -6614,7 +6772,7 @@
           <a:srgbClr val="000000"/>
         </a:buClr>
         <a:buFont typeface="Arial"/>
-        <a:defRPr b="0" i="0" sz="1400" u="none" cap="none" strike="noStrike">
+        <a:defRPr sz="1400" b="0" i="0" u="none" strike="noStrike" cap="none">
           <a:solidFill>
             <a:srgbClr val="000000"/>
           </a:solidFill>
@@ -6624,7 +6782,7 @@
           <a:sym typeface="Arial"/>
         </a:defRPr>
       </a:lvl7pPr>
-      <a:lvl8pPr lvl="7" marR="0" rtl="0" algn="l">
+      <a:lvl8pPr marR="0" lvl="7" algn="l" rtl="0">
         <a:lnSpc>
           <a:spcPct val="100000"/>
         </a:lnSpc>
@@ -6638,7 +6796,7 @@
           <a:srgbClr val="000000"/>
         </a:buClr>
         <a:buFont typeface="Arial"/>
-        <a:defRPr b="0" i="0" sz="1400" u="none" cap="none" strike="noStrike">
+        <a:defRPr sz="1400" b="0" i="0" u="none" strike="noStrike" cap="none">
           <a:solidFill>
             <a:srgbClr val="000000"/>
           </a:solidFill>
@@ -6648,7 +6806,7 @@
           <a:sym typeface="Arial"/>
         </a:defRPr>
       </a:lvl8pPr>
-      <a:lvl9pPr lvl="8" marR="0" rtl="0" algn="l">
+      <a:lvl9pPr marR="0" lvl="8" algn="l" rtl="0">
         <a:lnSpc>
           <a:spcPct val="100000"/>
         </a:lnSpc>
@@ -6662,7 +6820,7 @@
           <a:srgbClr val="000000"/>
         </a:buClr>
         <a:buFont typeface="Arial"/>
-        <a:defRPr b="0" i="0" sz="1400" u="none" cap="none" strike="noStrike">
+        <a:defRPr sz="1400" b="0" i="0" u="none" strike="noStrike" cap="none">
           <a:solidFill>
             <a:srgbClr val="000000"/>
           </a:solidFill>
@@ -6674,7 +6832,7 @@
       </a:lvl9pPr>
     </p:titleStyle>
     <p:bodyStyle>
-      <a:defPPr lvl="0" marR="0" rtl="0" algn="l">
+      <a:defPPr marR="0" lvl="0" algn="l" rtl="0">
         <a:lnSpc>
           <a:spcPct val="100000"/>
         </a:lnSpc>
@@ -6685,7 +6843,7 @@
           <a:spcPts val="0"/>
         </a:spcAft>
       </a:defPPr>
-      <a:lvl1pPr lvl="0" marR="0" rtl="0" algn="l">
+      <a:lvl1pPr marR="0" lvl="0" algn="l" rtl="0">
         <a:lnSpc>
           <a:spcPct val="100000"/>
         </a:lnSpc>
@@ -6699,7 +6857,7 @@
           <a:srgbClr val="000000"/>
         </a:buClr>
         <a:buFont typeface="Arial"/>
-        <a:defRPr b="0" i="0" sz="1400" u="none" cap="none" strike="noStrike">
+        <a:defRPr sz="1400" b="0" i="0" u="none" strike="noStrike" cap="none">
           <a:solidFill>
             <a:srgbClr val="000000"/>
           </a:solidFill>
@@ -6709,7 +6867,7 @@
           <a:sym typeface="Arial"/>
         </a:defRPr>
       </a:lvl1pPr>
-      <a:lvl2pPr lvl="1" marR="0" rtl="0" algn="l">
+      <a:lvl2pPr marR="0" lvl="1" algn="l" rtl="0">
         <a:lnSpc>
           <a:spcPct val="100000"/>
         </a:lnSpc>
@@ -6723,7 +6881,7 @@
           <a:srgbClr val="000000"/>
         </a:buClr>
         <a:buFont typeface="Arial"/>
-        <a:defRPr b="0" i="0" sz="1400" u="none" cap="none" strike="noStrike">
+        <a:defRPr sz="1400" b="0" i="0" u="none" strike="noStrike" cap="none">
           <a:solidFill>
             <a:srgbClr val="000000"/>
           </a:solidFill>
@@ -6733,7 +6891,7 @@
           <a:sym typeface="Arial"/>
         </a:defRPr>
       </a:lvl2pPr>
-      <a:lvl3pPr lvl="2" marR="0" rtl="0" algn="l">
+      <a:lvl3pPr marR="0" lvl="2" algn="l" rtl="0">
         <a:lnSpc>
           <a:spcPct val="100000"/>
         </a:lnSpc>
@@ -6747,7 +6905,7 @@
           <a:srgbClr val="000000"/>
         </a:buClr>
         <a:buFont typeface="Arial"/>
-        <a:defRPr b="0" i="0" sz="1400" u="none" cap="none" strike="noStrike">
+        <a:defRPr sz="1400" b="0" i="0" u="none" strike="noStrike" cap="none">
           <a:solidFill>
             <a:srgbClr val="000000"/>
           </a:solidFill>
@@ -6757,7 +6915,7 @@
           <a:sym typeface="Arial"/>
         </a:defRPr>
       </a:lvl3pPr>
-      <a:lvl4pPr lvl="3" marR="0" rtl="0" algn="l">
+      <a:lvl4pPr marR="0" lvl="3" algn="l" rtl="0">
         <a:lnSpc>
           <a:spcPct val="100000"/>
         </a:lnSpc>
@@ -6771,7 +6929,7 @@
           <a:srgbClr val="000000"/>
         </a:buClr>
         <a:buFont typeface="Arial"/>
-        <a:defRPr b="0" i="0" sz="1400" u="none" cap="none" strike="noStrike">
+        <a:defRPr sz="1400" b="0" i="0" u="none" strike="noStrike" cap="none">
           <a:solidFill>
             <a:srgbClr val="000000"/>
           </a:solidFill>
@@ -6781,7 +6939,7 @@
           <a:sym typeface="Arial"/>
         </a:defRPr>
       </a:lvl4pPr>
-      <a:lvl5pPr lvl="4" marR="0" rtl="0" algn="l">
+      <a:lvl5pPr marR="0" lvl="4" algn="l" rtl="0">
         <a:lnSpc>
           <a:spcPct val="100000"/>
         </a:lnSpc>
@@ -6795,7 +6953,7 @@
           <a:srgbClr val="000000"/>
         </a:buClr>
         <a:buFont typeface="Arial"/>
-        <a:defRPr b="0" i="0" sz="1400" u="none" cap="none" strike="noStrike">
+        <a:defRPr sz="1400" b="0" i="0" u="none" strike="noStrike" cap="none">
           <a:solidFill>
             <a:srgbClr val="000000"/>
           </a:solidFill>
@@ -6805,7 +6963,7 @@
           <a:sym typeface="Arial"/>
         </a:defRPr>
       </a:lvl5pPr>
-      <a:lvl6pPr lvl="5" marR="0" rtl="0" algn="l">
+      <a:lvl6pPr marR="0" lvl="5" algn="l" rtl="0">
         <a:lnSpc>
           <a:spcPct val="100000"/>
         </a:lnSpc>
@@ -6819,7 +6977,7 @@
           <a:srgbClr val="000000"/>
         </a:buClr>
         <a:buFont typeface="Arial"/>
-        <a:defRPr b="0" i="0" sz="1400" u="none" cap="none" strike="noStrike">
+        <a:defRPr sz="1400" b="0" i="0" u="none" strike="noStrike" cap="none">
           <a:solidFill>
             <a:srgbClr val="000000"/>
           </a:solidFill>
@@ -6829,7 +6987,7 @@
           <a:sym typeface="Arial"/>
         </a:defRPr>
       </a:lvl6pPr>
-      <a:lvl7pPr lvl="6" marR="0" rtl="0" algn="l">
+      <a:lvl7pPr marR="0" lvl="6" algn="l" rtl="0">
         <a:lnSpc>
           <a:spcPct val="100000"/>
         </a:lnSpc>
@@ -6843,7 +7001,7 @@
           <a:srgbClr val="000000"/>
         </a:buClr>
         <a:buFont typeface="Arial"/>
-        <a:defRPr b="0" i="0" sz="1400" u="none" cap="none" strike="noStrike">
+        <a:defRPr sz="1400" b="0" i="0" u="none" strike="noStrike" cap="none">
           <a:solidFill>
             <a:srgbClr val="000000"/>
           </a:solidFill>
@@ -6853,7 +7011,7 @@
           <a:sym typeface="Arial"/>
         </a:defRPr>
       </a:lvl7pPr>
-      <a:lvl8pPr lvl="7" marR="0" rtl="0" algn="l">
+      <a:lvl8pPr marR="0" lvl="7" algn="l" rtl="0">
         <a:lnSpc>
           <a:spcPct val="100000"/>
         </a:lnSpc>
@@ -6867,7 +7025,7 @@
           <a:srgbClr val="000000"/>
         </a:buClr>
         <a:buFont typeface="Arial"/>
-        <a:defRPr b="0" i="0" sz="1400" u="none" cap="none" strike="noStrike">
+        <a:defRPr sz="1400" b="0" i="0" u="none" strike="noStrike" cap="none">
           <a:solidFill>
             <a:srgbClr val="000000"/>
           </a:solidFill>
@@ -6877,7 +7035,7 @@
           <a:sym typeface="Arial"/>
         </a:defRPr>
       </a:lvl8pPr>
-      <a:lvl9pPr lvl="8" marR="0" rtl="0" algn="l">
+      <a:lvl9pPr marR="0" lvl="8" algn="l" rtl="0">
         <a:lnSpc>
           <a:spcPct val="100000"/>
         </a:lnSpc>
@@ -6891,7 +7049,7 @@
           <a:srgbClr val="000000"/>
         </a:buClr>
         <a:buFont typeface="Arial"/>
-        <a:defRPr b="0" i="0" sz="1400" u="none" cap="none" strike="noStrike">
+        <a:defRPr sz="1400" b="0" i="0" u="none" strike="noStrike" cap="none">
           <a:solidFill>
             <a:srgbClr val="000000"/>
           </a:solidFill>
@@ -6903,7 +7061,7 @@
       </a:lvl9pPr>
     </p:bodyStyle>
     <p:otherStyle>
-      <a:defPPr lvl="0" marR="0" rtl="0" algn="l">
+      <a:defPPr marR="0" lvl="0" algn="l" rtl="0">
         <a:lnSpc>
           <a:spcPct val="100000"/>
         </a:lnSpc>
@@ -6914,7 +7072,7 @@
           <a:spcPts val="0"/>
         </a:spcAft>
       </a:defPPr>
-      <a:lvl1pPr lvl="0" marR="0" rtl="0" algn="l">
+      <a:lvl1pPr marR="0" lvl="0" algn="l" rtl="0">
         <a:lnSpc>
           <a:spcPct val="100000"/>
         </a:lnSpc>
@@ -6928,7 +7086,7 @@
           <a:srgbClr val="000000"/>
         </a:buClr>
         <a:buFont typeface="Arial"/>
-        <a:defRPr b="0" i="0" sz="1400" u="none" cap="none" strike="noStrike">
+        <a:defRPr sz="1400" b="0" i="0" u="none" strike="noStrike" cap="none">
           <a:solidFill>
             <a:srgbClr val="000000"/>
           </a:solidFill>
@@ -6938,7 +7096,7 @@
           <a:sym typeface="Arial"/>
         </a:defRPr>
       </a:lvl1pPr>
-      <a:lvl2pPr lvl="1" marR="0" rtl="0" algn="l">
+      <a:lvl2pPr marR="0" lvl="1" algn="l" rtl="0">
         <a:lnSpc>
           <a:spcPct val="100000"/>
         </a:lnSpc>
@@ -6952,7 +7110,7 @@
           <a:srgbClr val="000000"/>
         </a:buClr>
         <a:buFont typeface="Arial"/>
-        <a:defRPr b="0" i="0" sz="1400" u="none" cap="none" strike="noStrike">
+        <a:defRPr sz="1400" b="0" i="0" u="none" strike="noStrike" cap="none">
           <a:solidFill>
             <a:srgbClr val="000000"/>
           </a:solidFill>
@@ -6962,7 +7120,7 @@
           <a:sym typeface="Arial"/>
         </a:defRPr>
       </a:lvl2pPr>
-      <a:lvl3pPr lvl="2" marR="0" rtl="0" algn="l">
+      <a:lvl3pPr marR="0" lvl="2" algn="l" rtl="0">
         <a:lnSpc>
           <a:spcPct val="100000"/>
         </a:lnSpc>
@@ -6976,7 +7134,7 @@
           <a:srgbClr val="000000"/>
         </a:buClr>
         <a:buFont typeface="Arial"/>
-        <a:defRPr b="0" i="0" sz="1400" u="none" cap="none" strike="noStrike">
+        <a:defRPr sz="1400" b="0" i="0" u="none" strike="noStrike" cap="none">
           <a:solidFill>
             <a:srgbClr val="000000"/>
           </a:solidFill>
@@ -6986,7 +7144,7 @@
           <a:sym typeface="Arial"/>
         </a:defRPr>
       </a:lvl3pPr>
-      <a:lvl4pPr lvl="3" marR="0" rtl="0" algn="l">
+      <a:lvl4pPr marR="0" lvl="3" algn="l" rtl="0">
         <a:lnSpc>
           <a:spcPct val="100000"/>
         </a:lnSpc>
@@ -7000,7 +7158,7 @@
           <a:srgbClr val="000000"/>
         </a:buClr>
         <a:buFont typeface="Arial"/>
-        <a:defRPr b="0" i="0" sz="1400" u="none" cap="none" strike="noStrike">
+        <a:defRPr sz="1400" b="0" i="0" u="none" strike="noStrike" cap="none">
           <a:solidFill>
             <a:srgbClr val="000000"/>
           </a:solidFill>
@@ -7010,7 +7168,7 @@
           <a:sym typeface="Arial"/>
         </a:defRPr>
       </a:lvl4pPr>
-      <a:lvl5pPr lvl="4" marR="0" rtl="0" algn="l">
+      <a:lvl5pPr marR="0" lvl="4" algn="l" rtl="0">
         <a:lnSpc>
           <a:spcPct val="100000"/>
         </a:lnSpc>
@@ -7024,7 +7182,7 @@
           <a:srgbClr val="000000"/>
         </a:buClr>
         <a:buFont typeface="Arial"/>
-        <a:defRPr b="0" i="0" sz="1400" u="none" cap="none" strike="noStrike">
+        <a:defRPr sz="1400" b="0" i="0" u="none" strike="noStrike" cap="none">
           <a:solidFill>
             <a:srgbClr val="000000"/>
           </a:solidFill>
@@ -7034,7 +7192,7 @@
           <a:sym typeface="Arial"/>
         </a:defRPr>
       </a:lvl5pPr>
-      <a:lvl6pPr lvl="5" marR="0" rtl="0" algn="l">
+      <a:lvl6pPr marR="0" lvl="5" algn="l" rtl="0">
         <a:lnSpc>
           <a:spcPct val="100000"/>
         </a:lnSpc>
@@ -7048,7 +7206,7 @@
           <a:srgbClr val="000000"/>
         </a:buClr>
         <a:buFont typeface="Arial"/>
-        <a:defRPr b="0" i="0" sz="1400" u="none" cap="none" strike="noStrike">
+        <a:defRPr sz="1400" b="0" i="0" u="none" strike="noStrike" cap="none">
           <a:solidFill>
             <a:srgbClr val="000000"/>
           </a:solidFill>
@@ -7058,7 +7216,7 @@
           <a:sym typeface="Arial"/>
         </a:defRPr>
       </a:lvl6pPr>
-      <a:lvl7pPr lvl="6" marR="0" rtl="0" algn="l">
+      <a:lvl7pPr marR="0" lvl="6" algn="l" rtl="0">
         <a:lnSpc>
           <a:spcPct val="100000"/>
         </a:lnSpc>
@@ -7072,7 +7230,7 @@
           <a:srgbClr val="000000"/>
         </a:buClr>
         <a:buFont typeface="Arial"/>
-        <a:defRPr b="0" i="0" sz="1400" u="none" cap="none" strike="noStrike">
+        <a:defRPr sz="1400" b="0" i="0" u="none" strike="noStrike" cap="none">
           <a:solidFill>
             <a:srgbClr val="000000"/>
           </a:solidFill>
@@ -7082,7 +7240,7 @@
           <a:sym typeface="Arial"/>
         </a:defRPr>
       </a:lvl7pPr>
-      <a:lvl8pPr lvl="7" marR="0" rtl="0" algn="l">
+      <a:lvl8pPr marR="0" lvl="7" algn="l" rtl="0">
         <a:lnSpc>
           <a:spcPct val="100000"/>
         </a:lnSpc>
@@ -7096,7 +7254,7 @@
           <a:srgbClr val="000000"/>
         </a:buClr>
         <a:buFont typeface="Arial"/>
-        <a:defRPr b="0" i="0" sz="1400" u="none" cap="none" strike="noStrike">
+        <a:defRPr sz="1400" b="0" i="0" u="none" strike="noStrike" cap="none">
           <a:solidFill>
             <a:srgbClr val="000000"/>
           </a:solidFill>
@@ -7106,7 +7264,7 @@
           <a:sym typeface="Arial"/>
         </a:defRPr>
       </a:lvl8pPr>
-      <a:lvl9pPr lvl="8" marR="0" rtl="0" algn="l">
+      <a:lvl9pPr marR="0" lvl="8" algn="l" rtl="0">
         <a:lnSpc>
           <a:spcPct val="100000"/>
         </a:lnSpc>
@@ -7120,7 +7278,7 @@
           <a:srgbClr val="000000"/>
         </a:buClr>
         <a:buFont typeface="Arial"/>
-        <a:defRPr b="0" i="0" sz="1400" u="none" cap="none" strike="noStrike">
+        <a:defRPr sz="1400" b="0" i="0" u="none" strike="noStrike" cap="none">
           <a:solidFill>
             <a:srgbClr val="000000"/>
           </a:solidFill>
@@ -7136,11 +7294,11 @@
 </file>
 
 <file path=ppt/slides/slide1.xml><?xml version="1.0" encoding="utf-8"?>
-<p:sld xmlns:a="http://schemas.openxmlformats.org/drawingml/2006/main" xmlns:r="http://schemas.openxmlformats.org/officeDocument/2006/relationships" xmlns:mc="http://schemas.openxmlformats.org/markup-compatibility/2006" xmlns:mv="urn:schemas-microsoft-com:mac:vml" xmlns:p="http://schemas.openxmlformats.org/presentationml/2006/main" xmlns:c="http://schemas.openxmlformats.org/drawingml/2006/chart" xmlns:dgm="http://schemas.openxmlformats.org/drawingml/2006/diagram" xmlns:o="urn:schemas-microsoft-com:office:office" xmlns:v="urn:schemas-microsoft-com:vml" xmlns:pvml="urn:schemas-microsoft-com:office:powerpoint" xmlns:com="http://schemas.openxmlformats.org/drawingml/2006/compatibility" xmlns:p14="http://schemas.microsoft.com/office/powerpoint/2010/main" xmlns:p15="http://schemas.microsoft.com/office/powerpoint/2012/main" xmlns:ahyp="http://schemas.microsoft.com/office/drawing/2018/hyperlinkcolor">
+<p:sld xmlns:a="http://schemas.openxmlformats.org/drawingml/2006/main" xmlns:r="http://schemas.openxmlformats.org/officeDocument/2006/relationships" xmlns:p="http://schemas.openxmlformats.org/presentationml/2006/main">
   <p:cSld>
     <p:spTree>
       <p:nvGrpSpPr>
-        <p:cNvPr id="58" name="Shape 58"/>
+        <p:cNvPr id="1" name="Shape 58"/>
         <p:cNvGrpSpPr/>
         <p:nvPr/>
       </p:nvGrpSpPr>
@@ -7155,7 +7313,9 @@
       <p:sp>
         <p:nvSpPr>
           <p:cNvPr id="59" name="Google Shape;59;p13"/>
-          <p:cNvSpPr txBox="1"/>
+          <p:cNvSpPr txBox="1">
+            <a:spLocks noGrp="1"/>
+          </p:cNvSpPr>
           <p:nvPr>
             <p:ph type="ctrTitle"/>
           </p:nvPr>
@@ -7170,12 +7330,12 @@
           </a:prstGeom>
         </p:spPr>
         <p:txBody>
-          <a:bodyPr anchorCtr="0" anchor="b" bIns="91425" lIns="91425" spcFirstLastPara="1" rIns="91425" wrap="square" tIns="91425">
+          <a:bodyPr spcFirstLastPara="1" wrap="square" lIns="91425" tIns="91425" rIns="91425" bIns="91425" anchor="b" anchorCtr="0">
             <a:normAutofit/>
           </a:bodyPr>
           <a:lstStyle/>
           <a:p>
-            <a:pPr indent="0" lvl="0" marL="0" rtl="0" algn="ctr">
+            <a:pPr marL="0" lvl="0" indent="0" algn="ctr" rtl="0">
               <a:spcBef>
                 <a:spcPts val="0"/>
               </a:spcBef>
@@ -7195,9 +7355,11 @@
       <p:sp>
         <p:nvSpPr>
           <p:cNvPr id="60" name="Google Shape;60;p13"/>
-          <p:cNvSpPr txBox="1"/>
+          <p:cNvSpPr txBox="1">
+            <a:spLocks noGrp="1"/>
+          </p:cNvSpPr>
           <p:nvPr>
-            <p:ph idx="1" type="subTitle"/>
+            <p:ph type="subTitle" idx="1"/>
           </p:nvPr>
         </p:nvSpPr>
         <p:spPr>
@@ -7210,12 +7372,12 @@
           </a:prstGeom>
         </p:spPr>
         <p:txBody>
-          <a:bodyPr anchorCtr="0" anchor="t" bIns="91425" lIns="91425" spcFirstLastPara="1" rIns="91425" wrap="square" tIns="91425">
+          <a:bodyPr spcFirstLastPara="1" wrap="square" lIns="91425" tIns="91425" rIns="91425" bIns="91425" anchor="t" anchorCtr="0">
             <a:normAutofit lnSpcReduction="20000"/>
           </a:bodyPr>
           <a:lstStyle/>
           <a:p>
-            <a:pPr indent="0" lvl="0" marL="0" rtl="0" algn="ctr">
+            <a:pPr marL="0" lvl="0" indent="0" algn="ctr" rtl="0">
               <a:spcBef>
                 <a:spcPts val="0"/>
               </a:spcBef>
@@ -7239,7 +7401,7 @@
             </a:endParaRPr>
           </a:p>
           <a:p>
-            <a:pPr indent="0" lvl="0" marL="0" rtl="0" algn="ctr">
+            <a:pPr marL="0" lvl="0" indent="0" algn="ctr" rtl="0">
               <a:spcBef>
                 <a:spcPts val="0"/>
               </a:spcBef>
@@ -7248,13 +7410,10 @@
               </a:spcAft>
               <a:buNone/>
             </a:pPr>
-            <a:r>
-              <a:t/>
-            </a:r>
             <a:endParaRPr sz="1200"/>
           </a:p>
           <a:p>
-            <a:pPr indent="0" lvl="0" marL="0" rtl="0" algn="ctr">
+            <a:pPr marL="0" lvl="0" indent="0" algn="ctr" rtl="0">
               <a:spcBef>
                 <a:spcPts val="0"/>
               </a:spcBef>
@@ -7336,11 +7495,11 @@
 </file>
 
 <file path=ppt/slides/slide10.xml><?xml version="1.0" encoding="utf-8"?>
-<p:sld xmlns:a="http://schemas.openxmlformats.org/drawingml/2006/main" xmlns:r="http://schemas.openxmlformats.org/officeDocument/2006/relationships" xmlns:mc="http://schemas.openxmlformats.org/markup-compatibility/2006" xmlns:mv="urn:schemas-microsoft-com:mac:vml" xmlns:p="http://schemas.openxmlformats.org/presentationml/2006/main" xmlns:c="http://schemas.openxmlformats.org/drawingml/2006/chart" xmlns:dgm="http://schemas.openxmlformats.org/drawingml/2006/diagram" xmlns:o="urn:schemas-microsoft-com:office:office" xmlns:v="urn:schemas-microsoft-com:vml" xmlns:pvml="urn:schemas-microsoft-com:office:powerpoint" xmlns:com="http://schemas.openxmlformats.org/drawingml/2006/compatibility" xmlns:p14="http://schemas.microsoft.com/office/powerpoint/2010/main" xmlns:p15="http://schemas.microsoft.com/office/powerpoint/2012/main" xmlns:ahyp="http://schemas.microsoft.com/office/drawing/2018/hyperlinkcolor">
+<p:sld xmlns:a="http://schemas.openxmlformats.org/drawingml/2006/main" xmlns:r="http://schemas.openxmlformats.org/officeDocument/2006/relationships" xmlns:p="http://schemas.openxmlformats.org/presentationml/2006/main">
   <p:cSld>
     <p:spTree>
       <p:nvGrpSpPr>
-        <p:cNvPr id="142" name="Shape 142"/>
+        <p:cNvPr id="1" name="Shape 142"/>
         <p:cNvGrpSpPr/>
         <p:nvPr/>
       </p:nvGrpSpPr>
@@ -7355,7 +7514,9 @@
       <p:sp>
         <p:nvSpPr>
           <p:cNvPr id="143" name="Google Shape;143;p22"/>
-          <p:cNvSpPr txBox="1"/>
+          <p:cNvSpPr txBox="1">
+            <a:spLocks noGrp="1"/>
+          </p:cNvSpPr>
           <p:nvPr>
             <p:ph type="ctrTitle"/>
           </p:nvPr>
@@ -7370,12 +7531,12 @@
           </a:prstGeom>
         </p:spPr>
         <p:txBody>
-          <a:bodyPr anchorCtr="0" anchor="b" bIns="91425" lIns="91425" spcFirstLastPara="1" rIns="91425" wrap="square" tIns="91425">
+          <a:bodyPr spcFirstLastPara="1" wrap="square" lIns="91425" tIns="91425" rIns="91425" bIns="91425" anchor="b" anchorCtr="0">
             <a:normAutofit fontScale="90000"/>
           </a:bodyPr>
           <a:lstStyle/>
           <a:p>
-            <a:pPr indent="0" lvl="0" marL="0" rtl="0" algn="ctr">
+            <a:pPr marL="0" lvl="0" indent="0" algn="ctr" rtl="0">
               <a:spcBef>
                 <a:spcPts val="0"/>
               </a:spcBef>
@@ -7451,9 +7612,11 @@
       <p:sp>
         <p:nvSpPr>
           <p:cNvPr id="146" name="Google Shape;146;p22"/>
-          <p:cNvSpPr txBox="1"/>
+          <p:cNvSpPr txBox="1">
+            <a:spLocks noGrp="1"/>
+          </p:cNvSpPr>
           <p:nvPr>
-            <p:ph idx="1" type="subTitle"/>
+            <p:ph type="subTitle" idx="1"/>
           </p:nvPr>
         </p:nvSpPr>
         <p:spPr>
@@ -7466,12 +7629,12 @@
           </a:prstGeom>
         </p:spPr>
         <p:txBody>
-          <a:bodyPr anchorCtr="0" anchor="t" bIns="91425" lIns="91425" spcFirstLastPara="1" rIns="91425" wrap="square" tIns="91425">
+          <a:bodyPr spcFirstLastPara="1" wrap="square" lIns="91425" tIns="91425" rIns="91425" bIns="91425" anchor="t" anchorCtr="0">
             <a:normAutofit/>
           </a:bodyPr>
           <a:lstStyle/>
           <a:p>
-            <a:pPr indent="0" lvl="0" marL="0" rtl="0" algn="ctr">
+            <a:pPr marL="0" lvl="0" indent="0" algn="ctr" rtl="0">
               <a:spcBef>
                 <a:spcPts val="0"/>
               </a:spcBef>
@@ -7501,18 +7664,19 @@
 </file>
 
 <file path=ppt/slides/slide11.xml><?xml version="1.0" encoding="utf-8"?>
-<p:sld xmlns:a="http://schemas.openxmlformats.org/drawingml/2006/main" xmlns:r="http://schemas.openxmlformats.org/officeDocument/2006/relationships" xmlns:mc="http://schemas.openxmlformats.org/markup-compatibility/2006" xmlns:mv="urn:schemas-microsoft-com:mac:vml" xmlns:p="http://schemas.openxmlformats.org/presentationml/2006/main" xmlns:c="http://schemas.openxmlformats.org/drawingml/2006/chart" xmlns:dgm="http://schemas.openxmlformats.org/drawingml/2006/diagram" xmlns:o="urn:schemas-microsoft-com:office:office" xmlns:v="urn:schemas-microsoft-com:vml" xmlns:pvml="urn:schemas-microsoft-com:office:powerpoint" xmlns:com="http://schemas.openxmlformats.org/drawingml/2006/compatibility" xmlns:p14="http://schemas.microsoft.com/office/powerpoint/2010/main" xmlns:p15="http://schemas.microsoft.com/office/powerpoint/2012/main" xmlns:ahyp="http://schemas.microsoft.com/office/drawing/2018/hyperlinkcolor" show="0">
+<p:sld xmlns:a="http://schemas.openxmlformats.org/drawingml/2006/main" xmlns:r="http://schemas.openxmlformats.org/officeDocument/2006/relationships" xmlns:p="http://schemas.openxmlformats.org/presentationml/2006/main" show="0">
   <p:cSld>
     <p:bg>
       <p:bgPr>
         <a:solidFill>
           <a:schemeClr val="dk1"/>
         </a:solidFill>
+        <a:effectLst/>
       </p:bgPr>
     </p:bg>
     <p:spTree>
       <p:nvGrpSpPr>
-        <p:cNvPr id="150" name="Shape 150"/>
+        <p:cNvPr id="1" name="Shape 150"/>
         <p:cNvGrpSpPr/>
         <p:nvPr/>
       </p:nvGrpSpPr>
@@ -7527,7 +7691,9 @@
       <p:sp>
         <p:nvSpPr>
           <p:cNvPr id="151" name="Google Shape;151;p23"/>
-          <p:cNvSpPr txBox="1"/>
+          <p:cNvSpPr txBox="1">
+            <a:spLocks noGrp="1"/>
+          </p:cNvSpPr>
           <p:nvPr>
             <p:ph type="title"/>
           </p:nvPr>
@@ -7542,12 +7708,12 @@
           </a:prstGeom>
         </p:spPr>
         <p:txBody>
-          <a:bodyPr anchorCtr="0" anchor="t" bIns="91425" lIns="91425" spcFirstLastPara="1" rIns="91425" wrap="square" tIns="91425">
+          <a:bodyPr spcFirstLastPara="1" wrap="square" lIns="91425" tIns="91425" rIns="91425" bIns="91425" anchor="t" anchorCtr="0">
             <a:normAutofit fontScale="90000"/>
           </a:bodyPr>
           <a:lstStyle/>
           <a:p>
-            <a:pPr indent="0" lvl="0" marL="0" rtl="0" algn="l">
+            <a:pPr marL="0" lvl="0" indent="0" algn="l" rtl="0">
               <a:spcBef>
                 <a:spcPts val="0"/>
               </a:spcBef>
@@ -7575,9 +7741,11 @@
       <p:sp>
         <p:nvSpPr>
           <p:cNvPr id="152" name="Google Shape;152;p23"/>
-          <p:cNvSpPr txBox="1"/>
+          <p:cNvSpPr txBox="1">
+            <a:spLocks noGrp="1"/>
+          </p:cNvSpPr>
           <p:nvPr>
-            <p:ph idx="1" type="body"/>
+            <p:ph type="body" idx="1"/>
           </p:nvPr>
         </p:nvSpPr>
         <p:spPr>
@@ -7590,12 +7758,12 @@
           </a:prstGeom>
         </p:spPr>
         <p:txBody>
-          <a:bodyPr anchorCtr="0" anchor="t" bIns="91425" lIns="91425" spcFirstLastPara="1" rIns="91425" wrap="square" tIns="91425">
+          <a:bodyPr spcFirstLastPara="1" wrap="square" lIns="91425" tIns="91425" rIns="91425" bIns="91425" anchor="t" anchorCtr="0">
             <a:normAutofit/>
           </a:bodyPr>
           <a:lstStyle/>
           <a:p>
-            <a:pPr indent="0" lvl="0" marL="0" rtl="0" algn="just">
+            <a:pPr marL="0" lvl="0" indent="0" algn="just" rtl="0">
               <a:spcBef>
                 <a:spcPts val="0"/>
               </a:spcBef>
@@ -7604,9 +7772,6 @@
               </a:spcAft>
               <a:buNone/>
             </a:pPr>
-            <a:r>
-              <a:t/>
-            </a:r>
             <a:endParaRPr>
               <a:solidFill>
                 <a:schemeClr val="lt1"/>
@@ -7736,18 +7901,19 @@
 </file>
 
 <file path=ppt/slides/slide2.xml><?xml version="1.0" encoding="utf-8"?>
-<p:sld xmlns:a="http://schemas.openxmlformats.org/drawingml/2006/main" xmlns:r="http://schemas.openxmlformats.org/officeDocument/2006/relationships" xmlns:mc="http://schemas.openxmlformats.org/markup-compatibility/2006" xmlns:mv="urn:schemas-microsoft-com:mac:vml" xmlns:p="http://schemas.openxmlformats.org/presentationml/2006/main" xmlns:c="http://schemas.openxmlformats.org/drawingml/2006/chart" xmlns:dgm="http://schemas.openxmlformats.org/drawingml/2006/diagram" xmlns:o="urn:schemas-microsoft-com:office:office" xmlns:v="urn:schemas-microsoft-com:vml" xmlns:pvml="urn:schemas-microsoft-com:office:powerpoint" xmlns:com="http://schemas.openxmlformats.org/drawingml/2006/compatibility" xmlns:p14="http://schemas.microsoft.com/office/powerpoint/2010/main" xmlns:p15="http://schemas.microsoft.com/office/powerpoint/2012/main" xmlns:ahyp="http://schemas.microsoft.com/office/drawing/2018/hyperlinkcolor">
+<p:sld xmlns:a="http://schemas.openxmlformats.org/drawingml/2006/main" xmlns:r="http://schemas.openxmlformats.org/officeDocument/2006/relationships" xmlns:p="http://schemas.openxmlformats.org/presentationml/2006/main">
   <p:cSld>
     <p:bg>
       <p:bgPr>
         <a:solidFill>
           <a:schemeClr val="dk1"/>
         </a:solidFill>
+        <a:effectLst/>
       </p:bgPr>
     </p:bg>
     <p:spTree>
       <p:nvGrpSpPr>
-        <p:cNvPr id="66" name="Shape 66"/>
+        <p:cNvPr id="1" name="Shape 66"/>
         <p:cNvGrpSpPr/>
         <p:nvPr/>
       </p:nvGrpSpPr>
@@ -7762,7 +7928,9 @@
       <p:sp>
         <p:nvSpPr>
           <p:cNvPr id="67" name="Google Shape;67;p14"/>
-          <p:cNvSpPr txBox="1"/>
+          <p:cNvSpPr txBox="1">
+            <a:spLocks noGrp="1"/>
+          </p:cNvSpPr>
           <p:nvPr>
             <p:ph type="title"/>
           </p:nvPr>
@@ -7777,12 +7945,12 @@
           </a:prstGeom>
         </p:spPr>
         <p:txBody>
-          <a:bodyPr anchorCtr="0" anchor="t" bIns="91425" lIns="91425" spcFirstLastPara="1" rIns="91425" wrap="square" tIns="91425">
+          <a:bodyPr spcFirstLastPara="1" wrap="square" lIns="91425" tIns="91425" rIns="91425" bIns="91425" anchor="t" anchorCtr="0">
             <a:normAutofit fontScale="90000"/>
           </a:bodyPr>
           <a:lstStyle/>
           <a:p>
-            <a:pPr indent="0" lvl="0" marL="0" rtl="0" algn="l">
+            <a:pPr marL="0" lvl="0" indent="0" algn="l" rtl="0">
               <a:spcBef>
                 <a:spcPts val="0"/>
               </a:spcBef>
@@ -7810,9 +7978,11 @@
       <p:sp>
         <p:nvSpPr>
           <p:cNvPr id="68" name="Google Shape;68;p14"/>
-          <p:cNvSpPr txBox="1"/>
+          <p:cNvSpPr txBox="1">
+            <a:spLocks noGrp="1"/>
+          </p:cNvSpPr>
           <p:nvPr>
-            <p:ph idx="1" type="body"/>
+            <p:ph type="body" idx="1"/>
           </p:nvPr>
         </p:nvSpPr>
         <p:spPr>
@@ -7825,12 +7995,12 @@
           </a:prstGeom>
         </p:spPr>
         <p:txBody>
-          <a:bodyPr anchorCtr="0" anchor="t" bIns="91425" lIns="91425" spcFirstLastPara="1" rIns="91425" wrap="square" tIns="91425">
+          <a:bodyPr spcFirstLastPara="1" wrap="square" lIns="91425" tIns="91425" rIns="91425" bIns="91425" anchor="t" anchorCtr="0">
             <a:normAutofit/>
           </a:bodyPr>
           <a:lstStyle/>
           <a:p>
-            <a:pPr indent="0" lvl="0" marL="0" rtl="0" algn="l">
+            <a:pPr marL="0" lvl="0" indent="0" algn="l" rtl="0">
               <a:spcBef>
                 <a:spcPts val="0"/>
               </a:spcBef>
@@ -7854,7 +8024,7 @@
             </a:endParaRPr>
           </a:p>
           <a:p>
-            <a:pPr indent="0" lvl="0" marL="0" rtl="0" algn="l">
+            <a:pPr marL="0" lvl="0" indent="0" algn="l" rtl="0">
               <a:spcBef>
                 <a:spcPts val="1200"/>
               </a:spcBef>
@@ -7869,15 +8039,7 @@
                   <a:schemeClr val="lt1"/>
                 </a:solidFill>
               </a:rPr>
-              <a:t>	</a:t>
-            </a:r>
-            <a:r>
-              <a:rPr lang="fr">
-                <a:solidFill>
-                  <a:schemeClr val="lt1"/>
-                </a:solidFill>
-              </a:rPr>
-              <a:t>Méthode utilisée</a:t>
+              <a:t>	Méthode utilisée</a:t>
             </a:r>
             <a:endParaRPr>
               <a:solidFill>
@@ -7886,7 +8048,7 @@
             </a:endParaRPr>
           </a:p>
           <a:p>
-            <a:pPr indent="0" lvl="0" marL="0" rtl="0" algn="l">
+            <a:pPr marL="0" lvl="0" indent="0" algn="l" rtl="0">
               <a:spcBef>
                 <a:spcPts val="1200"/>
               </a:spcBef>
@@ -7910,7 +8072,7 @@
             </a:endParaRPr>
           </a:p>
           <a:p>
-            <a:pPr indent="0" lvl="0" marL="0" rtl="0" algn="l">
+            <a:pPr marL="0" lvl="0" indent="0" algn="l" rtl="0">
               <a:spcBef>
                 <a:spcPts val="1200"/>
               </a:spcBef>
@@ -7947,9 +8109,13 @@
             <a:ext cx="256538" cy="266324"/>
           </a:xfrm>
           <a:custGeom>
-            <a:rect b="b" l="l" r="r" t="t"/>
+            <a:avLst/>
+            <a:gdLst/>
+            <a:ahLst/>
+            <a:cxnLst/>
+            <a:rect l="l" t="t" r="r" b="b"/>
             <a:pathLst>
-              <a:path extrusionOk="0" h="11573" w="11574">
+              <a:path w="11574" h="11573" extrusionOk="0">
                 <a:moveTo>
                   <a:pt x="10680" y="333"/>
                 </a:moveTo>
@@ -8586,23 +8752,23 @@
           <a:solidFill>
             <a:srgbClr val="657E93"/>
           </a:solidFill>
-          <a:ln cap="flat" cmpd="sng" w="9525">
+          <a:ln w="9525" cap="flat" cmpd="sng">
             <a:solidFill>
               <a:schemeClr val="lt1"/>
             </a:solidFill>
             <a:prstDash val="solid"/>
             <a:round/>
-            <a:headEnd len="sm" w="sm" type="none"/>
-            <a:tailEnd len="sm" w="sm" type="none"/>
+            <a:headEnd type="none" w="sm" len="sm"/>
+            <a:tailEnd type="none" w="sm" len="sm"/>
           </a:ln>
         </p:spPr>
         <p:txBody>
-          <a:bodyPr anchorCtr="0" anchor="ctr" bIns="91425" lIns="91425" spcFirstLastPara="1" rIns="91425" wrap="square" tIns="91425">
+          <a:bodyPr spcFirstLastPara="1" wrap="square" lIns="91425" tIns="91425" rIns="91425" bIns="91425" anchor="ctr" anchorCtr="0">
             <a:noAutofit/>
           </a:bodyPr>
           <a:lstStyle/>
           <a:p>
-            <a:pPr indent="0" lvl="0" marL="0" rtl="0" algn="l">
+            <a:pPr marL="0" lvl="0" indent="0" algn="l" rtl="0">
               <a:spcBef>
                 <a:spcPts val="0"/>
               </a:spcBef>
@@ -8611,9 +8777,6 @@
               </a:spcAft>
               <a:buNone/>
             </a:pPr>
-            <a:r>
-              <a:t/>
-            </a:r>
             <a:endParaRPr/>
           </a:p>
         </p:txBody>
@@ -8630,9 +8793,13 @@
             <a:ext cx="256538" cy="266324"/>
           </a:xfrm>
           <a:custGeom>
-            <a:rect b="b" l="l" r="r" t="t"/>
+            <a:avLst/>
+            <a:gdLst/>
+            <a:ahLst/>
+            <a:cxnLst/>
+            <a:rect l="l" t="t" r="r" b="b"/>
             <a:pathLst>
-              <a:path extrusionOk="0" h="11573" w="11574">
+              <a:path w="11574" h="11573" extrusionOk="0">
                 <a:moveTo>
                   <a:pt x="10680" y="333"/>
                 </a:moveTo>
@@ -9269,23 +9436,23 @@
           <a:solidFill>
             <a:srgbClr val="657E93"/>
           </a:solidFill>
-          <a:ln cap="flat" cmpd="sng" w="9525">
+          <a:ln w="9525" cap="flat" cmpd="sng">
             <a:solidFill>
               <a:schemeClr val="lt1"/>
             </a:solidFill>
             <a:prstDash val="solid"/>
             <a:round/>
-            <a:headEnd len="sm" w="sm" type="none"/>
-            <a:tailEnd len="sm" w="sm" type="none"/>
+            <a:headEnd type="none" w="sm" len="sm"/>
+            <a:tailEnd type="none" w="sm" len="sm"/>
           </a:ln>
         </p:spPr>
         <p:txBody>
-          <a:bodyPr anchorCtr="0" anchor="ctr" bIns="91425" lIns="91425" spcFirstLastPara="1" rIns="91425" wrap="square" tIns="91425">
+          <a:bodyPr spcFirstLastPara="1" wrap="square" lIns="91425" tIns="91425" rIns="91425" bIns="91425" anchor="ctr" anchorCtr="0">
             <a:noAutofit/>
           </a:bodyPr>
           <a:lstStyle/>
           <a:p>
-            <a:pPr indent="0" lvl="0" marL="0" rtl="0" algn="l">
+            <a:pPr marL="0" lvl="0" indent="0" algn="l" rtl="0">
               <a:spcBef>
                 <a:spcPts val="0"/>
               </a:spcBef>
@@ -9294,9 +9461,6 @@
               </a:spcAft>
               <a:buNone/>
             </a:pPr>
-            <a:r>
-              <a:t/>
-            </a:r>
             <a:endParaRPr/>
           </a:p>
         </p:txBody>
@@ -9313,9 +9477,13 @@
             <a:ext cx="256538" cy="266324"/>
           </a:xfrm>
           <a:custGeom>
-            <a:rect b="b" l="l" r="r" t="t"/>
+            <a:avLst/>
+            <a:gdLst/>
+            <a:ahLst/>
+            <a:cxnLst/>
+            <a:rect l="l" t="t" r="r" b="b"/>
             <a:pathLst>
-              <a:path extrusionOk="0" h="11573" w="11574">
+              <a:path w="11574" h="11573" extrusionOk="0">
                 <a:moveTo>
                   <a:pt x="10680" y="333"/>
                 </a:moveTo>
@@ -9952,23 +10120,23 @@
           <a:solidFill>
             <a:srgbClr val="657E93"/>
           </a:solidFill>
-          <a:ln cap="flat" cmpd="sng" w="9525">
+          <a:ln w="9525" cap="flat" cmpd="sng">
             <a:solidFill>
               <a:schemeClr val="lt1"/>
             </a:solidFill>
             <a:prstDash val="solid"/>
             <a:round/>
-            <a:headEnd len="sm" w="sm" type="none"/>
-            <a:tailEnd len="sm" w="sm" type="none"/>
+            <a:headEnd type="none" w="sm" len="sm"/>
+            <a:tailEnd type="none" w="sm" len="sm"/>
           </a:ln>
         </p:spPr>
         <p:txBody>
-          <a:bodyPr anchorCtr="0" anchor="ctr" bIns="91425" lIns="91425" spcFirstLastPara="1" rIns="91425" wrap="square" tIns="91425">
+          <a:bodyPr spcFirstLastPara="1" wrap="square" lIns="91425" tIns="91425" rIns="91425" bIns="91425" anchor="ctr" anchorCtr="0">
             <a:noAutofit/>
           </a:bodyPr>
           <a:lstStyle/>
           <a:p>
-            <a:pPr indent="0" lvl="0" marL="0" rtl="0" algn="l">
+            <a:pPr marL="0" lvl="0" indent="0" algn="l" rtl="0">
               <a:spcBef>
                 <a:spcPts val="0"/>
               </a:spcBef>
@@ -9977,9 +10145,6 @@
               </a:spcAft>
               <a:buNone/>
             </a:pPr>
-            <a:r>
-              <a:t/>
-            </a:r>
             <a:endParaRPr/>
           </a:p>
         </p:txBody>
@@ -9996,9 +10161,13 @@
             <a:ext cx="256538" cy="266324"/>
           </a:xfrm>
           <a:custGeom>
-            <a:rect b="b" l="l" r="r" t="t"/>
+            <a:avLst/>
+            <a:gdLst/>
+            <a:ahLst/>
+            <a:cxnLst/>
+            <a:rect l="l" t="t" r="r" b="b"/>
             <a:pathLst>
-              <a:path extrusionOk="0" h="11573" w="11574">
+              <a:path w="11574" h="11573" extrusionOk="0">
                 <a:moveTo>
                   <a:pt x="10680" y="333"/>
                 </a:moveTo>
@@ -10635,23 +10804,23 @@
           <a:solidFill>
             <a:srgbClr val="657E93"/>
           </a:solidFill>
-          <a:ln cap="flat" cmpd="sng" w="9525">
+          <a:ln w="9525" cap="flat" cmpd="sng">
             <a:solidFill>
               <a:schemeClr val="lt1"/>
             </a:solidFill>
             <a:prstDash val="solid"/>
             <a:round/>
-            <a:headEnd len="sm" w="sm" type="none"/>
-            <a:tailEnd len="sm" w="sm" type="none"/>
+            <a:headEnd type="none" w="sm" len="sm"/>
+            <a:tailEnd type="none" w="sm" len="sm"/>
           </a:ln>
         </p:spPr>
         <p:txBody>
-          <a:bodyPr anchorCtr="0" anchor="ctr" bIns="91425" lIns="91425" spcFirstLastPara="1" rIns="91425" wrap="square" tIns="91425">
+          <a:bodyPr spcFirstLastPara="1" wrap="square" lIns="91425" tIns="91425" rIns="91425" bIns="91425" anchor="ctr" anchorCtr="0">
             <a:noAutofit/>
           </a:bodyPr>
           <a:lstStyle/>
           <a:p>
-            <a:pPr indent="0" lvl="0" marL="0" rtl="0" algn="l">
+            <a:pPr marL="0" lvl="0" indent="0" algn="l" rtl="0">
               <a:spcBef>
                 <a:spcPts val="0"/>
               </a:spcBef>
@@ -10660,9 +10829,6 @@
               </a:spcAft>
               <a:buNone/>
             </a:pPr>
-            <a:r>
-              <a:t/>
-            </a:r>
             <a:endParaRPr/>
           </a:p>
         </p:txBody>
@@ -10670,9 +10836,11 @@
       <p:sp>
         <p:nvSpPr>
           <p:cNvPr id="73" name="Google Shape;73;p14"/>
-          <p:cNvSpPr txBox="1"/>
+          <p:cNvSpPr txBox="1">
+            <a:spLocks noGrp="1"/>
+          </p:cNvSpPr>
           <p:nvPr>
-            <p:ph idx="12" type="sldNum"/>
+            <p:ph type="sldNum" idx="12"/>
           </p:nvPr>
         </p:nvSpPr>
         <p:spPr>
@@ -10685,12 +10853,12 @@
           </a:prstGeom>
         </p:spPr>
         <p:txBody>
-          <a:bodyPr anchorCtr="0" anchor="ctr" bIns="91425" lIns="91425" spcFirstLastPara="1" rIns="91425" wrap="square" tIns="91425">
+          <a:bodyPr spcFirstLastPara="1" wrap="square" lIns="91425" tIns="91425" rIns="91425" bIns="91425" anchor="ctr" anchorCtr="0">
             <a:normAutofit/>
           </a:bodyPr>
           <a:lstStyle/>
           <a:p>
-            <a:pPr indent="0" lvl="0" marL="0" rtl="0" algn="r">
+            <a:pPr marL="0" lvl="0" indent="0" algn="r" rtl="0">
               <a:spcBef>
                 <a:spcPts val="0"/>
               </a:spcBef>
@@ -10705,7 +10873,7 @@
                   <a:schemeClr val="lt1"/>
                 </a:solidFill>
               </a:rPr>
-              <a:t>‹#›</a:t>
+              <a:t>2</a:t>
             </a:fld>
             <a:endParaRPr>
               <a:solidFill>
@@ -10724,18 +10892,19 @@
 </file>
 
 <file path=ppt/slides/slide3.xml><?xml version="1.0" encoding="utf-8"?>
-<p:sld xmlns:a="http://schemas.openxmlformats.org/drawingml/2006/main" xmlns:r="http://schemas.openxmlformats.org/officeDocument/2006/relationships" xmlns:mc="http://schemas.openxmlformats.org/markup-compatibility/2006" xmlns:mv="urn:schemas-microsoft-com:mac:vml" xmlns:p="http://schemas.openxmlformats.org/presentationml/2006/main" xmlns:c="http://schemas.openxmlformats.org/drawingml/2006/chart" xmlns:dgm="http://schemas.openxmlformats.org/drawingml/2006/diagram" xmlns:o="urn:schemas-microsoft-com:office:office" xmlns:v="urn:schemas-microsoft-com:vml" xmlns:pvml="urn:schemas-microsoft-com:office:powerpoint" xmlns:com="http://schemas.openxmlformats.org/drawingml/2006/compatibility" xmlns:p14="http://schemas.microsoft.com/office/powerpoint/2010/main" xmlns:p15="http://schemas.microsoft.com/office/powerpoint/2012/main" xmlns:ahyp="http://schemas.microsoft.com/office/drawing/2018/hyperlinkcolor">
+<p:sld xmlns:a="http://schemas.openxmlformats.org/drawingml/2006/main" xmlns:r="http://schemas.openxmlformats.org/officeDocument/2006/relationships" xmlns:p="http://schemas.openxmlformats.org/presentationml/2006/main">
   <p:cSld>
     <p:bg>
       <p:bgPr>
         <a:solidFill>
           <a:schemeClr val="dk1"/>
         </a:solidFill>
+        <a:effectLst/>
       </p:bgPr>
     </p:bg>
     <p:spTree>
       <p:nvGrpSpPr>
-        <p:cNvPr id="77" name="Shape 77"/>
+        <p:cNvPr id="1" name="Shape 77"/>
         <p:cNvGrpSpPr/>
         <p:nvPr/>
       </p:nvGrpSpPr>
@@ -10750,7 +10919,9 @@
       <p:sp>
         <p:nvSpPr>
           <p:cNvPr id="78" name="Google Shape;78;p15"/>
-          <p:cNvSpPr txBox="1"/>
+          <p:cNvSpPr txBox="1">
+            <a:spLocks noGrp="1"/>
+          </p:cNvSpPr>
           <p:nvPr>
             <p:ph type="title"/>
           </p:nvPr>
@@ -10765,12 +10936,12 @@
           </a:prstGeom>
         </p:spPr>
         <p:txBody>
-          <a:bodyPr anchorCtr="0" anchor="t" bIns="91425" lIns="91425" spcFirstLastPara="1" rIns="91425" wrap="square" tIns="91425">
+          <a:bodyPr spcFirstLastPara="1" wrap="square" lIns="91425" tIns="91425" rIns="91425" bIns="91425" anchor="t" anchorCtr="0">
             <a:normAutofit fontScale="90000"/>
           </a:bodyPr>
           <a:lstStyle/>
           <a:p>
-            <a:pPr indent="0" lvl="0" marL="0" rtl="0" algn="l">
+            <a:pPr marL="0" lvl="0" indent="0" algn="l" rtl="0">
               <a:spcBef>
                 <a:spcPts val="0"/>
               </a:spcBef>
@@ -10798,9 +10969,11 @@
       <p:sp>
         <p:nvSpPr>
           <p:cNvPr id="79" name="Google Shape;79;p15"/>
-          <p:cNvSpPr txBox="1"/>
+          <p:cNvSpPr txBox="1">
+            <a:spLocks noGrp="1"/>
+          </p:cNvSpPr>
           <p:nvPr>
-            <p:ph idx="1" type="body"/>
+            <p:ph type="body" idx="1"/>
           </p:nvPr>
         </p:nvSpPr>
         <p:spPr>
@@ -10816,12 +10989,12 @@
           </a:ln>
         </p:spPr>
         <p:txBody>
-          <a:bodyPr anchorCtr="0" anchor="t" bIns="91425" lIns="91425" spcFirstLastPara="1" rIns="91425" wrap="square" tIns="91425">
+          <a:bodyPr spcFirstLastPara="1" wrap="square" lIns="91425" tIns="91425" rIns="91425" bIns="91425" anchor="t" anchorCtr="0">
             <a:normAutofit/>
           </a:bodyPr>
           <a:lstStyle/>
           <a:p>
-            <a:pPr indent="0" lvl="0" marL="0" rtl="0" algn="just">
+            <a:pPr marL="0" lvl="0" indent="0" algn="just" rtl="0">
               <a:spcBef>
                 <a:spcPts val="0"/>
               </a:spcBef>
@@ -10845,7 +11018,7 @@
             </a:endParaRPr>
           </a:p>
           <a:p>
-            <a:pPr indent="0" lvl="0" marL="0" rtl="0" algn="just">
+            <a:pPr marL="0" lvl="0" indent="0" algn="just" rtl="0">
               <a:spcBef>
                 <a:spcPts val="1200"/>
               </a:spcBef>
@@ -10854,9 +11027,6 @@
               </a:spcAft>
               <a:buNone/>
             </a:pPr>
-            <a:r>
-              <a:t/>
-            </a:r>
             <a:endParaRPr>
               <a:solidFill>
                 <a:schemeClr val="lt1"/>
@@ -10864,7 +11034,7 @@
             </a:endParaRPr>
           </a:p>
           <a:p>
-            <a:pPr indent="0" lvl="0" marL="0" rtl="0" algn="just">
+            <a:pPr marL="0" lvl="0" indent="0" algn="just" rtl="0">
               <a:spcBef>
                 <a:spcPts val="1200"/>
               </a:spcBef>
@@ -10892,9 +11062,11 @@
       <p:sp>
         <p:nvSpPr>
           <p:cNvPr id="80" name="Google Shape;80;p15"/>
-          <p:cNvSpPr txBox="1"/>
+          <p:cNvSpPr txBox="1">
+            <a:spLocks noGrp="1"/>
+          </p:cNvSpPr>
           <p:nvPr>
-            <p:ph idx="12" type="sldNum"/>
+            <p:ph type="sldNum" idx="12"/>
           </p:nvPr>
         </p:nvSpPr>
         <p:spPr>
@@ -10907,12 +11079,12 @@
           </a:prstGeom>
         </p:spPr>
         <p:txBody>
-          <a:bodyPr anchorCtr="0" anchor="ctr" bIns="91425" lIns="91425" spcFirstLastPara="1" rIns="91425" wrap="square" tIns="91425">
+          <a:bodyPr spcFirstLastPara="1" wrap="square" lIns="91425" tIns="91425" rIns="91425" bIns="91425" anchor="ctr" anchorCtr="0">
             <a:normAutofit/>
           </a:bodyPr>
           <a:lstStyle/>
           <a:p>
-            <a:pPr indent="0" lvl="0" marL="0" rtl="0" algn="r">
+            <a:pPr marL="0" lvl="0" indent="0" algn="r" rtl="0">
               <a:spcBef>
                 <a:spcPts val="0"/>
               </a:spcBef>
@@ -10927,7 +11099,7 @@
                   <a:schemeClr val="lt1"/>
                 </a:solidFill>
               </a:rPr>
-              <a:t>‹#›</a:t>
+              <a:t>3</a:t>
             </a:fld>
             <a:endParaRPr>
               <a:solidFill>
@@ -10946,18 +11118,19 @@
 </file>
 
 <file path=ppt/slides/slide4.xml><?xml version="1.0" encoding="utf-8"?>
-<p:sld xmlns:a="http://schemas.openxmlformats.org/drawingml/2006/main" xmlns:r="http://schemas.openxmlformats.org/officeDocument/2006/relationships" xmlns:mc="http://schemas.openxmlformats.org/markup-compatibility/2006" xmlns:mv="urn:schemas-microsoft-com:mac:vml" xmlns:p="http://schemas.openxmlformats.org/presentationml/2006/main" xmlns:c="http://schemas.openxmlformats.org/drawingml/2006/chart" xmlns:dgm="http://schemas.openxmlformats.org/drawingml/2006/diagram" xmlns:o="urn:schemas-microsoft-com:office:office" xmlns:v="urn:schemas-microsoft-com:vml" xmlns:pvml="urn:schemas-microsoft-com:office:powerpoint" xmlns:com="http://schemas.openxmlformats.org/drawingml/2006/compatibility" xmlns:p14="http://schemas.microsoft.com/office/powerpoint/2010/main" xmlns:p15="http://schemas.microsoft.com/office/powerpoint/2012/main" xmlns:ahyp="http://schemas.microsoft.com/office/drawing/2018/hyperlinkcolor">
+<p:sld xmlns:a="http://schemas.openxmlformats.org/drawingml/2006/main" xmlns:r="http://schemas.openxmlformats.org/officeDocument/2006/relationships" xmlns:p="http://schemas.openxmlformats.org/presentationml/2006/main">
   <p:cSld>
     <p:bg>
       <p:bgPr>
         <a:solidFill>
           <a:schemeClr val="dk1"/>
         </a:solidFill>
+        <a:effectLst/>
       </p:bgPr>
     </p:bg>
     <p:spTree>
       <p:nvGrpSpPr>
-        <p:cNvPr id="84" name="Shape 84"/>
+        <p:cNvPr id="1" name="Shape 84"/>
         <p:cNvGrpSpPr/>
         <p:nvPr/>
       </p:nvGrpSpPr>
@@ -10972,7 +11145,9 @@
       <p:sp>
         <p:nvSpPr>
           <p:cNvPr id="85" name="Google Shape;85;p16"/>
-          <p:cNvSpPr txBox="1"/>
+          <p:cNvSpPr txBox="1">
+            <a:spLocks noGrp="1"/>
+          </p:cNvSpPr>
           <p:nvPr>
             <p:ph type="title"/>
           </p:nvPr>
@@ -10987,12 +11162,12 @@
           </a:prstGeom>
         </p:spPr>
         <p:txBody>
-          <a:bodyPr anchorCtr="0" anchor="t" bIns="91425" lIns="91425" spcFirstLastPara="1" rIns="91425" wrap="square" tIns="91425">
+          <a:bodyPr spcFirstLastPara="1" wrap="square" lIns="91425" tIns="91425" rIns="91425" bIns="91425" anchor="t" anchorCtr="0">
             <a:normAutofit fontScale="90000"/>
           </a:bodyPr>
           <a:lstStyle/>
           <a:p>
-            <a:pPr indent="0" lvl="0" marL="0" rtl="0" algn="l">
+            <a:pPr marL="0" lvl="0" indent="0" algn="l" rtl="0">
               <a:spcBef>
                 <a:spcPts val="0"/>
               </a:spcBef>
@@ -11020,9 +11195,11 @@
       <p:sp>
         <p:nvSpPr>
           <p:cNvPr id="86" name="Google Shape;86;p16"/>
-          <p:cNvSpPr txBox="1"/>
+          <p:cNvSpPr txBox="1">
+            <a:spLocks noGrp="1"/>
+          </p:cNvSpPr>
           <p:nvPr>
-            <p:ph idx="1" type="body"/>
+            <p:ph type="body" idx="1"/>
           </p:nvPr>
         </p:nvSpPr>
         <p:spPr>
@@ -11035,12 +11212,12 @@
           </a:prstGeom>
         </p:spPr>
         <p:txBody>
-          <a:bodyPr anchorCtr="0" anchor="t" bIns="91425" lIns="91425" spcFirstLastPara="1" rIns="91425" wrap="square" tIns="91425">
+          <a:bodyPr spcFirstLastPara="1" wrap="square" lIns="91425" tIns="91425" rIns="91425" bIns="91425" anchor="t" anchorCtr="0">
             <a:normAutofit lnSpcReduction="20000"/>
           </a:bodyPr>
           <a:lstStyle/>
           <a:p>
-            <a:pPr indent="0" lvl="0" marL="0" rtl="0" algn="just">
+            <a:pPr marL="0" lvl="0" indent="0" algn="just" rtl="0">
               <a:spcBef>
                 <a:spcPts val="0"/>
               </a:spcBef>
@@ -11072,7 +11249,7 @@
             </a:endParaRPr>
           </a:p>
           <a:p>
-            <a:pPr indent="0" lvl="0" marL="0" rtl="0" algn="ctr">
+            <a:pPr marL="0" lvl="0" indent="0" algn="ctr" rtl="0">
               <a:spcBef>
                 <a:spcPts val="1200"/>
               </a:spcBef>
@@ -11082,7 +11259,7 @@
               <a:buNone/>
             </a:pPr>
             <a:r>
-              <a:rPr b="1" lang="fr" sz="2000">
+              <a:rPr lang="fr" sz="2000" b="1">
                 <a:solidFill>
                   <a:schemeClr val="dk2"/>
                 </a:solidFill>
@@ -11090,7 +11267,7 @@
               <a:t>x</a:t>
             </a:r>
             <a:r>
-              <a:rPr b="1" baseline="-25000" lang="fr" sz="2000">
+              <a:rPr lang="fr" sz="2000" b="1" baseline="-25000">
                 <a:solidFill>
                   <a:schemeClr val="dk2"/>
                 </a:solidFill>
@@ -11098,7 +11275,7 @@
               <a:t>n+1</a:t>
             </a:r>
             <a:r>
-              <a:rPr b="1" lang="fr" sz="2000">
+              <a:rPr lang="fr" sz="2000" b="1">
                 <a:solidFill>
                   <a:schemeClr val="dk2"/>
                 </a:solidFill>
@@ -11106,7 +11283,7 @@
               <a:t> = T</a:t>
             </a:r>
             <a:r>
-              <a:rPr b="1" baseline="-25000" lang="fr" sz="2000">
+              <a:rPr lang="fr" sz="2000" b="1" baseline="-25000">
                 <a:solidFill>
                   <a:schemeClr val="dk2"/>
                 </a:solidFill>
@@ -11114,7 +11291,7 @@
               <a:t>k</a:t>
             </a:r>
             <a:r>
-              <a:rPr b="1" lang="fr" sz="2000">
+              <a:rPr lang="fr" sz="2000" b="1">
                 <a:solidFill>
                   <a:schemeClr val="dk2"/>
                 </a:solidFill>
@@ -11122,7 +11299,7 @@
               <a:t>(x</a:t>
             </a:r>
             <a:r>
-              <a:rPr b="1" baseline="-25000" lang="fr" sz="2000">
+              <a:rPr lang="fr" sz="2000" b="1" baseline="-25000">
                 <a:solidFill>
                   <a:schemeClr val="dk2"/>
                 </a:solidFill>
@@ -11130,7 +11307,7 @@
               <a:t>n</a:t>
             </a:r>
             <a:r>
-              <a:rPr b="1" lang="fr" sz="2000">
+              <a:rPr lang="fr" sz="2000" b="1">
                 <a:solidFill>
                   <a:schemeClr val="dk2"/>
                 </a:solidFill>
@@ -11138,7 +11315,7 @@
               <a:t>) = cos (k * cos</a:t>
             </a:r>
             <a:r>
-              <a:rPr b="1" baseline="30000" lang="fr" sz="2000">
+              <a:rPr lang="fr" sz="2000" b="1" baseline="30000">
                 <a:solidFill>
                   <a:schemeClr val="dk2"/>
                 </a:solidFill>
@@ -11146,7 +11323,7 @@
               <a:t>-1</a:t>
             </a:r>
             <a:r>
-              <a:rPr b="1" lang="fr" sz="2000">
+              <a:rPr lang="fr" sz="2000" b="1">
                 <a:solidFill>
                   <a:schemeClr val="dk2"/>
                 </a:solidFill>
@@ -11154,7 +11331,7 @@
               <a:t> x</a:t>
             </a:r>
             <a:r>
-              <a:rPr b="1" baseline="-25000" lang="fr" sz="2000">
+              <a:rPr lang="fr" sz="2000" b="1" baseline="-25000">
                 <a:solidFill>
                   <a:schemeClr val="dk2"/>
                 </a:solidFill>
@@ -11162,7 +11339,7 @@
               <a:t>n</a:t>
             </a:r>
             <a:r>
-              <a:rPr b="1" lang="fr" sz="2000">
+              <a:rPr lang="fr" sz="2000" b="1">
                 <a:solidFill>
                   <a:schemeClr val="dk2"/>
                 </a:solidFill>
@@ -11170,7 +11347,7 @@
               <a:t> ), x</a:t>
             </a:r>
             <a:r>
-              <a:rPr b="1" baseline="-25000" lang="fr" sz="2000">
+              <a:rPr lang="fr" sz="2000" b="1" baseline="-25000">
                 <a:solidFill>
                   <a:schemeClr val="dk2"/>
                 </a:solidFill>
@@ -11178,21 +11355,21 @@
               <a:t>n</a:t>
             </a:r>
             <a:r>
-              <a:rPr b="1" lang="fr" sz="2000">
+              <a:rPr lang="fr" sz="2000" b="1">
                 <a:solidFill>
                   <a:schemeClr val="dk2"/>
                 </a:solidFill>
               </a:rPr>
               <a:t>∈ [ -1, 1 ]</a:t>
             </a:r>
-            <a:endParaRPr b="1" sz="2000">
+            <a:endParaRPr sz="2000" b="1">
               <a:solidFill>
                 <a:schemeClr val="dk2"/>
               </a:solidFill>
             </a:endParaRPr>
           </a:p>
           <a:p>
-            <a:pPr indent="0" lvl="0" marL="0" rtl="0" algn="just">
+            <a:pPr marL="0" lvl="0" indent="0" algn="just" rtl="0">
               <a:spcBef>
                 <a:spcPts val="1200"/>
               </a:spcBef>
@@ -11201,9 +11378,6 @@
               </a:spcAft>
               <a:buNone/>
             </a:pPr>
-            <a:r>
-              <a:t/>
-            </a:r>
             <a:endParaRPr u="sng">
               <a:solidFill>
                 <a:schemeClr val="dk2"/>
@@ -11211,7 +11385,7 @@
             </a:endParaRPr>
           </a:p>
           <a:p>
-            <a:pPr indent="0" lvl="0" marL="0" rtl="0" algn="just">
+            <a:pPr marL="0" lvl="0" indent="0" algn="just" rtl="0">
               <a:spcBef>
                 <a:spcPts val="1200"/>
               </a:spcBef>
@@ -11226,15 +11400,7 @@
                   <a:schemeClr val="dk2"/>
                 </a:solidFill>
               </a:rPr>
-              <a:t>Déchiffrement</a:t>
-            </a:r>
-            <a:r>
-              <a:rPr lang="fr" u="sng">
-                <a:solidFill>
-                  <a:schemeClr val="dk2"/>
-                </a:solidFill>
-              </a:rPr>
-              <a:t> :</a:t>
+              <a:t>Déchiffrement :</a:t>
             </a:r>
             <a:r>
               <a:rPr lang="fr">
@@ -11251,7 +11417,7 @@
             </a:endParaRPr>
           </a:p>
           <a:p>
-            <a:pPr indent="0" lvl="0" marL="0" rtl="0" algn="just">
+            <a:pPr marL="0" lvl="0" indent="0" algn="just" rtl="0">
               <a:spcBef>
                 <a:spcPts val="1200"/>
               </a:spcBef>
@@ -11283,7 +11449,7 @@
             </a:endParaRPr>
           </a:p>
           <a:p>
-            <a:pPr indent="0" lvl="0" marL="0" rtl="0" algn="just">
+            <a:pPr marL="0" lvl="0" indent="0" algn="just" rtl="0">
               <a:spcBef>
                 <a:spcPts val="1200"/>
               </a:spcBef>
@@ -11309,7 +11475,7 @@
               <a:t> </a:t>
             </a:r>
             <a:r>
-              <a:rPr i="1" lang="fr">
+              <a:rPr lang="fr" i="1">
                 <a:solidFill>
                   <a:schemeClr val="accent6"/>
                 </a:solidFill>
@@ -11335,9 +11501,11 @@
       <p:sp>
         <p:nvSpPr>
           <p:cNvPr id="87" name="Google Shape;87;p16"/>
-          <p:cNvSpPr txBox="1"/>
+          <p:cNvSpPr txBox="1">
+            <a:spLocks noGrp="1"/>
+          </p:cNvSpPr>
           <p:nvPr>
-            <p:ph idx="12" type="sldNum"/>
+            <p:ph type="sldNum" idx="12"/>
           </p:nvPr>
         </p:nvSpPr>
         <p:spPr>
@@ -11350,12 +11518,12 @@
           </a:prstGeom>
         </p:spPr>
         <p:txBody>
-          <a:bodyPr anchorCtr="0" anchor="ctr" bIns="91425" lIns="91425" spcFirstLastPara="1" rIns="91425" wrap="square" tIns="91425">
+          <a:bodyPr spcFirstLastPara="1" wrap="square" lIns="91425" tIns="91425" rIns="91425" bIns="91425" anchor="ctr" anchorCtr="0">
             <a:normAutofit/>
           </a:bodyPr>
           <a:lstStyle/>
           <a:p>
-            <a:pPr indent="0" lvl="0" marL="0" rtl="0" algn="r">
+            <a:pPr marL="0" lvl="0" indent="0" algn="r" rtl="0">
               <a:spcBef>
                 <a:spcPts val="0"/>
               </a:spcBef>
@@ -11370,7 +11538,7 @@
                   <a:schemeClr val="lt1"/>
                 </a:solidFill>
               </a:rPr>
-              <a:t>‹#›</a:t>
+              <a:t>4</a:t>
             </a:fld>
             <a:endParaRPr>
               <a:solidFill>
@@ -11389,18 +11557,19 @@
 </file>
 
 <file path=ppt/slides/slide5.xml><?xml version="1.0" encoding="utf-8"?>
-<p:sld xmlns:a="http://schemas.openxmlformats.org/drawingml/2006/main" xmlns:r="http://schemas.openxmlformats.org/officeDocument/2006/relationships" xmlns:mc="http://schemas.openxmlformats.org/markup-compatibility/2006" xmlns:mv="urn:schemas-microsoft-com:mac:vml" xmlns:p="http://schemas.openxmlformats.org/presentationml/2006/main" xmlns:c="http://schemas.openxmlformats.org/drawingml/2006/chart" xmlns:dgm="http://schemas.openxmlformats.org/drawingml/2006/diagram" xmlns:o="urn:schemas-microsoft-com:office:office" xmlns:v="urn:schemas-microsoft-com:vml" xmlns:pvml="urn:schemas-microsoft-com:office:powerpoint" xmlns:com="http://schemas.openxmlformats.org/drawingml/2006/compatibility" xmlns:p14="http://schemas.microsoft.com/office/powerpoint/2010/main" xmlns:p15="http://schemas.microsoft.com/office/powerpoint/2012/main" xmlns:ahyp="http://schemas.microsoft.com/office/drawing/2018/hyperlinkcolor">
+<p:sld xmlns:a="http://schemas.openxmlformats.org/drawingml/2006/main" xmlns:r="http://schemas.openxmlformats.org/officeDocument/2006/relationships" xmlns:p="http://schemas.openxmlformats.org/presentationml/2006/main">
   <p:cSld>
     <p:bg>
       <p:bgPr>
         <a:solidFill>
           <a:schemeClr val="dk1"/>
         </a:solidFill>
+        <a:effectLst/>
       </p:bgPr>
     </p:bg>
     <p:spTree>
       <p:nvGrpSpPr>
-        <p:cNvPr id="91" name="Shape 91"/>
+        <p:cNvPr id="1" name="Shape 91"/>
         <p:cNvGrpSpPr/>
         <p:nvPr/>
       </p:nvGrpSpPr>
@@ -11415,7 +11584,9 @@
       <p:sp>
         <p:nvSpPr>
           <p:cNvPr id="92" name="Google Shape;92;p17"/>
-          <p:cNvSpPr txBox="1"/>
+          <p:cNvSpPr txBox="1">
+            <a:spLocks noGrp="1"/>
+          </p:cNvSpPr>
           <p:nvPr>
             <p:ph type="title"/>
           </p:nvPr>
@@ -11430,12 +11601,12 @@
           </a:prstGeom>
         </p:spPr>
         <p:txBody>
-          <a:bodyPr anchorCtr="0" anchor="t" bIns="91425" lIns="91425" spcFirstLastPara="1" rIns="91425" wrap="square" tIns="91425">
+          <a:bodyPr spcFirstLastPara="1" wrap="square" lIns="91425" tIns="91425" rIns="91425" bIns="91425" anchor="t" anchorCtr="0">
             <a:normAutofit fontScale="90000"/>
           </a:bodyPr>
           <a:lstStyle/>
           <a:p>
-            <a:pPr indent="0" lvl="0" marL="0" rtl="0" algn="l">
+            <a:pPr marL="0" lvl="0" indent="0" algn="l" rtl="0">
               <a:spcBef>
                 <a:spcPts val="0"/>
               </a:spcBef>
@@ -11463,9 +11634,11 @@
       <p:sp>
         <p:nvSpPr>
           <p:cNvPr id="93" name="Google Shape;93;p17"/>
-          <p:cNvSpPr txBox="1"/>
+          <p:cNvSpPr txBox="1">
+            <a:spLocks noGrp="1"/>
+          </p:cNvSpPr>
           <p:nvPr>
-            <p:ph idx="1" type="body"/>
+            <p:ph type="body" idx="1"/>
           </p:nvPr>
         </p:nvSpPr>
         <p:spPr>
@@ -11478,12 +11651,12 @@
           </a:prstGeom>
         </p:spPr>
         <p:txBody>
-          <a:bodyPr anchorCtr="0" anchor="t" bIns="91425" lIns="91425" spcFirstLastPara="1" rIns="91425" wrap="square" tIns="91425">
+          <a:bodyPr spcFirstLastPara="1" wrap="square" lIns="91425" tIns="91425" rIns="91425" bIns="91425" anchor="t" anchorCtr="0">
             <a:normAutofit/>
           </a:bodyPr>
           <a:lstStyle/>
           <a:p>
-            <a:pPr indent="0" lvl="0" marL="0" rtl="0" algn="l">
+            <a:pPr marL="0" lvl="0" indent="0" algn="l" rtl="0">
               <a:spcBef>
                 <a:spcPts val="0"/>
               </a:spcBef>
@@ -11515,7 +11688,7 @@
             </a:endParaRPr>
           </a:p>
           <a:p>
-            <a:pPr indent="0" lvl="0" marL="0" rtl="0" algn="l">
+            <a:pPr marL="0" lvl="0" indent="0" algn="l" rtl="0">
               <a:spcBef>
                 <a:spcPts val="1200"/>
               </a:spcBef>
@@ -11547,7 +11720,7 @@
             </a:endParaRPr>
           </a:p>
           <a:p>
-            <a:pPr indent="0" lvl="0" marL="0" rtl="0" algn="l">
+            <a:pPr marL="0" lvl="0" indent="0" algn="l" rtl="0">
               <a:spcBef>
                 <a:spcPts val="1200"/>
               </a:spcBef>
@@ -11571,7 +11744,7 @@
             </a:endParaRPr>
           </a:p>
           <a:p>
-            <a:pPr indent="-342900" lvl="0" marL="457200" rtl="0" algn="l">
+            <a:pPr marL="457200" lvl="0" indent="-342900" algn="l" rtl="0">
               <a:spcBef>
                 <a:spcPts val="1200"/>
               </a:spcBef>
@@ -11599,7 +11772,7 @@
             </a:endParaRPr>
           </a:p>
           <a:p>
-            <a:pPr indent="-342900" lvl="0" marL="457200" rtl="0" algn="l">
+            <a:pPr marL="457200" lvl="0" indent="-342900" algn="l" rtl="0">
               <a:spcBef>
                 <a:spcPts val="0"/>
               </a:spcBef>
@@ -11627,7 +11800,7 @@
             </a:endParaRPr>
           </a:p>
           <a:p>
-            <a:pPr indent="0" lvl="0" marL="0" rtl="0" algn="l">
+            <a:pPr marL="0" lvl="0" indent="0" algn="l" rtl="0">
               <a:spcBef>
                 <a:spcPts val="1200"/>
               </a:spcBef>
@@ -11663,9 +11836,11 @@
       <p:sp>
         <p:nvSpPr>
           <p:cNvPr id="94" name="Google Shape;94;p17"/>
-          <p:cNvSpPr txBox="1"/>
+          <p:cNvSpPr txBox="1">
+            <a:spLocks noGrp="1"/>
+          </p:cNvSpPr>
           <p:nvPr>
-            <p:ph idx="12" type="sldNum"/>
+            <p:ph type="sldNum" idx="12"/>
           </p:nvPr>
         </p:nvSpPr>
         <p:spPr>
@@ -11678,12 +11853,12 @@
           </a:prstGeom>
         </p:spPr>
         <p:txBody>
-          <a:bodyPr anchorCtr="0" anchor="ctr" bIns="91425" lIns="91425" spcFirstLastPara="1" rIns="91425" wrap="square" tIns="91425">
+          <a:bodyPr spcFirstLastPara="1" wrap="square" lIns="91425" tIns="91425" rIns="91425" bIns="91425" anchor="ctr" anchorCtr="0">
             <a:normAutofit/>
           </a:bodyPr>
           <a:lstStyle/>
           <a:p>
-            <a:pPr indent="0" lvl="0" marL="0" rtl="0" algn="r">
+            <a:pPr marL="0" lvl="0" indent="0" algn="r" rtl="0">
               <a:spcBef>
                 <a:spcPts val="0"/>
               </a:spcBef>
@@ -11698,7 +11873,7 @@
                   <a:schemeClr val="lt1"/>
                 </a:solidFill>
               </a:rPr>
-              <a:t>‹#›</a:t>
+              <a:t>5</a:t>
             </a:fld>
             <a:endParaRPr>
               <a:solidFill>
@@ -11717,18 +11892,19 @@
 </file>
 
 <file path=ppt/slides/slide6.xml><?xml version="1.0" encoding="utf-8"?>
-<p:sld xmlns:a="http://schemas.openxmlformats.org/drawingml/2006/main" xmlns:r="http://schemas.openxmlformats.org/officeDocument/2006/relationships" xmlns:mc="http://schemas.openxmlformats.org/markup-compatibility/2006" xmlns:mv="urn:schemas-microsoft-com:mac:vml" xmlns:p="http://schemas.openxmlformats.org/presentationml/2006/main" xmlns:c="http://schemas.openxmlformats.org/drawingml/2006/chart" xmlns:dgm="http://schemas.openxmlformats.org/drawingml/2006/diagram" xmlns:o="urn:schemas-microsoft-com:office:office" xmlns:v="urn:schemas-microsoft-com:vml" xmlns:pvml="urn:schemas-microsoft-com:office:powerpoint" xmlns:com="http://schemas.openxmlformats.org/drawingml/2006/compatibility" xmlns:p14="http://schemas.microsoft.com/office/powerpoint/2010/main" xmlns:p15="http://schemas.microsoft.com/office/powerpoint/2012/main" xmlns:ahyp="http://schemas.microsoft.com/office/drawing/2018/hyperlinkcolor">
+<p:sld xmlns:a="http://schemas.openxmlformats.org/drawingml/2006/main" xmlns:r="http://schemas.openxmlformats.org/officeDocument/2006/relationships" xmlns:p="http://schemas.openxmlformats.org/presentationml/2006/main">
   <p:cSld>
     <p:bg>
       <p:bgPr>
         <a:solidFill>
           <a:schemeClr val="dk1"/>
         </a:solidFill>
+        <a:effectLst/>
       </p:bgPr>
     </p:bg>
     <p:spTree>
       <p:nvGrpSpPr>
-        <p:cNvPr id="98" name="Shape 98"/>
+        <p:cNvPr id="1" name="Shape 98"/>
         <p:cNvGrpSpPr/>
         <p:nvPr/>
       </p:nvGrpSpPr>
@@ -11743,7 +11919,9 @@
       <p:sp>
         <p:nvSpPr>
           <p:cNvPr id="99" name="Google Shape;99;p18"/>
-          <p:cNvSpPr txBox="1"/>
+          <p:cNvSpPr txBox="1">
+            <a:spLocks noGrp="1"/>
+          </p:cNvSpPr>
           <p:nvPr>
             <p:ph type="title"/>
           </p:nvPr>
@@ -11758,12 +11936,12 @@
           </a:prstGeom>
         </p:spPr>
         <p:txBody>
-          <a:bodyPr anchorCtr="0" anchor="t" bIns="91425" lIns="91425" spcFirstLastPara="1" rIns="91425" wrap="square" tIns="91425">
+          <a:bodyPr spcFirstLastPara="1" wrap="square" lIns="91425" tIns="91425" rIns="91425" bIns="91425" anchor="t" anchorCtr="0">
             <a:normAutofit fontScale="90000"/>
           </a:bodyPr>
           <a:lstStyle/>
           <a:p>
-            <a:pPr indent="0" lvl="0" marL="0" rtl="0" algn="l">
+            <a:pPr marL="0" lvl="0" indent="0" algn="l" rtl="0">
               <a:spcBef>
                 <a:spcPts val="0"/>
               </a:spcBef>
@@ -11791,9 +11969,11 @@
       <p:sp>
         <p:nvSpPr>
           <p:cNvPr id="100" name="Google Shape;100;p18"/>
-          <p:cNvSpPr txBox="1"/>
+          <p:cNvSpPr txBox="1">
+            <a:spLocks noGrp="1"/>
+          </p:cNvSpPr>
           <p:nvPr>
-            <p:ph idx="1" type="body"/>
+            <p:ph type="body" idx="1"/>
           </p:nvPr>
         </p:nvSpPr>
         <p:spPr>
@@ -11806,12 +11986,12 @@
           </a:prstGeom>
         </p:spPr>
         <p:txBody>
-          <a:bodyPr anchorCtr="0" anchor="t" bIns="91425" lIns="91425" spcFirstLastPara="1" rIns="91425" wrap="square" tIns="91425">
+          <a:bodyPr spcFirstLastPara="1" wrap="square" lIns="91425" tIns="91425" rIns="91425" bIns="91425" anchor="t" anchorCtr="0">
             <a:normAutofit/>
           </a:bodyPr>
           <a:lstStyle/>
           <a:p>
-            <a:pPr indent="0" lvl="0" marL="0" rtl="0" algn="l">
+            <a:pPr marL="0" lvl="0" indent="0" algn="l" rtl="0">
               <a:spcBef>
                 <a:spcPts val="0"/>
               </a:spcBef>
@@ -11839,9 +12019,11 @@
       <p:sp>
         <p:nvSpPr>
           <p:cNvPr id="101" name="Google Shape;101;p18"/>
-          <p:cNvSpPr txBox="1"/>
+          <p:cNvSpPr txBox="1">
+            <a:spLocks noGrp="1"/>
+          </p:cNvSpPr>
           <p:nvPr>
-            <p:ph idx="12" type="sldNum"/>
+            <p:ph type="sldNum" idx="12"/>
           </p:nvPr>
         </p:nvSpPr>
         <p:spPr>
@@ -11854,12 +12036,12 @@
           </a:prstGeom>
         </p:spPr>
         <p:txBody>
-          <a:bodyPr anchorCtr="0" anchor="ctr" bIns="91425" lIns="91425" spcFirstLastPara="1" rIns="91425" wrap="square" tIns="91425">
+          <a:bodyPr spcFirstLastPara="1" wrap="square" lIns="91425" tIns="91425" rIns="91425" bIns="91425" anchor="ctr" anchorCtr="0">
             <a:normAutofit/>
           </a:bodyPr>
           <a:lstStyle/>
           <a:p>
-            <a:pPr indent="0" lvl="0" marL="0" rtl="0" algn="r">
+            <a:pPr marL="0" lvl="0" indent="0" algn="r" rtl="0">
               <a:spcBef>
                 <a:spcPts val="0"/>
               </a:spcBef>
@@ -11874,7 +12056,7 @@
                   <a:schemeClr val="lt1"/>
                 </a:solidFill>
               </a:rPr>
-              <a:t>‹#›</a:t>
+              <a:t>6</a:t>
             </a:fld>
             <a:endParaRPr>
               <a:solidFill>
@@ -11952,9 +12134,13 @@
             <a:ext cx="284103" cy="267977"/>
           </a:xfrm>
           <a:custGeom>
-            <a:rect b="b" l="l" r="r" t="t"/>
+            <a:avLst/>
+            <a:gdLst/>
+            <a:ahLst/>
+            <a:cxnLst/>
+            <a:rect l="l" t="t" r="r" b="b"/>
             <a:pathLst>
-              <a:path extrusionOk="0" h="2122" w="2821">
+              <a:path w="2821" h="2122" extrusionOk="0">
                 <a:moveTo>
                   <a:pt x="1761" y="1"/>
                 </a:moveTo>
@@ -11992,17 +12178,17 @@
           <a:solidFill>
             <a:schemeClr val="accent5"/>
           </a:solidFill>
-          <a:ln cap="flat" cmpd="sng" w="9525">
+          <a:ln w="9525" cap="flat" cmpd="sng">
             <a:solidFill>
               <a:schemeClr val="accent5"/>
             </a:solidFill>
             <a:prstDash val="solid"/>
             <a:round/>
-            <a:headEnd len="sm" w="sm" type="none"/>
-            <a:tailEnd len="sm" w="sm" type="none"/>
+            <a:headEnd type="none" w="sm" len="sm"/>
+            <a:tailEnd type="none" w="sm" len="sm"/>
           </a:ln>
           <a:effectLst>
-            <a:outerShdw blurRad="57150" rotWithShape="0" algn="bl" dir="5400000" dist="19050">
+            <a:outerShdw blurRad="57150" dist="19050" dir="5400000" algn="bl" rotWithShape="0">
               <a:srgbClr val="000000">
                 <a:alpha val="50000"/>
               </a:srgbClr>
@@ -12010,12 +12196,12 @@
           </a:effectLst>
         </p:spPr>
         <p:txBody>
-          <a:bodyPr anchorCtr="0" anchor="ctr" bIns="91425" lIns="91425" spcFirstLastPara="1" rIns="91425" wrap="square" tIns="91425">
+          <a:bodyPr spcFirstLastPara="1" wrap="square" lIns="91425" tIns="91425" rIns="91425" bIns="91425" anchor="ctr" anchorCtr="0">
             <a:noAutofit/>
           </a:bodyPr>
           <a:lstStyle/>
           <a:p>
-            <a:pPr indent="0" lvl="0" marL="0" rtl="0" algn="l">
+            <a:pPr marL="0" lvl="0" indent="0" algn="l" rtl="0">
               <a:spcBef>
                 <a:spcPts val="0"/>
               </a:spcBef>
@@ -12024,9 +12210,6 @@
               </a:spcAft>
               <a:buNone/>
             </a:pPr>
-            <a:r>
-              <a:t/>
-            </a:r>
             <a:endParaRPr/>
           </a:p>
         </p:txBody>
@@ -12039,32 +12222,32 @@
   <p:timing>
     <p:tnLst>
       <p:par>
-        <p:cTn dur="indefinite" nodeType="tmRoot" restart="never">
+        <p:cTn id="1" dur="indefinite" restart="never" nodeType="tmRoot">
           <p:childTnLst>
             <p:seq concurrent="1" nextAc="seek">
-              <p:cTn dur="indefinite" id="2" nodeType="mainSeq">
+              <p:cTn id="2" dur="indefinite" nodeType="mainSeq">
                 <p:childTnLst>
                   <p:par>
-                    <p:cTn fill="hold">
+                    <p:cTn id="3" fill="hold">
                       <p:stCondLst>
                         <p:cond delay="indefinite"/>
                       </p:stCondLst>
                       <p:childTnLst>
                         <p:par>
-                          <p:cTn fill="hold">
+                          <p:cTn id="4" fill="hold">
                             <p:stCondLst>
                               <p:cond delay="0"/>
                             </p:stCondLst>
                             <p:childTnLst>
                               <p:par>
-                                <p:cTn fill="hold" nodeType="clickEffect" presetClass="entr" presetID="2" presetSubtype="8">
+                                <p:cTn id="5" presetID="2" presetClass="entr" presetSubtype="8" fill="hold" nodeType="clickEffect">
                                   <p:stCondLst>
                                     <p:cond delay="0"/>
                                   </p:stCondLst>
                                   <p:childTnLst>
                                     <p:set>
                                       <p:cBhvr>
-                                        <p:cTn dur="1" fill="hold">
+                                        <p:cTn id="6" dur="1" fill="hold">
                                           <p:stCondLst>
                                             <p:cond delay="0"/>
                                           </p:stCondLst>
@@ -12082,7 +12265,7 @@
                                     </p:set>
                                     <p:anim calcmode="lin" valueType="num">
                                       <p:cBhvr additive="base">
-                                        <p:cTn dur="1000"/>
+                                        <p:cTn id="7" dur="1000"/>
                                         <p:tgtEl>
                                           <p:spTgt spid="104"/>
                                         </p:tgtEl>
@@ -12091,12 +12274,12 @@
                                         </p:attrNameLst>
                                       </p:cBhvr>
                                       <p:tavLst>
-                                        <p:tav fmla="" tm="0">
+                                        <p:tav tm="0">
                                           <p:val>
                                             <p:strVal val="#ppt_x-1"/>
                                           </p:val>
                                         </p:tav>
-                                        <p:tav fmla="" tm="100000">
+                                        <p:tav tm="100000">
                                           <p:val>
                                             <p:strVal val="#ppt_x"/>
                                           </p:val>
@@ -12113,26 +12296,26 @@
                     </p:cTn>
                   </p:par>
                   <p:par>
-                    <p:cTn fill="hold">
+                    <p:cTn id="8" fill="hold">
                       <p:stCondLst>
                         <p:cond delay="indefinite"/>
                       </p:stCondLst>
                       <p:childTnLst>
                         <p:par>
-                          <p:cTn fill="hold">
+                          <p:cTn id="9" fill="hold">
                             <p:stCondLst>
                               <p:cond delay="0"/>
                             </p:stCondLst>
                             <p:childTnLst>
                               <p:par>
-                                <p:cTn fill="hold" nodeType="clickEffect" presetClass="entr" presetID="2" presetSubtype="8">
+                                <p:cTn id="10" presetID="2" presetClass="entr" presetSubtype="8" fill="hold" nodeType="clickEffect">
                                   <p:stCondLst>
                                     <p:cond delay="0"/>
                                   </p:stCondLst>
                                   <p:childTnLst>
                                     <p:set>
                                       <p:cBhvr>
-                                        <p:cTn dur="1" fill="hold">
+                                        <p:cTn id="11" dur="1" fill="hold">
                                           <p:stCondLst>
                                             <p:cond delay="0"/>
                                           </p:stCondLst>
@@ -12150,7 +12333,7 @@
                                     </p:set>
                                     <p:anim calcmode="lin" valueType="num">
                                       <p:cBhvr additive="base">
-                                        <p:cTn dur="1000"/>
+                                        <p:cTn id="12" dur="1000"/>
                                         <p:tgtEl>
                                           <p:spTgt spid="103"/>
                                         </p:tgtEl>
@@ -12159,12 +12342,12 @@
                                         </p:attrNameLst>
                                       </p:cBhvr>
                                       <p:tavLst>
-                                        <p:tav fmla="" tm="0">
+                                        <p:tav tm="0">
                                           <p:val>
                                             <p:strVal val="#ppt_x-1"/>
                                           </p:val>
                                         </p:tav>
-                                        <p:tav fmla="" tm="100000">
+                                        <p:tav tm="100000">
                                           <p:val>
                                             <p:strVal val="#ppt_x"/>
                                           </p:val>
@@ -12181,26 +12364,26 @@
                     </p:cTn>
                   </p:par>
                   <p:par>
-                    <p:cTn fill="hold">
+                    <p:cTn id="13" fill="hold">
                       <p:stCondLst>
                         <p:cond delay="indefinite"/>
                       </p:stCondLst>
                       <p:childTnLst>
                         <p:par>
-                          <p:cTn fill="hold">
+                          <p:cTn id="14" fill="hold">
                             <p:stCondLst>
                               <p:cond delay="0"/>
                             </p:stCondLst>
                             <p:childTnLst>
                               <p:par>
-                                <p:cTn fill="hold" nodeType="clickEffect" presetClass="entr" presetID="10" presetSubtype="0">
+                                <p:cTn id="15" presetID="10" presetClass="entr" presetSubtype="0" fill="hold" nodeType="clickEffect">
                                   <p:stCondLst>
                                     <p:cond delay="0"/>
                                   </p:stCondLst>
                                   <p:childTnLst>
                                     <p:set>
                                       <p:cBhvr>
-                                        <p:cTn dur="1" fill="hold">
+                                        <p:cTn id="16" dur="1" fill="hold">
                                           <p:stCondLst>
                                             <p:cond delay="0"/>
                                           </p:stCondLst>
@@ -12216,9 +12399,9 @@
                                         <p:strVal val="visible"/>
                                       </p:to>
                                     </p:set>
-                                    <p:animEffect filter="fade" transition="in">
+                                    <p:animEffect transition="in" filter="fade">
                                       <p:cBhvr>
-                                        <p:cTn dur="1000"/>
+                                        <p:cTn id="17" dur="1000"/>
                                         <p:tgtEl>
                                           <p:spTgt spid="100"/>
                                         </p:tgtEl>
@@ -12236,14 +12419,14 @@
                 </p:childTnLst>
               </p:cTn>
               <p:prevCondLst>
-                <p:cond evt="onPrev">
+                <p:cond evt="onPrev" delay="0">
                   <p:tgtEl>
                     <p:sldTgt/>
                   </p:tgtEl>
                 </p:cond>
               </p:prevCondLst>
               <p:nextCondLst>
-                <p:cond evt="onNext">
+                <p:cond evt="onNext" delay="0">
                   <p:tgtEl>
                     <p:sldTgt/>
                   </p:tgtEl>
@@ -12259,18 +12442,19 @@
 </file>
 
 <file path=ppt/slides/slide7.xml><?xml version="1.0" encoding="utf-8"?>
-<p:sld xmlns:a="http://schemas.openxmlformats.org/drawingml/2006/main" xmlns:r="http://schemas.openxmlformats.org/officeDocument/2006/relationships" xmlns:mc="http://schemas.openxmlformats.org/markup-compatibility/2006" xmlns:mv="urn:schemas-microsoft-com:mac:vml" xmlns:p="http://schemas.openxmlformats.org/presentationml/2006/main" xmlns:c="http://schemas.openxmlformats.org/drawingml/2006/chart" xmlns:dgm="http://schemas.openxmlformats.org/drawingml/2006/diagram" xmlns:o="urn:schemas-microsoft-com:office:office" xmlns:v="urn:schemas-microsoft-com:vml" xmlns:pvml="urn:schemas-microsoft-com:office:powerpoint" xmlns:com="http://schemas.openxmlformats.org/drawingml/2006/compatibility" xmlns:p14="http://schemas.microsoft.com/office/powerpoint/2010/main" xmlns:p15="http://schemas.microsoft.com/office/powerpoint/2012/main" xmlns:ahyp="http://schemas.microsoft.com/office/drawing/2018/hyperlinkcolor">
+<p:sld xmlns:a="http://schemas.openxmlformats.org/drawingml/2006/main" xmlns:r="http://schemas.openxmlformats.org/officeDocument/2006/relationships" xmlns:p="http://schemas.openxmlformats.org/presentationml/2006/main">
   <p:cSld>
     <p:bg>
       <p:bgPr>
         <a:solidFill>
           <a:schemeClr val="dk1"/>
         </a:solidFill>
+        <a:effectLst/>
       </p:bgPr>
     </p:bg>
     <p:spTree>
       <p:nvGrpSpPr>
-        <p:cNvPr id="108" name="Shape 108"/>
+        <p:cNvPr id="1" name="Shape 108"/>
         <p:cNvGrpSpPr/>
         <p:nvPr/>
       </p:nvGrpSpPr>
@@ -12285,7 +12469,9 @@
       <p:sp>
         <p:nvSpPr>
           <p:cNvPr id="109" name="Google Shape;109;p19"/>
-          <p:cNvSpPr txBox="1"/>
+          <p:cNvSpPr txBox="1">
+            <a:spLocks noGrp="1"/>
+          </p:cNvSpPr>
           <p:nvPr>
             <p:ph type="title"/>
           </p:nvPr>
@@ -12300,12 +12486,12 @@
           </a:prstGeom>
         </p:spPr>
         <p:txBody>
-          <a:bodyPr anchorCtr="0" anchor="t" bIns="91425" lIns="91425" spcFirstLastPara="1" rIns="91425" wrap="square" tIns="91425">
+          <a:bodyPr spcFirstLastPara="1" wrap="square" lIns="91425" tIns="91425" rIns="91425" bIns="91425" anchor="t" anchorCtr="0">
             <a:normAutofit fontScale="90000"/>
           </a:bodyPr>
           <a:lstStyle/>
           <a:p>
-            <a:pPr indent="0" lvl="0" marL="0" rtl="0" algn="l">
+            <a:pPr marL="0" lvl="0" indent="0" algn="l" rtl="0">
               <a:spcBef>
                 <a:spcPts val="0"/>
               </a:spcBef>
@@ -12333,9 +12519,11 @@
       <p:sp>
         <p:nvSpPr>
           <p:cNvPr id="110" name="Google Shape;110;p19"/>
-          <p:cNvSpPr txBox="1"/>
+          <p:cNvSpPr txBox="1">
+            <a:spLocks noGrp="1"/>
+          </p:cNvSpPr>
           <p:nvPr>
-            <p:ph idx="1" type="body"/>
+            <p:ph type="body" idx="1"/>
           </p:nvPr>
         </p:nvSpPr>
         <p:spPr>
@@ -12348,12 +12536,12 @@
           </a:prstGeom>
         </p:spPr>
         <p:txBody>
-          <a:bodyPr anchorCtr="0" anchor="t" bIns="91425" lIns="91425" spcFirstLastPara="1" rIns="91425" wrap="square" tIns="91425">
+          <a:bodyPr spcFirstLastPara="1" wrap="square" lIns="91425" tIns="91425" rIns="91425" bIns="91425" anchor="t" anchorCtr="0">
             <a:normAutofit/>
           </a:bodyPr>
           <a:lstStyle/>
           <a:p>
-            <a:pPr indent="0" lvl="0" marL="0" rtl="0" algn="l">
+            <a:pPr marL="0" lvl="0" indent="0" algn="l" rtl="0">
               <a:spcBef>
                 <a:spcPts val="0"/>
               </a:spcBef>
@@ -12362,9 +12550,6 @@
               </a:spcAft>
               <a:buNone/>
             </a:pPr>
-            <a:r>
-              <a:t/>
-            </a:r>
             <a:endParaRPr>
               <a:solidFill>
                 <a:schemeClr val="lt1"/>
@@ -12376,9 +12561,11 @@
       <p:sp>
         <p:nvSpPr>
           <p:cNvPr id="111" name="Google Shape;111;p19"/>
-          <p:cNvSpPr txBox="1"/>
+          <p:cNvSpPr txBox="1">
+            <a:spLocks noGrp="1"/>
+          </p:cNvSpPr>
           <p:nvPr>
-            <p:ph idx="12" type="sldNum"/>
+            <p:ph type="sldNum" idx="12"/>
           </p:nvPr>
         </p:nvSpPr>
         <p:spPr>
@@ -12391,12 +12578,12 @@
           </a:prstGeom>
         </p:spPr>
         <p:txBody>
-          <a:bodyPr anchorCtr="0" anchor="ctr" bIns="91425" lIns="91425" spcFirstLastPara="1" rIns="91425" wrap="square" tIns="91425">
+          <a:bodyPr spcFirstLastPara="1" wrap="square" lIns="91425" tIns="91425" rIns="91425" bIns="91425" anchor="ctr" anchorCtr="0">
             <a:normAutofit/>
           </a:bodyPr>
           <a:lstStyle/>
           <a:p>
-            <a:pPr indent="0" lvl="0" marL="0" rtl="0" algn="r">
+            <a:pPr marL="0" lvl="0" indent="0" algn="r" rtl="0">
               <a:spcBef>
                 <a:spcPts val="0"/>
               </a:spcBef>
@@ -12411,7 +12598,7 @@
                   <a:schemeClr val="lt1"/>
                 </a:solidFill>
               </a:rPr>
-              <a:t>‹#›</a:t>
+              <a:t>7</a:t>
             </a:fld>
             <a:endParaRPr>
               <a:solidFill>
@@ -12489,9 +12676,13 @@
             <a:ext cx="284103" cy="267977"/>
           </a:xfrm>
           <a:custGeom>
-            <a:rect b="b" l="l" r="r" t="t"/>
+            <a:avLst/>
+            <a:gdLst/>
+            <a:ahLst/>
+            <a:cxnLst/>
+            <a:rect l="l" t="t" r="r" b="b"/>
             <a:pathLst>
-              <a:path extrusionOk="0" h="2122" w="2821">
+              <a:path w="2821" h="2122" extrusionOk="0">
                 <a:moveTo>
                   <a:pt x="1761" y="1"/>
                 </a:moveTo>
@@ -12529,23 +12720,23 @@
           <a:solidFill>
             <a:schemeClr val="accent5"/>
           </a:solidFill>
-          <a:ln cap="flat" cmpd="sng" w="9525">
+          <a:ln w="9525" cap="flat" cmpd="sng">
             <a:solidFill>
               <a:schemeClr val="accent5"/>
             </a:solidFill>
             <a:prstDash val="solid"/>
             <a:round/>
-            <a:headEnd len="sm" w="sm" type="none"/>
-            <a:tailEnd len="sm" w="sm" type="none"/>
+            <a:headEnd type="none" w="sm" len="sm"/>
+            <a:tailEnd type="none" w="sm" len="sm"/>
           </a:ln>
         </p:spPr>
         <p:txBody>
-          <a:bodyPr anchorCtr="0" anchor="ctr" bIns="91425" lIns="91425" spcFirstLastPara="1" rIns="91425" wrap="square" tIns="91425">
+          <a:bodyPr spcFirstLastPara="1" wrap="square" lIns="91425" tIns="91425" rIns="91425" bIns="91425" anchor="ctr" anchorCtr="0">
             <a:noAutofit/>
           </a:bodyPr>
           <a:lstStyle/>
           <a:p>
-            <a:pPr indent="0" lvl="0" marL="0" rtl="0" algn="l">
+            <a:pPr marL="0" lvl="0" indent="0" algn="l" rtl="0">
               <a:spcBef>
                 <a:spcPts val="0"/>
               </a:spcBef>
@@ -12554,9 +12745,6 @@
               </a:spcAft>
               <a:buNone/>
             </a:pPr>
-            <a:r>
-              <a:t/>
-            </a:r>
             <a:endParaRPr/>
           </a:p>
         </p:txBody>
@@ -12573,9 +12761,13 @@
             <a:ext cx="284103" cy="267977"/>
           </a:xfrm>
           <a:custGeom>
-            <a:rect b="b" l="l" r="r" t="t"/>
+            <a:avLst/>
+            <a:gdLst/>
+            <a:ahLst/>
+            <a:cxnLst/>
+            <a:rect l="l" t="t" r="r" b="b"/>
             <a:pathLst>
-              <a:path extrusionOk="0" h="2122" w="2821">
+              <a:path w="2821" h="2122" extrusionOk="0">
                 <a:moveTo>
                   <a:pt x="1761" y="1"/>
                 </a:moveTo>
@@ -12613,23 +12805,23 @@
           <a:solidFill>
             <a:schemeClr val="accent5"/>
           </a:solidFill>
-          <a:ln cap="flat" cmpd="sng" w="9525">
+          <a:ln w="9525" cap="flat" cmpd="sng">
             <a:solidFill>
               <a:schemeClr val="accent5"/>
             </a:solidFill>
             <a:prstDash val="solid"/>
             <a:round/>
-            <a:headEnd len="sm" w="sm" type="none"/>
-            <a:tailEnd len="sm" w="sm" type="none"/>
+            <a:headEnd type="none" w="sm" len="sm"/>
+            <a:tailEnd type="none" w="sm" len="sm"/>
           </a:ln>
         </p:spPr>
         <p:txBody>
-          <a:bodyPr anchorCtr="0" anchor="ctr" bIns="91425" lIns="91425" spcFirstLastPara="1" rIns="91425" wrap="square" tIns="91425">
+          <a:bodyPr spcFirstLastPara="1" wrap="square" lIns="91425" tIns="91425" rIns="91425" bIns="91425" anchor="ctr" anchorCtr="0">
             <a:noAutofit/>
           </a:bodyPr>
           <a:lstStyle/>
           <a:p>
-            <a:pPr indent="0" lvl="0" marL="0" rtl="0" algn="l">
+            <a:pPr marL="0" lvl="0" indent="0" algn="l" rtl="0">
               <a:spcBef>
                 <a:spcPts val="0"/>
               </a:spcBef>
@@ -12638,9 +12830,6 @@
               </a:spcAft>
               <a:buNone/>
             </a:pPr>
-            <a:r>
-              <a:t/>
-            </a:r>
             <a:endParaRPr/>
           </a:p>
         </p:txBody>
@@ -12681,32 +12870,32 @@
   <p:timing>
     <p:tnLst>
       <p:par>
-        <p:cTn dur="indefinite" nodeType="tmRoot" restart="never">
+        <p:cTn id="1" dur="indefinite" restart="never" nodeType="tmRoot">
           <p:childTnLst>
             <p:seq concurrent="1" nextAc="seek">
-              <p:cTn dur="indefinite" id="2" nodeType="mainSeq">
+              <p:cTn id="2" dur="indefinite" nodeType="mainSeq">
                 <p:childTnLst>
                   <p:par>
-                    <p:cTn fill="hold">
+                    <p:cTn id="3" fill="hold">
                       <p:stCondLst>
                         <p:cond delay="indefinite"/>
                       </p:stCondLst>
                       <p:childTnLst>
                         <p:par>
-                          <p:cTn fill="hold">
+                          <p:cTn id="4" fill="hold">
                             <p:stCondLst>
                               <p:cond delay="0"/>
                             </p:stCondLst>
                             <p:childTnLst>
                               <p:par>
-                                <p:cTn fill="hold" nodeType="clickEffect" presetClass="entr" presetID="2" presetSubtype="8">
+                                <p:cTn id="5" presetID="2" presetClass="entr" presetSubtype="8" fill="hold" nodeType="clickEffect">
                                   <p:stCondLst>
                                     <p:cond delay="0"/>
                                   </p:stCondLst>
                                   <p:childTnLst>
                                     <p:set>
                                       <p:cBhvr>
-                                        <p:cTn dur="1" fill="hold">
+                                        <p:cTn id="6" dur="1" fill="hold">
                                           <p:stCondLst>
                                             <p:cond delay="0"/>
                                           </p:stCondLst>
@@ -12724,7 +12913,7 @@
                                     </p:set>
                                     <p:anim calcmode="lin" valueType="num">
                                       <p:cBhvr additive="base">
-                                        <p:cTn dur="1000"/>
+                                        <p:cTn id="7" dur="1000"/>
                                         <p:tgtEl>
                                           <p:spTgt spid="115"/>
                                         </p:tgtEl>
@@ -12733,12 +12922,12 @@
                                         </p:attrNameLst>
                                       </p:cBhvr>
                                       <p:tavLst>
-                                        <p:tav fmla="" tm="0">
+                                        <p:tav tm="0">
                                           <p:val>
                                             <p:strVal val="#ppt_x-1"/>
                                           </p:val>
                                         </p:tav>
-                                        <p:tav fmla="" tm="100000">
+                                        <p:tav tm="100000">
                                           <p:val>
                                             <p:strVal val="#ppt_x"/>
                                           </p:val>
@@ -12755,26 +12944,26 @@
                     </p:cTn>
                   </p:par>
                   <p:par>
-                    <p:cTn fill="hold">
+                    <p:cTn id="8" fill="hold">
                       <p:stCondLst>
                         <p:cond delay="indefinite"/>
                       </p:stCondLst>
                       <p:childTnLst>
                         <p:par>
-                          <p:cTn fill="hold">
+                          <p:cTn id="9" fill="hold">
                             <p:stCondLst>
                               <p:cond delay="0"/>
                             </p:stCondLst>
                             <p:childTnLst>
                               <p:par>
-                                <p:cTn fill="hold" nodeType="clickEffect" presetClass="entr" presetID="2" presetSubtype="8">
+                                <p:cTn id="10" presetID="2" presetClass="entr" presetSubtype="8" fill="hold" nodeType="clickEffect">
                                   <p:stCondLst>
                                     <p:cond delay="0"/>
                                   </p:stCondLst>
                                   <p:childTnLst>
                                     <p:set>
                                       <p:cBhvr>
-                                        <p:cTn dur="1" fill="hold">
+                                        <p:cTn id="11" dur="1" fill="hold">
                                           <p:stCondLst>
                                             <p:cond delay="0"/>
                                           </p:stCondLst>
@@ -12792,7 +12981,7 @@
                                     </p:set>
                                     <p:anim calcmode="lin" valueType="num">
                                       <p:cBhvr additive="base">
-                                        <p:cTn dur="1000"/>
+                                        <p:cTn id="12" dur="1000"/>
                                         <p:tgtEl>
                                           <p:spTgt spid="116"/>
                                         </p:tgtEl>
@@ -12801,12 +12990,12 @@
                                         </p:attrNameLst>
                                       </p:cBhvr>
                                       <p:tavLst>
-                                        <p:tav fmla="" tm="0">
+                                        <p:tav tm="0">
                                           <p:val>
                                             <p:strVal val="#ppt_x-1"/>
                                           </p:val>
                                         </p:tav>
-                                        <p:tav fmla="" tm="100000">
+                                        <p:tav tm="100000">
                                           <p:val>
                                             <p:strVal val="#ppt_x"/>
                                           </p:val>
@@ -12823,26 +13012,26 @@
                     </p:cTn>
                   </p:par>
                   <p:par>
-                    <p:cTn fill="hold">
+                    <p:cTn id="13" fill="hold">
                       <p:stCondLst>
                         <p:cond delay="indefinite"/>
                       </p:stCondLst>
                       <p:childTnLst>
                         <p:par>
-                          <p:cTn fill="hold">
+                          <p:cTn id="14" fill="hold">
                             <p:stCondLst>
                               <p:cond delay="0"/>
                             </p:stCondLst>
                             <p:childTnLst>
                               <p:par>
-                                <p:cTn fill="hold" nodeType="clickEffect" presetClass="entr" presetID="2" presetSubtype="8">
+                                <p:cTn id="15" presetID="2" presetClass="entr" presetSubtype="8" fill="hold" nodeType="clickEffect">
                                   <p:stCondLst>
                                     <p:cond delay="0"/>
                                   </p:stCondLst>
                                   <p:childTnLst>
                                     <p:set>
                                       <p:cBhvr>
-                                        <p:cTn dur="1" fill="hold">
+                                        <p:cTn id="16" dur="1" fill="hold">
                                           <p:stCondLst>
                                             <p:cond delay="0"/>
                                           </p:stCondLst>
@@ -12860,7 +13049,7 @@
                                     </p:set>
                                     <p:anim calcmode="lin" valueType="num">
                                       <p:cBhvr additive="base">
-                                        <p:cTn dur="1000"/>
+                                        <p:cTn id="17" dur="1000"/>
                                         <p:tgtEl>
                                           <p:spTgt spid="114"/>
                                         </p:tgtEl>
@@ -12869,12 +13058,12 @@
                                         </p:attrNameLst>
                                       </p:cBhvr>
                                       <p:tavLst>
-                                        <p:tav fmla="" tm="0">
+                                        <p:tav tm="0">
                                           <p:val>
                                             <p:strVal val="#ppt_x-1"/>
                                           </p:val>
                                         </p:tav>
-                                        <p:tav fmla="" tm="100000">
+                                        <p:tav tm="100000">
                                           <p:val>
                                             <p:strVal val="#ppt_x"/>
                                           </p:val>
@@ -12891,26 +13080,26 @@
                     </p:cTn>
                   </p:par>
                   <p:par>
-                    <p:cTn fill="hold">
+                    <p:cTn id="18" fill="hold">
                       <p:stCondLst>
                         <p:cond delay="indefinite"/>
                       </p:stCondLst>
                       <p:childTnLst>
                         <p:par>
-                          <p:cTn fill="hold">
+                          <p:cTn id="19" fill="hold">
                             <p:stCondLst>
                               <p:cond delay="0"/>
                             </p:stCondLst>
                             <p:childTnLst>
                               <p:par>
-                                <p:cTn fill="hold" nodeType="clickEffect" presetClass="entr" presetID="2" presetSubtype="8">
+                                <p:cTn id="20" presetID="2" presetClass="entr" presetSubtype="8" fill="hold" nodeType="clickEffect">
                                   <p:stCondLst>
                                     <p:cond delay="0"/>
                                   </p:stCondLst>
                                   <p:childTnLst>
                                     <p:set>
                                       <p:cBhvr>
-                                        <p:cTn dur="1" fill="hold">
+                                        <p:cTn id="21" dur="1" fill="hold">
                                           <p:stCondLst>
                                             <p:cond delay="0"/>
                                           </p:stCondLst>
@@ -12928,7 +13117,7 @@
                                     </p:set>
                                     <p:anim calcmode="lin" valueType="num">
                                       <p:cBhvr additive="base">
-                                        <p:cTn dur="1000"/>
+                                        <p:cTn id="22" dur="1000"/>
                                         <p:tgtEl>
                                           <p:spTgt spid="113"/>
                                         </p:tgtEl>
@@ -12937,12 +13126,12 @@
                                         </p:attrNameLst>
                                       </p:cBhvr>
                                       <p:tavLst>
-                                        <p:tav fmla="" tm="0">
+                                        <p:tav tm="0">
                                           <p:val>
                                             <p:strVal val="#ppt_x-1"/>
                                           </p:val>
                                         </p:tav>
-                                        <p:tav fmla="" tm="100000">
+                                        <p:tav tm="100000">
                                           <p:val>
                                             <p:strVal val="#ppt_x"/>
                                           </p:val>
@@ -12961,14 +13150,14 @@
                 </p:childTnLst>
               </p:cTn>
               <p:prevCondLst>
-                <p:cond evt="onPrev">
+                <p:cond evt="onPrev" delay="0">
                   <p:tgtEl>
                     <p:sldTgt/>
                   </p:tgtEl>
                 </p:cond>
               </p:prevCondLst>
               <p:nextCondLst>
-                <p:cond evt="onNext">
+                <p:cond evt="onNext" delay="0">
                   <p:tgtEl>
                     <p:sldTgt/>
                   </p:tgtEl>
@@ -12984,18 +13173,19 @@
 </file>
 
 <file path=ppt/slides/slide8.xml><?xml version="1.0" encoding="utf-8"?>
-<p:sld xmlns:a="http://schemas.openxmlformats.org/drawingml/2006/main" xmlns:r="http://schemas.openxmlformats.org/officeDocument/2006/relationships" xmlns:mc="http://schemas.openxmlformats.org/markup-compatibility/2006" xmlns:mv="urn:schemas-microsoft-com:mac:vml" xmlns:p="http://schemas.openxmlformats.org/presentationml/2006/main" xmlns:c="http://schemas.openxmlformats.org/drawingml/2006/chart" xmlns:dgm="http://schemas.openxmlformats.org/drawingml/2006/diagram" xmlns:o="urn:schemas-microsoft-com:office:office" xmlns:v="urn:schemas-microsoft-com:vml" xmlns:pvml="urn:schemas-microsoft-com:office:powerpoint" xmlns:com="http://schemas.openxmlformats.org/drawingml/2006/compatibility" xmlns:p14="http://schemas.microsoft.com/office/powerpoint/2010/main" xmlns:p15="http://schemas.microsoft.com/office/powerpoint/2012/main" xmlns:ahyp="http://schemas.microsoft.com/office/drawing/2018/hyperlinkcolor">
+<p:sld xmlns:a="http://schemas.openxmlformats.org/drawingml/2006/main" xmlns:r="http://schemas.openxmlformats.org/officeDocument/2006/relationships" xmlns:p="http://schemas.openxmlformats.org/presentationml/2006/main">
   <p:cSld>
     <p:bg>
       <p:bgPr>
         <a:solidFill>
           <a:schemeClr val="dk1"/>
         </a:solidFill>
+        <a:effectLst/>
       </p:bgPr>
     </p:bg>
     <p:spTree>
       <p:nvGrpSpPr>
-        <p:cNvPr id="120" name="Shape 120"/>
+        <p:cNvPr id="1" name="Shape 120"/>
         <p:cNvGrpSpPr/>
         <p:nvPr/>
       </p:nvGrpSpPr>
@@ -13010,7 +13200,9 @@
       <p:sp>
         <p:nvSpPr>
           <p:cNvPr id="121" name="Google Shape;121;p20"/>
-          <p:cNvSpPr txBox="1"/>
+          <p:cNvSpPr txBox="1">
+            <a:spLocks noGrp="1"/>
+          </p:cNvSpPr>
           <p:nvPr>
             <p:ph type="title"/>
           </p:nvPr>
@@ -13025,12 +13217,12 @@
           </a:prstGeom>
         </p:spPr>
         <p:txBody>
-          <a:bodyPr anchorCtr="0" anchor="t" bIns="91425" lIns="91425" spcFirstLastPara="1" rIns="91425" wrap="square" tIns="91425">
+          <a:bodyPr spcFirstLastPara="1" wrap="square" lIns="91425" tIns="91425" rIns="91425" bIns="91425" anchor="t" anchorCtr="0">
             <a:normAutofit fontScale="90000"/>
           </a:bodyPr>
           <a:lstStyle/>
           <a:p>
-            <a:pPr indent="0" lvl="0" marL="0" rtl="0" algn="l">
+            <a:pPr marL="0" lvl="0" indent="0" algn="l" rtl="0">
               <a:spcBef>
                 <a:spcPts val="0"/>
               </a:spcBef>
@@ -13058,9 +13250,11 @@
       <p:sp>
         <p:nvSpPr>
           <p:cNvPr id="122" name="Google Shape;122;p20"/>
-          <p:cNvSpPr txBox="1"/>
+          <p:cNvSpPr txBox="1">
+            <a:spLocks noGrp="1"/>
+          </p:cNvSpPr>
           <p:nvPr>
-            <p:ph idx="1" type="body"/>
+            <p:ph type="body" idx="1"/>
           </p:nvPr>
         </p:nvSpPr>
         <p:spPr>
@@ -13073,12 +13267,12 @@
           </a:prstGeom>
         </p:spPr>
         <p:txBody>
-          <a:bodyPr anchorCtr="0" anchor="t" bIns="91425" lIns="91425" spcFirstLastPara="1" rIns="91425" wrap="square" tIns="91425">
+          <a:bodyPr spcFirstLastPara="1" wrap="square" lIns="91425" tIns="91425" rIns="91425" bIns="91425" anchor="t" anchorCtr="0">
             <a:normAutofit/>
           </a:bodyPr>
           <a:lstStyle/>
           <a:p>
-            <a:pPr indent="0" lvl="0" marL="0" rtl="0" algn="l">
+            <a:pPr marL="0" lvl="0" indent="0" algn="l" rtl="0">
               <a:spcBef>
                 <a:spcPts val="0"/>
               </a:spcBef>
@@ -13087,9 +13281,6 @@
               </a:spcAft>
               <a:buNone/>
             </a:pPr>
-            <a:r>
-              <a:t/>
-            </a:r>
             <a:endParaRPr>
               <a:solidFill>
                 <a:schemeClr val="lt1"/>
@@ -13101,9 +13292,11 @@
       <p:sp>
         <p:nvSpPr>
           <p:cNvPr id="123" name="Google Shape;123;p20"/>
-          <p:cNvSpPr txBox="1"/>
+          <p:cNvSpPr txBox="1">
+            <a:spLocks noGrp="1"/>
+          </p:cNvSpPr>
           <p:nvPr>
-            <p:ph idx="12" type="sldNum"/>
+            <p:ph type="sldNum" idx="12"/>
           </p:nvPr>
         </p:nvSpPr>
         <p:spPr>
@@ -13116,12 +13309,12 @@
           </a:prstGeom>
         </p:spPr>
         <p:txBody>
-          <a:bodyPr anchorCtr="0" anchor="ctr" bIns="91425" lIns="91425" spcFirstLastPara="1" rIns="91425" wrap="square" tIns="91425">
+          <a:bodyPr spcFirstLastPara="1" wrap="square" lIns="91425" tIns="91425" rIns="91425" bIns="91425" anchor="ctr" anchorCtr="0">
             <a:normAutofit/>
           </a:bodyPr>
           <a:lstStyle/>
           <a:p>
-            <a:pPr indent="0" lvl="0" marL="0" rtl="0" algn="r">
+            <a:pPr marL="0" lvl="0" indent="0" algn="r" rtl="0">
               <a:spcBef>
                 <a:spcPts val="0"/>
               </a:spcBef>
@@ -13136,7 +13329,7 @@
                   <a:schemeClr val="lt1"/>
                 </a:solidFill>
               </a:rPr>
-              <a:t>‹#›</a:t>
+              <a:t>8</a:t>
             </a:fld>
             <a:endParaRPr>
               <a:solidFill>
@@ -13158,9 +13351,13 @@
             <a:ext cx="284103" cy="267977"/>
           </a:xfrm>
           <a:custGeom>
-            <a:rect b="b" l="l" r="r" t="t"/>
+            <a:avLst/>
+            <a:gdLst/>
+            <a:ahLst/>
+            <a:cxnLst/>
+            <a:rect l="l" t="t" r="r" b="b"/>
             <a:pathLst>
-              <a:path extrusionOk="0" h="2122" w="2821">
+              <a:path w="2821" h="2122" extrusionOk="0">
                 <a:moveTo>
                   <a:pt x="1761" y="1"/>
                 </a:moveTo>
@@ -13198,23 +13395,23 @@
           <a:solidFill>
             <a:schemeClr val="accent5"/>
           </a:solidFill>
-          <a:ln cap="flat" cmpd="sng" w="9525">
+          <a:ln w="9525" cap="flat" cmpd="sng">
             <a:solidFill>
               <a:schemeClr val="accent5"/>
             </a:solidFill>
             <a:prstDash val="solid"/>
             <a:round/>
-            <a:headEnd len="sm" w="sm" type="none"/>
-            <a:tailEnd len="sm" w="sm" type="none"/>
+            <a:headEnd type="none" w="sm" len="sm"/>
+            <a:tailEnd type="none" w="sm" len="sm"/>
           </a:ln>
         </p:spPr>
         <p:txBody>
-          <a:bodyPr anchorCtr="0" anchor="ctr" bIns="91425" lIns="91425" spcFirstLastPara="1" rIns="91425" wrap="square" tIns="91425">
+          <a:bodyPr spcFirstLastPara="1" wrap="square" lIns="91425" tIns="91425" rIns="91425" bIns="91425" anchor="ctr" anchorCtr="0">
             <a:noAutofit/>
           </a:bodyPr>
           <a:lstStyle/>
           <a:p>
-            <a:pPr indent="0" lvl="0" marL="0" rtl="0" algn="l">
+            <a:pPr marL="0" lvl="0" indent="0" algn="l" rtl="0">
               <a:spcBef>
                 <a:spcPts val="0"/>
               </a:spcBef>
@@ -13223,9 +13420,6 @@
               </a:spcAft>
               <a:buNone/>
             </a:pPr>
-            <a:r>
-              <a:t/>
-            </a:r>
             <a:endParaRPr/>
           </a:p>
         </p:txBody>
@@ -13242,9 +13436,13 @@
             <a:ext cx="284103" cy="267977"/>
           </a:xfrm>
           <a:custGeom>
-            <a:rect b="b" l="l" r="r" t="t"/>
+            <a:avLst/>
+            <a:gdLst/>
+            <a:ahLst/>
+            <a:cxnLst/>
+            <a:rect l="l" t="t" r="r" b="b"/>
             <a:pathLst>
-              <a:path extrusionOk="0" h="2122" w="2821">
+              <a:path w="2821" h="2122" extrusionOk="0">
                 <a:moveTo>
                   <a:pt x="1761" y="1"/>
                 </a:moveTo>
@@ -13282,23 +13480,23 @@
           <a:solidFill>
             <a:schemeClr val="accent5"/>
           </a:solidFill>
-          <a:ln cap="flat" cmpd="sng" w="9525">
+          <a:ln w="9525" cap="flat" cmpd="sng">
             <a:solidFill>
               <a:schemeClr val="accent5"/>
             </a:solidFill>
             <a:prstDash val="solid"/>
             <a:round/>
-            <a:headEnd len="sm" w="sm" type="none"/>
-            <a:tailEnd len="sm" w="sm" type="none"/>
+            <a:headEnd type="none" w="sm" len="sm"/>
+            <a:tailEnd type="none" w="sm" len="sm"/>
           </a:ln>
         </p:spPr>
         <p:txBody>
-          <a:bodyPr anchorCtr="0" anchor="ctr" bIns="91425" lIns="91425" spcFirstLastPara="1" rIns="91425" wrap="square" tIns="91425">
+          <a:bodyPr spcFirstLastPara="1" wrap="square" lIns="91425" tIns="91425" rIns="91425" bIns="91425" anchor="ctr" anchorCtr="0">
             <a:noAutofit/>
           </a:bodyPr>
           <a:lstStyle/>
           <a:p>
-            <a:pPr indent="0" lvl="0" marL="0" rtl="0" algn="l">
+            <a:pPr marL="0" lvl="0" indent="0" algn="l" rtl="0">
               <a:spcBef>
                 <a:spcPts val="0"/>
               </a:spcBef>
@@ -13307,9 +13505,6 @@
               </a:spcAft>
               <a:buNone/>
             </a:pPr>
-            <a:r>
-              <a:t/>
-            </a:r>
             <a:endParaRPr/>
           </a:p>
         </p:txBody>
@@ -13406,32 +13601,32 @@
   <p:timing>
     <p:tnLst>
       <p:par>
-        <p:cTn dur="indefinite" nodeType="tmRoot" restart="never">
+        <p:cTn id="1" dur="indefinite" restart="never" nodeType="tmRoot">
           <p:childTnLst>
             <p:seq concurrent="1" nextAc="seek">
-              <p:cTn dur="indefinite" id="2" nodeType="mainSeq">
+              <p:cTn id="2" dur="indefinite" nodeType="mainSeq">
                 <p:childTnLst>
                   <p:par>
-                    <p:cTn fill="hold">
+                    <p:cTn id="3" fill="hold">
                       <p:stCondLst>
                         <p:cond delay="indefinite"/>
                       </p:stCondLst>
                       <p:childTnLst>
                         <p:par>
-                          <p:cTn fill="hold">
+                          <p:cTn id="4" fill="hold">
                             <p:stCondLst>
                               <p:cond delay="0"/>
                             </p:stCondLst>
                             <p:childTnLst>
                               <p:par>
-                                <p:cTn fill="hold" nodeType="clickEffect" presetClass="entr" presetID="2" presetSubtype="8">
+                                <p:cTn id="5" presetID="2" presetClass="entr" presetSubtype="8" fill="hold" nodeType="clickEffect">
                                   <p:stCondLst>
                                     <p:cond delay="0"/>
                                   </p:stCondLst>
                                   <p:childTnLst>
                                     <p:set>
                                       <p:cBhvr>
-                                        <p:cTn dur="1" fill="hold">
+                                        <p:cTn id="6" dur="1" fill="hold">
                                           <p:stCondLst>
                                             <p:cond delay="0"/>
                                           </p:stCondLst>
@@ -13449,7 +13644,7 @@
                                     </p:set>
                                     <p:anim calcmode="lin" valueType="num">
                                       <p:cBhvr additive="base">
-                                        <p:cTn dur="1000"/>
+                                        <p:cTn id="7" dur="1000"/>
                                         <p:tgtEl>
                                           <p:spTgt spid="125"/>
                                         </p:tgtEl>
@@ -13458,12 +13653,12 @@
                                         </p:attrNameLst>
                                       </p:cBhvr>
                                       <p:tavLst>
-                                        <p:tav fmla="" tm="0">
+                                        <p:tav tm="0">
                                           <p:val>
                                             <p:strVal val="#ppt_x-1"/>
                                           </p:val>
                                         </p:tav>
-                                        <p:tav fmla="" tm="100000">
+                                        <p:tav tm="100000">
                                           <p:val>
                                             <p:strVal val="#ppt_x"/>
                                           </p:val>
@@ -13480,26 +13675,26 @@
                     </p:cTn>
                   </p:par>
                   <p:par>
-                    <p:cTn fill="hold">
+                    <p:cTn id="8" fill="hold">
                       <p:stCondLst>
                         <p:cond delay="indefinite"/>
                       </p:stCondLst>
                       <p:childTnLst>
                         <p:par>
-                          <p:cTn fill="hold">
+                          <p:cTn id="9" fill="hold">
                             <p:stCondLst>
                               <p:cond delay="0"/>
                             </p:stCondLst>
                             <p:childTnLst>
                               <p:par>
-                                <p:cTn fill="hold" nodeType="clickEffect" presetClass="entr" presetID="2" presetSubtype="8">
+                                <p:cTn id="10" presetID="2" presetClass="entr" presetSubtype="8" fill="hold" nodeType="clickEffect">
                                   <p:stCondLst>
                                     <p:cond delay="0"/>
                                   </p:stCondLst>
                                   <p:childTnLst>
                                     <p:set>
                                       <p:cBhvr>
-                                        <p:cTn dur="1" fill="hold">
+                                        <p:cTn id="11" dur="1" fill="hold">
                                           <p:stCondLst>
                                             <p:cond delay="0"/>
                                           </p:stCondLst>
@@ -13517,7 +13712,7 @@
                                     </p:set>
                                     <p:anim calcmode="lin" valueType="num">
                                       <p:cBhvr additive="base">
-                                        <p:cTn dur="1000"/>
+                                        <p:cTn id="12" dur="1000"/>
                                         <p:tgtEl>
                                           <p:spTgt spid="128"/>
                                         </p:tgtEl>
@@ -13526,12 +13721,12 @@
                                         </p:attrNameLst>
                                       </p:cBhvr>
                                       <p:tavLst>
-                                        <p:tav fmla="" tm="0">
+                                        <p:tav tm="0">
                                           <p:val>
                                             <p:strVal val="#ppt_x-1"/>
                                           </p:val>
                                         </p:tav>
-                                        <p:tav fmla="" tm="100000">
+                                        <p:tav tm="100000">
                                           <p:val>
                                             <p:strVal val="#ppt_x"/>
                                           </p:val>
@@ -13548,26 +13743,26 @@
                     </p:cTn>
                   </p:par>
                   <p:par>
-                    <p:cTn fill="hold">
+                    <p:cTn id="13" fill="hold">
                       <p:stCondLst>
                         <p:cond delay="indefinite"/>
                       </p:stCondLst>
                       <p:childTnLst>
                         <p:par>
-                          <p:cTn fill="hold">
+                          <p:cTn id="14" fill="hold">
                             <p:stCondLst>
                               <p:cond delay="0"/>
                             </p:stCondLst>
                             <p:childTnLst>
                               <p:par>
-                                <p:cTn fill="hold" nodeType="clickEffect" presetClass="entr" presetID="2" presetSubtype="8">
+                                <p:cTn id="15" presetID="2" presetClass="entr" presetSubtype="8" fill="hold" nodeType="clickEffect">
                                   <p:stCondLst>
                                     <p:cond delay="0"/>
                                   </p:stCondLst>
                                   <p:childTnLst>
                                     <p:set>
                                       <p:cBhvr>
-                                        <p:cTn dur="1" fill="hold">
+                                        <p:cTn id="16" dur="1" fill="hold">
                                           <p:stCondLst>
                                             <p:cond delay="0"/>
                                           </p:stCondLst>
@@ -13585,7 +13780,7 @@
                                     </p:set>
                                     <p:anim calcmode="lin" valueType="num">
                                       <p:cBhvr additive="base">
-                                        <p:cTn dur="1000"/>
+                                        <p:cTn id="17" dur="1000"/>
                                         <p:tgtEl>
                                           <p:spTgt spid="124"/>
                                         </p:tgtEl>
@@ -13594,12 +13789,12 @@
                                         </p:attrNameLst>
                                       </p:cBhvr>
                                       <p:tavLst>
-                                        <p:tav fmla="" tm="0">
+                                        <p:tav tm="0">
                                           <p:val>
                                             <p:strVal val="#ppt_x-1"/>
                                           </p:val>
                                         </p:tav>
-                                        <p:tav fmla="" tm="100000">
+                                        <p:tav tm="100000">
                                           <p:val>
                                             <p:strVal val="#ppt_x"/>
                                           </p:val>
@@ -13616,26 +13811,26 @@
                     </p:cTn>
                   </p:par>
                   <p:par>
-                    <p:cTn fill="hold">
+                    <p:cTn id="18" fill="hold">
                       <p:stCondLst>
                         <p:cond delay="indefinite"/>
                       </p:stCondLst>
                       <p:childTnLst>
                         <p:par>
-                          <p:cTn fill="hold">
+                          <p:cTn id="19" fill="hold">
                             <p:stCondLst>
                               <p:cond delay="0"/>
                             </p:stCondLst>
                             <p:childTnLst>
                               <p:par>
-                                <p:cTn fill="hold" nodeType="clickEffect" presetClass="entr" presetID="2" presetSubtype="8">
+                                <p:cTn id="20" presetID="2" presetClass="entr" presetSubtype="8" fill="hold" nodeType="clickEffect">
                                   <p:stCondLst>
                                     <p:cond delay="0"/>
                                   </p:stCondLst>
                                   <p:childTnLst>
                                     <p:set>
                                       <p:cBhvr>
-                                        <p:cTn dur="1" fill="hold">
+                                        <p:cTn id="21" dur="1" fill="hold">
                                           <p:stCondLst>
                                             <p:cond delay="0"/>
                                           </p:stCondLst>
@@ -13653,7 +13848,7 @@
                                     </p:set>
                                     <p:anim calcmode="lin" valueType="num">
                                       <p:cBhvr additive="base">
-                                        <p:cTn dur="1000"/>
+                                        <p:cTn id="22" dur="1000"/>
                                         <p:tgtEl>
                                           <p:spTgt spid="127"/>
                                         </p:tgtEl>
@@ -13662,12 +13857,12 @@
                                         </p:attrNameLst>
                                       </p:cBhvr>
                                       <p:tavLst>
-                                        <p:tav fmla="" tm="0">
+                                        <p:tav tm="0">
                                           <p:val>
                                             <p:strVal val="#ppt_x-1"/>
                                           </p:val>
                                         </p:tav>
-                                        <p:tav fmla="" tm="100000">
+                                        <p:tav tm="100000">
                                           <p:val>
                                             <p:strVal val="#ppt_x"/>
                                           </p:val>
@@ -13686,14 +13881,14 @@
                 </p:childTnLst>
               </p:cTn>
               <p:prevCondLst>
-                <p:cond evt="onPrev">
+                <p:cond evt="onPrev" delay="0">
                   <p:tgtEl>
                     <p:sldTgt/>
                   </p:tgtEl>
                 </p:cond>
               </p:prevCondLst>
               <p:nextCondLst>
-                <p:cond evt="onNext">
+                <p:cond evt="onNext" delay="0">
                   <p:tgtEl>
                     <p:sldTgt/>
                   </p:tgtEl>
@@ -13709,18 +13904,19 @@
 </file>
 
 <file path=ppt/slides/slide9.xml><?xml version="1.0" encoding="utf-8"?>
-<p:sld xmlns:a="http://schemas.openxmlformats.org/drawingml/2006/main" xmlns:r="http://schemas.openxmlformats.org/officeDocument/2006/relationships" xmlns:mc="http://schemas.openxmlformats.org/markup-compatibility/2006" xmlns:mv="urn:schemas-microsoft-com:mac:vml" xmlns:p="http://schemas.openxmlformats.org/presentationml/2006/main" xmlns:c="http://schemas.openxmlformats.org/drawingml/2006/chart" xmlns:dgm="http://schemas.openxmlformats.org/drawingml/2006/diagram" xmlns:o="urn:schemas-microsoft-com:office:office" xmlns:v="urn:schemas-microsoft-com:vml" xmlns:pvml="urn:schemas-microsoft-com:office:powerpoint" xmlns:com="http://schemas.openxmlformats.org/drawingml/2006/compatibility" xmlns:p14="http://schemas.microsoft.com/office/powerpoint/2010/main" xmlns:p15="http://schemas.microsoft.com/office/powerpoint/2012/main" xmlns:ahyp="http://schemas.microsoft.com/office/drawing/2018/hyperlinkcolor">
+<p:sld xmlns:a="http://schemas.openxmlformats.org/drawingml/2006/main" xmlns:r="http://schemas.openxmlformats.org/officeDocument/2006/relationships" xmlns:p="http://schemas.openxmlformats.org/presentationml/2006/main">
   <p:cSld>
     <p:bg>
       <p:bgPr>
         <a:solidFill>
           <a:schemeClr val="dk1"/>
         </a:solidFill>
+        <a:effectLst/>
       </p:bgPr>
     </p:bg>
     <p:spTree>
       <p:nvGrpSpPr>
-        <p:cNvPr id="132" name="Shape 132"/>
+        <p:cNvPr id="1" name="Shape 132"/>
         <p:cNvGrpSpPr/>
         <p:nvPr/>
       </p:nvGrpSpPr>
@@ -13735,7 +13931,9 @@
       <p:sp>
         <p:nvSpPr>
           <p:cNvPr id="133" name="Google Shape;133;p21"/>
-          <p:cNvSpPr txBox="1"/>
+          <p:cNvSpPr txBox="1">
+            <a:spLocks noGrp="1"/>
+          </p:cNvSpPr>
           <p:nvPr>
             <p:ph type="title"/>
           </p:nvPr>
@@ -13750,12 +13948,12 @@
           </a:prstGeom>
         </p:spPr>
         <p:txBody>
-          <a:bodyPr anchorCtr="0" anchor="t" bIns="91425" lIns="91425" spcFirstLastPara="1" rIns="91425" wrap="square" tIns="91425">
+          <a:bodyPr spcFirstLastPara="1" wrap="square" lIns="91425" tIns="91425" rIns="91425" bIns="91425" anchor="t" anchorCtr="0">
             <a:normAutofit fontScale="90000"/>
           </a:bodyPr>
           <a:lstStyle/>
           <a:p>
-            <a:pPr indent="0" lvl="0" marL="0" rtl="0" algn="l">
+            <a:pPr marL="0" lvl="0" indent="0" algn="l" rtl="0">
               <a:spcBef>
                 <a:spcPts val="0"/>
               </a:spcBef>
@@ -13783,9 +13981,11 @@
       <p:sp>
         <p:nvSpPr>
           <p:cNvPr id="134" name="Google Shape;134;p21"/>
-          <p:cNvSpPr txBox="1"/>
+          <p:cNvSpPr txBox="1">
+            <a:spLocks noGrp="1"/>
+          </p:cNvSpPr>
           <p:nvPr>
-            <p:ph idx="1" type="body"/>
+            <p:ph type="body" idx="1"/>
           </p:nvPr>
         </p:nvSpPr>
         <p:spPr>
@@ -13798,12 +13998,12 @@
           </a:prstGeom>
         </p:spPr>
         <p:txBody>
-          <a:bodyPr anchorCtr="0" anchor="t" bIns="91425" lIns="91425" spcFirstLastPara="1" rIns="91425" wrap="square" tIns="91425">
+          <a:bodyPr spcFirstLastPara="1" wrap="square" lIns="91425" tIns="91425" rIns="91425" bIns="91425" anchor="t" anchorCtr="0">
             <a:normAutofit/>
           </a:bodyPr>
           <a:lstStyle/>
           <a:p>
-            <a:pPr indent="457200" lvl="0" marL="0" rtl="0" algn="just">
+            <a:pPr marL="0" lvl="0" indent="457200" algn="just" rtl="0">
               <a:spcBef>
                 <a:spcPts val="0"/>
               </a:spcBef>
@@ -13827,7 +14027,7 @@
             </a:endParaRPr>
           </a:p>
           <a:p>
-            <a:pPr indent="457200" lvl="0" marL="0" rtl="0" algn="just">
+            <a:pPr marL="0" lvl="0" indent="457200" algn="just" rtl="0">
               <a:spcBef>
                 <a:spcPts val="1200"/>
               </a:spcBef>
@@ -13851,7 +14051,7 @@
             </a:endParaRPr>
           </a:p>
           <a:p>
-            <a:pPr indent="457200" lvl="0" marL="0" rtl="0" algn="just">
+            <a:pPr marL="0" lvl="0" indent="457200" algn="just" rtl="0">
               <a:spcBef>
                 <a:spcPts val="1200"/>
               </a:spcBef>
@@ -13879,9 +14079,11 @@
       <p:sp>
         <p:nvSpPr>
           <p:cNvPr id="135" name="Google Shape;135;p21"/>
-          <p:cNvSpPr txBox="1"/>
+          <p:cNvSpPr txBox="1">
+            <a:spLocks noGrp="1"/>
+          </p:cNvSpPr>
           <p:nvPr>
-            <p:ph idx="12" type="sldNum"/>
+            <p:ph type="sldNum" idx="12"/>
           </p:nvPr>
         </p:nvSpPr>
         <p:spPr>
@@ -13894,12 +14096,12 @@
           </a:prstGeom>
         </p:spPr>
         <p:txBody>
-          <a:bodyPr anchorCtr="0" anchor="ctr" bIns="91425" lIns="91425" spcFirstLastPara="1" rIns="91425" wrap="square" tIns="91425">
+          <a:bodyPr spcFirstLastPara="1" wrap="square" lIns="91425" tIns="91425" rIns="91425" bIns="91425" anchor="ctr" anchorCtr="0">
             <a:normAutofit/>
           </a:bodyPr>
           <a:lstStyle/>
           <a:p>
-            <a:pPr indent="0" lvl="0" marL="0" rtl="0" algn="r">
+            <a:pPr marL="0" lvl="0" indent="0" algn="r" rtl="0">
               <a:spcBef>
                 <a:spcPts val="0"/>
               </a:spcBef>
@@ -13914,7 +14116,7 @@
                   <a:schemeClr val="lt1"/>
                 </a:solidFill>
               </a:rPr>
-              <a:t>‹#›</a:t>
+              <a:t>9</a:t>
             </a:fld>
             <a:endParaRPr>
               <a:solidFill>
@@ -13936,9 +14138,13 @@
             <a:ext cx="256538" cy="266324"/>
           </a:xfrm>
           <a:custGeom>
-            <a:rect b="b" l="l" r="r" t="t"/>
+            <a:avLst/>
+            <a:gdLst/>
+            <a:ahLst/>
+            <a:cxnLst/>
+            <a:rect l="l" t="t" r="r" b="b"/>
             <a:pathLst>
-              <a:path extrusionOk="0" h="11573" w="11574">
+              <a:path w="11574" h="11573" extrusionOk="0">
                 <a:moveTo>
                   <a:pt x="10680" y="333"/>
                 </a:moveTo>
@@ -14575,23 +14781,23 @@
           <a:solidFill>
             <a:srgbClr val="657E93"/>
           </a:solidFill>
-          <a:ln cap="flat" cmpd="sng" w="9525">
+          <a:ln w="9525" cap="flat" cmpd="sng">
             <a:solidFill>
               <a:schemeClr val="lt1"/>
             </a:solidFill>
             <a:prstDash val="solid"/>
             <a:round/>
-            <a:headEnd len="sm" w="sm" type="none"/>
-            <a:tailEnd len="sm" w="sm" type="none"/>
+            <a:headEnd type="none" w="sm" len="sm"/>
+            <a:tailEnd type="none" w="sm" len="sm"/>
           </a:ln>
         </p:spPr>
         <p:txBody>
-          <a:bodyPr anchorCtr="0" anchor="ctr" bIns="91425" lIns="91425" spcFirstLastPara="1" rIns="91425" wrap="square" tIns="91425">
+          <a:bodyPr spcFirstLastPara="1" wrap="square" lIns="91425" tIns="91425" rIns="91425" bIns="91425" anchor="ctr" anchorCtr="0">
             <a:noAutofit/>
           </a:bodyPr>
           <a:lstStyle/>
           <a:p>
-            <a:pPr indent="0" lvl="0" marL="0" rtl="0" algn="l">
+            <a:pPr marL="0" lvl="0" indent="0" algn="l" rtl="0">
               <a:spcBef>
                 <a:spcPts val="0"/>
               </a:spcBef>
@@ -14600,9 +14806,6 @@
               </a:spcAft>
               <a:buNone/>
             </a:pPr>
-            <a:r>
-              <a:t/>
-            </a:r>
             <a:endParaRPr/>
           </a:p>
         </p:txBody>
@@ -14619,9 +14822,13 @@
             <a:ext cx="256538" cy="266324"/>
           </a:xfrm>
           <a:custGeom>
-            <a:rect b="b" l="l" r="r" t="t"/>
+            <a:avLst/>
+            <a:gdLst/>
+            <a:ahLst/>
+            <a:cxnLst/>
+            <a:rect l="l" t="t" r="r" b="b"/>
             <a:pathLst>
-              <a:path extrusionOk="0" h="11573" w="11574">
+              <a:path w="11574" h="11573" extrusionOk="0">
                 <a:moveTo>
                   <a:pt x="10680" y="333"/>
                 </a:moveTo>
@@ -15258,23 +15465,23 @@
           <a:solidFill>
             <a:srgbClr val="657E93"/>
           </a:solidFill>
-          <a:ln cap="flat" cmpd="sng" w="9525">
+          <a:ln w="9525" cap="flat" cmpd="sng">
             <a:solidFill>
               <a:schemeClr val="lt1"/>
             </a:solidFill>
             <a:prstDash val="solid"/>
             <a:round/>
-            <a:headEnd len="sm" w="sm" type="none"/>
-            <a:tailEnd len="sm" w="sm" type="none"/>
+            <a:headEnd type="none" w="sm" len="sm"/>
+            <a:tailEnd type="none" w="sm" len="sm"/>
           </a:ln>
         </p:spPr>
         <p:txBody>
-          <a:bodyPr anchorCtr="0" anchor="ctr" bIns="91425" lIns="91425" spcFirstLastPara="1" rIns="91425" wrap="square" tIns="91425">
+          <a:bodyPr spcFirstLastPara="1" wrap="square" lIns="91425" tIns="91425" rIns="91425" bIns="91425" anchor="ctr" anchorCtr="0">
             <a:noAutofit/>
           </a:bodyPr>
           <a:lstStyle/>
           <a:p>
-            <a:pPr indent="0" lvl="0" marL="0" rtl="0" algn="l">
+            <a:pPr marL="0" lvl="0" indent="0" algn="l" rtl="0">
               <a:spcBef>
                 <a:spcPts val="0"/>
               </a:spcBef>
@@ -15283,9 +15490,6 @@
               </a:spcAft>
               <a:buNone/>
             </a:pPr>
-            <a:r>
-              <a:t/>
-            </a:r>
             <a:endParaRPr/>
           </a:p>
         </p:txBody>
@@ -15302,9 +15506,13 @@
             <a:ext cx="256538" cy="266324"/>
           </a:xfrm>
           <a:custGeom>
-            <a:rect b="b" l="l" r="r" t="t"/>
+            <a:avLst/>
+            <a:gdLst/>
+            <a:ahLst/>
+            <a:cxnLst/>
+            <a:rect l="l" t="t" r="r" b="b"/>
             <a:pathLst>
-              <a:path extrusionOk="0" h="11573" w="11574">
+              <a:path w="11574" h="11573" extrusionOk="0">
                 <a:moveTo>
                   <a:pt x="10680" y="333"/>
                 </a:moveTo>
@@ -15941,23 +16149,23 @@
           <a:solidFill>
             <a:srgbClr val="657E93"/>
           </a:solidFill>
-          <a:ln cap="flat" cmpd="sng" w="9525">
+          <a:ln w="9525" cap="flat" cmpd="sng">
             <a:solidFill>
               <a:schemeClr val="lt1"/>
             </a:solidFill>
             <a:prstDash val="solid"/>
             <a:round/>
-            <a:headEnd len="sm" w="sm" type="none"/>
-            <a:tailEnd len="sm" w="sm" type="none"/>
+            <a:headEnd type="none" w="sm" len="sm"/>
+            <a:tailEnd type="none" w="sm" len="sm"/>
           </a:ln>
         </p:spPr>
         <p:txBody>
-          <a:bodyPr anchorCtr="0" anchor="ctr" bIns="91425" lIns="91425" spcFirstLastPara="1" rIns="91425" wrap="square" tIns="91425">
+          <a:bodyPr spcFirstLastPara="1" wrap="square" lIns="91425" tIns="91425" rIns="91425" bIns="91425" anchor="ctr" anchorCtr="0">
             <a:noAutofit/>
           </a:bodyPr>
           <a:lstStyle/>
           <a:p>
-            <a:pPr indent="0" lvl="0" marL="0" rtl="0" algn="l">
+            <a:pPr marL="0" lvl="0" indent="0" algn="l" rtl="0">
               <a:spcBef>
                 <a:spcPts val="0"/>
               </a:spcBef>
@@ -15966,9 +16174,6 @@
               </a:spcAft>
               <a:buNone/>
             </a:pPr>
-            <a:r>
-              <a:t/>
-            </a:r>
             <a:endParaRPr/>
           </a:p>
         </p:txBody>
@@ -15982,7 +16187,7 @@
 </file>
 
 <file path=ppt/theme/theme1.xml><?xml version="1.0" encoding="utf-8"?>
-<a:theme xmlns:a="http://schemas.openxmlformats.org/drawingml/2006/main" xmlns:r="http://schemas.openxmlformats.org/officeDocument/2006/relationships" name="Spearmint">
+<a:theme xmlns:a="http://schemas.openxmlformats.org/drawingml/2006/main" name="Spearmint">
   <a:themeElements>
     <a:clrScheme name="Spearmint">
       <a:dk1>
@@ -16257,11 +16462,13 @@
       </a:bgFillStyleLst>
     </a:fmtScheme>
   </a:themeElements>
+  <a:objectDefaults/>
+  <a:extraClrSchemeLst/>
 </a:theme>
 </file>
 
 <file path=ppt/theme/theme2.xml><?xml version="1.0" encoding="utf-8"?>
-<a:theme xmlns:a="http://schemas.openxmlformats.org/drawingml/2006/main" xmlns:r="http://schemas.openxmlformats.org/officeDocument/2006/relationships">
+<a:theme xmlns:a="http://schemas.openxmlformats.org/drawingml/2006/main">
   <a:themeElements>
     <a:clrScheme name="Default">
       <a:dk1>
@@ -16536,5 +16743,7 @@
       </a:bgFillStyleLst>
     </a:fmtScheme>
   </a:themeElements>
+  <a:objectDefaults/>
+  <a:extraClrSchemeLst/>
 </a:theme>
 </file>